--- a/基础PPT/JavaSE进阶第三版/第4章：Java异常处理.pptx
+++ b/基础PPT/JavaSE进阶第三版/第4章：Java异常处理.pptx
@@ -18233,7 +18233,7 @@
                       </a:pPr>
                       <a:r>
                         <a:rPr lang="zh-CN" altLang="en-US" sz="1400"/>
-                        <a:t>NumberF ormatException</a:t>
+                        <a:t>NumberFormatException</a:t>
                       </a:r>
                       <a:endParaRPr lang="zh-CN" altLang="en-US" sz="1400"/>
                     </a:p>

--- a/基础PPT/JavaSE进阶第三版/第4章：Java异常处理.pptx
+++ b/基础PPT/JavaSE进阶第三版/第4章：Java异常处理.pptx
@@ -5,7 +5,7 @@
     <p:sldMasterId id="2147483648" r:id="rId1"/>
   </p:sldMasterIdLst>
   <p:notesMasterIdLst>
-    <p:notesMasterId r:id="rId32"/>
+    <p:notesMasterId r:id="rId31"/>
   </p:notesMasterIdLst>
   <p:sldIdLst>
     <p:sldId id="660" r:id="rId3"/>
@@ -22,21 +22,20 @@
     <p:sldId id="716" r:id="rId14"/>
     <p:sldId id="717" r:id="rId15"/>
     <p:sldId id="692" r:id="rId16"/>
-    <p:sldId id="718" r:id="rId17"/>
-    <p:sldId id="693" r:id="rId18"/>
-    <p:sldId id="719" r:id="rId19"/>
-    <p:sldId id="682" r:id="rId20"/>
-    <p:sldId id="722" r:id="rId21"/>
-    <p:sldId id="723" r:id="rId22"/>
-    <p:sldId id="720" r:id="rId23"/>
-    <p:sldId id="691" r:id="rId24"/>
-    <p:sldId id="743" r:id="rId25"/>
-    <p:sldId id="724" r:id="rId26"/>
-    <p:sldId id="725" r:id="rId27"/>
-    <p:sldId id="726" r:id="rId28"/>
-    <p:sldId id="712" r:id="rId29"/>
-    <p:sldId id="687" r:id="rId30"/>
-    <p:sldId id="662" r:id="rId31"/>
+    <p:sldId id="682" r:id="rId17"/>
+    <p:sldId id="722" r:id="rId18"/>
+    <p:sldId id="723" r:id="rId19"/>
+    <p:sldId id="720" r:id="rId20"/>
+    <p:sldId id="691" r:id="rId21"/>
+    <p:sldId id="743" r:id="rId22"/>
+    <p:sldId id="765" r:id="rId23"/>
+    <p:sldId id="764" r:id="rId24"/>
+    <p:sldId id="724" r:id="rId25"/>
+    <p:sldId id="725" r:id="rId26"/>
+    <p:sldId id="726" r:id="rId27"/>
+    <p:sldId id="712" r:id="rId28"/>
+    <p:sldId id="687" r:id="rId29"/>
+    <p:sldId id="662" r:id="rId30"/>
   </p:sldIdLst>
   <p:sldSz cx="12192000" cy="6858000"/>
   <p:notesSz cx="6858000" cy="9144000"/>
@@ -6389,7 +6388,7 @@
         </p:nvSpPr>
         <p:spPr>
           <a:xfrm>
-            <a:off x="539115" y="1101725"/>
+            <a:off x="539115" y="746760"/>
             <a:ext cx="2120900" cy="456565"/>
           </a:xfrm>
           <a:prstGeom prst="rect">
@@ -6453,7 +6452,7 @@
         </p:nvSpPr>
         <p:spPr>
           <a:xfrm>
-            <a:off x="539115" y="4138930"/>
+            <a:off x="539115" y="3512185"/>
             <a:ext cx="2120900" cy="456565"/>
           </a:xfrm>
           <a:prstGeom prst="rect">
@@ -6517,7 +6516,7 @@
         </p:nvSpPr>
         <p:spPr>
           <a:xfrm>
-            <a:off x="2828925" y="4138930"/>
+            <a:off x="2828925" y="3512185"/>
             <a:ext cx="8084185" cy="1306195"/>
           </a:xfrm>
           <a:prstGeom prst="rect">
@@ -6579,7 +6578,7 @@
         </p:nvSpPr>
         <p:spPr>
           <a:xfrm>
-            <a:off x="2828925" y="1101725"/>
+            <a:off x="2828925" y="746760"/>
             <a:ext cx="8084185" cy="2632075"/>
           </a:xfrm>
           <a:prstGeom prst="rect">
@@ -6654,6 +6653,257 @@
               <a:cs typeface="宋体" panose="02010600030101010101" pitchFamily="2" charset="-122"/>
               <a:sym typeface="+mn-ea"/>
             </a:endParaRPr>
+          </a:p>
+        </p:txBody>
+      </p:sp>
+      <p:sp>
+        <p:nvSpPr>
+          <p:cNvPr id="3" name="矩形 2"/>
+          <p:cNvSpPr/>
+          <p:nvPr/>
+        </p:nvSpPr>
+        <p:spPr>
+          <a:xfrm>
+            <a:off x="7708265" y="5998210"/>
+            <a:ext cx="2949575" cy="456565"/>
+          </a:xfrm>
+          <a:prstGeom prst="rect">
+            <a:avLst/>
+          </a:prstGeom>
+          <a:solidFill>
+            <a:srgbClr val="F59909"/>
+          </a:solidFill>
+          <a:ln>
+            <a:solidFill>
+              <a:schemeClr val="bg1"/>
+            </a:solidFill>
+          </a:ln>
+        </p:spPr>
+        <p:style>
+          <a:lnRef idx="2">
+            <a:schemeClr val="accent1">
+              <a:shade val="50000"/>
+            </a:schemeClr>
+          </a:lnRef>
+          <a:fillRef idx="1">
+            <a:schemeClr val="accent1"/>
+          </a:fillRef>
+          <a:effectRef idx="0">
+            <a:schemeClr val="accent1"/>
+          </a:effectRef>
+          <a:fontRef idx="minor">
+            <a:schemeClr val="lt1"/>
+          </a:fontRef>
+        </p:style>
+        <p:txBody>
+          <a:bodyPr rtlCol="0" anchor="ctr"/>
+          <a:p>
+            <a:pPr algn="ctr"/>
+            <a:r>
+              <a:rPr lang="en-US" altLang="zh-CN" b="1">
+                <a:solidFill>
+                  <a:schemeClr val="bg1"/>
+                </a:solidFill>
+                <a:latin typeface="宋体" panose="02010600030101010101" pitchFamily="2" charset="-122"/>
+                <a:ea typeface="宋体" panose="02010600030101010101" pitchFamily="2" charset="-122"/>
+                <a:cs typeface="宋体" panose="02010600030101010101" pitchFamily="2" charset="-122"/>
+                <a:sym typeface="+mn-ea"/>
+              </a:rPr>
+              <a:t>异常能被程序本身可以处理</a:t>
+            </a:r>
+            <a:endParaRPr lang="en-US" altLang="zh-CN" b="1">
+              <a:solidFill>
+                <a:schemeClr val="bg1"/>
+              </a:solidFill>
+              <a:latin typeface="宋体" panose="02010600030101010101" pitchFamily="2" charset="-122"/>
+              <a:ea typeface="宋体" panose="02010600030101010101" pitchFamily="2" charset="-122"/>
+              <a:cs typeface="宋体" panose="02010600030101010101" pitchFamily="2" charset="-122"/>
+              <a:sym typeface="+mn-ea"/>
+            </a:endParaRPr>
+          </a:p>
+        </p:txBody>
+      </p:sp>
+      <p:sp>
+        <p:nvSpPr>
+          <p:cNvPr id="6" name="矩形 5"/>
+          <p:cNvSpPr/>
+          <p:nvPr/>
+        </p:nvSpPr>
+        <p:spPr>
+          <a:xfrm>
+            <a:off x="7708900" y="5300980"/>
+            <a:ext cx="2949575" cy="456565"/>
+          </a:xfrm>
+          <a:prstGeom prst="rect">
+            <a:avLst/>
+          </a:prstGeom>
+          <a:solidFill>
+            <a:srgbClr val="F59909"/>
+          </a:solidFill>
+          <a:ln>
+            <a:solidFill>
+              <a:schemeClr val="bg1"/>
+            </a:solidFill>
+          </a:ln>
+        </p:spPr>
+        <p:style>
+          <a:lnRef idx="2">
+            <a:schemeClr val="accent1">
+              <a:shade val="50000"/>
+            </a:schemeClr>
+          </a:lnRef>
+          <a:fillRef idx="1">
+            <a:schemeClr val="accent1"/>
+          </a:fillRef>
+          <a:effectRef idx="0">
+            <a:schemeClr val="accent1"/>
+          </a:effectRef>
+          <a:fontRef idx="minor">
+            <a:schemeClr val="lt1"/>
+          </a:fontRef>
+        </p:style>
+        <p:txBody>
+          <a:bodyPr rtlCol="0" anchor="ctr"/>
+          <a:p>
+            <a:pPr algn="ctr"/>
+            <a:r>
+              <a:rPr lang="en-US" altLang="zh-CN" b="1">
+                <a:solidFill>
+                  <a:schemeClr val="bg1"/>
+                </a:solidFill>
+                <a:latin typeface="宋体" panose="02010600030101010101" pitchFamily="2" charset="-122"/>
+                <a:ea typeface="宋体" panose="02010600030101010101" pitchFamily="2" charset="-122"/>
+                <a:cs typeface="宋体" panose="02010600030101010101" pitchFamily="2" charset="-122"/>
+                <a:sym typeface="+mn-ea"/>
+              </a:rPr>
+              <a:t>错误是无法处理</a:t>
+            </a:r>
+            <a:endParaRPr lang="en-US" altLang="zh-CN" b="1">
+              <a:solidFill>
+                <a:schemeClr val="bg1"/>
+              </a:solidFill>
+              <a:latin typeface="宋体" panose="02010600030101010101" pitchFamily="2" charset="-122"/>
+              <a:ea typeface="宋体" panose="02010600030101010101" pitchFamily="2" charset="-122"/>
+              <a:cs typeface="宋体" panose="02010600030101010101" pitchFamily="2" charset="-122"/>
+              <a:sym typeface="+mn-ea"/>
+            </a:endParaRPr>
+          </a:p>
+        </p:txBody>
+      </p:sp>
+      <p:sp>
+        <p:nvSpPr>
+          <p:cNvPr id="7" name="矩形 6"/>
+          <p:cNvSpPr/>
+          <p:nvPr/>
+        </p:nvSpPr>
+        <p:spPr>
+          <a:xfrm>
+            <a:off x="7453630" y="5064125"/>
+            <a:ext cx="3459480" cy="1630045"/>
+          </a:xfrm>
+          <a:prstGeom prst="rect">
+            <a:avLst/>
+          </a:prstGeom>
+          <a:noFill/>
+          <a:ln w="28575"/>
+          <a:extLst>
+            <a:ext uri="{909E8E84-426E-40DD-AFC4-6F175D3DCCD1}">
+              <a14:hiddenFill xmlns:a14="http://schemas.microsoft.com/office/drawing/2010/main">
+                <a:solidFill>
+                  <a:schemeClr val="tx2">
+                    <a:lumMod val="40000"/>
+                    <a:lumOff val="60000"/>
+                  </a:schemeClr>
+                </a:solidFill>
+              </a14:hiddenFill>
+            </a:ext>
+          </a:extLst>
+        </p:spPr>
+        <p:style>
+          <a:lnRef idx="2">
+            <a:schemeClr val="accent1">
+              <a:shade val="50000"/>
+            </a:schemeClr>
+          </a:lnRef>
+          <a:fillRef idx="1">
+            <a:schemeClr val="accent1"/>
+          </a:fillRef>
+          <a:effectRef idx="0">
+            <a:schemeClr val="accent1"/>
+          </a:effectRef>
+          <a:fontRef idx="minor">
+            <a:schemeClr val="lt1"/>
+          </a:fontRef>
+        </p:style>
+        <p:txBody>
+          <a:bodyPr rtlCol="0" anchor="ctr"/>
+          <a:p>
+            <a:pPr algn="l"/>
+            <a:endParaRPr lang="zh-CN" altLang="en-US" sz="1200">
+              <a:solidFill>
+                <a:schemeClr val="tx1"/>
+              </a:solidFill>
+              <a:latin typeface="+mn-ea"/>
+              <a:cs typeface="+mn-ea"/>
+              <a:sym typeface="+mn-ea"/>
+            </a:endParaRPr>
+          </a:p>
+        </p:txBody>
+      </p:sp>
+      <p:sp>
+        <p:nvSpPr>
+          <p:cNvPr id="8" name="流程图: 文档 7"/>
+          <p:cNvSpPr/>
+          <p:nvPr/>
+        </p:nvSpPr>
+        <p:spPr>
+          <a:xfrm>
+            <a:off x="4649470" y="5064125"/>
+            <a:ext cx="2567940" cy="445135"/>
+          </a:xfrm>
+          <a:prstGeom prst="flowChartDocument">
+            <a:avLst/>
+          </a:prstGeom>
+        </p:spPr>
+        <p:style>
+          <a:lnRef idx="2">
+            <a:schemeClr val="accent1">
+              <a:shade val="50000"/>
+            </a:schemeClr>
+          </a:lnRef>
+          <a:fillRef idx="1">
+            <a:schemeClr val="accent1"/>
+          </a:fillRef>
+          <a:effectRef idx="0">
+            <a:schemeClr val="accent1"/>
+          </a:effectRef>
+          <a:fontRef idx="minor">
+            <a:schemeClr val="lt1"/>
+          </a:fontRef>
+        </p:style>
+        <p:txBody>
+          <a:bodyPr rtlCol="0" anchor="ctr"/>
+          <a:p>
+            <a:pPr algn="ctr"/>
+            <a:r>
+              <a:rPr lang="zh-CN" altLang="en-US" b="1">
+                <a:latin typeface="宋体" panose="02010600030101010101" pitchFamily="2" charset="-122"/>
+                <a:ea typeface="宋体" panose="02010600030101010101" pitchFamily="2" charset="-122"/>
+                <a:cs typeface="宋体" panose="02010600030101010101" pitchFamily="2" charset="-122"/>
+                <a:sym typeface="+mn-ea"/>
+              </a:rPr>
+              <a:t>错误和异常</a:t>
+            </a:r>
+            <a:r>
+              <a:rPr lang="en-US" altLang="zh-CN" b="1">
+                <a:latin typeface="宋体" panose="02010600030101010101" pitchFamily="2" charset="-122"/>
+                <a:ea typeface="宋体" panose="02010600030101010101" pitchFamily="2" charset="-122"/>
+                <a:cs typeface="宋体" panose="02010600030101010101" pitchFamily="2" charset="-122"/>
+                <a:sym typeface="+mn-ea"/>
+              </a:rPr>
+              <a:t>的区别</a:t>
+            </a:r>
+            <a:endParaRPr lang="zh-CN" altLang="en-US"/>
           </a:p>
         </p:txBody>
       </p:sp>
@@ -6874,7 +7124,23 @@
                   <a:schemeClr val="tx1"/>
                 </a:solidFill>
               </a:rPr>
-              <a:t>    private static void testError() {</a:t>
+              <a:t>    @Test</a:t>
+            </a:r>
+            <a:endParaRPr lang="zh-CN" altLang="en-US" sz="1200">
+              <a:solidFill>
+                <a:schemeClr val="tx1"/>
+              </a:solidFill>
+            </a:endParaRPr>
+          </a:p>
+          <a:p>
+            <a:pPr algn="l"/>
+            <a:r>
+              <a:rPr lang="zh-CN" altLang="en-US" sz="1200">
+                <a:solidFill>
+                  <a:schemeClr val="tx1"/>
+                </a:solidFill>
+              </a:rPr>
+              <a:t>    public void testError () {</a:t>
             </a:r>
             <a:endParaRPr lang="zh-CN" altLang="en-US" sz="1200">
               <a:solidFill>
@@ -6922,7 +7188,7 @@
                   <a:schemeClr val="tx1"/>
                 </a:solidFill>
               </a:rPr>
-              <a:t>        for (int i = 0; i &lt; 1000000; i++) {</a:t>
+              <a:t>        for (int i=0; i&lt;1000000; i++) {</a:t>
             </a:r>
             <a:endParaRPr lang="zh-CN" altLang="en-US" sz="1200">
               <a:solidFill>
@@ -7438,7 +7704,7 @@
         </p:nvSpPr>
         <p:spPr>
           <a:xfrm>
-            <a:off x="5226685" y="6001385"/>
+            <a:off x="5226685" y="6276975"/>
             <a:ext cx="2575560" cy="368300"/>
           </a:xfrm>
           <a:prstGeom prst="rect">
@@ -7475,7 +7741,7 @@
         </p:nvSpPr>
         <p:spPr>
           <a:xfrm>
-            <a:off x="3093720" y="6001385"/>
+            <a:off x="3093720" y="6276975"/>
             <a:ext cx="1473200" cy="368300"/>
           </a:xfrm>
           <a:prstGeom prst="rect">
@@ -7512,7 +7778,7 @@
         </p:nvSpPr>
         <p:spPr>
           <a:xfrm>
-            <a:off x="3093720" y="5633085"/>
+            <a:off x="3093720" y="5615305"/>
             <a:ext cx="1937385" cy="368300"/>
           </a:xfrm>
           <a:prstGeom prst="rect">
@@ -7702,7 +7968,7 @@
         </p:nvSpPr>
         <p:spPr>
           <a:xfrm>
-            <a:off x="5226685" y="5633085"/>
+            <a:off x="5226685" y="5615305"/>
             <a:ext cx="2219325" cy="368300"/>
           </a:xfrm>
           <a:prstGeom prst="rect">
@@ -7721,13 +7987,339 @@
                   <a:srgbClr val="FF0000"/>
                 </a:solidFill>
               </a:rPr>
-              <a:t>非运行时异常 ②③</a:t>
+              <a:t>非运行时异常 ③</a:t>
             </a:r>
             <a:endParaRPr lang="zh-CN" altLang="en-US" b="1">
               <a:solidFill>
                 <a:srgbClr val="FF0000"/>
               </a:solidFill>
             </a:endParaRPr>
+          </a:p>
+        </p:txBody>
+      </p:sp>
+      <p:sp>
+        <p:nvSpPr>
+          <p:cNvPr id="6" name="矩形 5"/>
+          <p:cNvSpPr/>
+          <p:nvPr/>
+        </p:nvSpPr>
+        <p:spPr>
+          <a:xfrm>
+            <a:off x="2871470" y="5549265"/>
+            <a:ext cx="4389755" cy="501015"/>
+          </a:xfrm>
+          <a:prstGeom prst="rect">
+            <a:avLst/>
+          </a:prstGeom>
+          <a:noFill/>
+          <a:ln w="38100">
+            <a:solidFill>
+              <a:schemeClr val="accent1"/>
+            </a:solidFill>
+          </a:ln>
+          <a:extLst>
+            <a:ext uri="{909E8E84-426E-40DD-AFC4-6F175D3DCCD1}">
+              <a14:hiddenFill xmlns:a14="http://schemas.microsoft.com/office/drawing/2010/main">
+                <a:solidFill>
+                  <a:schemeClr val="bg1"/>
+                </a:solidFill>
+              </a14:hiddenFill>
+            </a:ext>
+          </a:extLst>
+        </p:spPr>
+        <p:style>
+          <a:lnRef idx="2">
+            <a:schemeClr val="accent1">
+              <a:shade val="50000"/>
+            </a:schemeClr>
+          </a:lnRef>
+          <a:fillRef idx="1">
+            <a:schemeClr val="accent1"/>
+          </a:fillRef>
+          <a:effectRef idx="0">
+            <a:schemeClr val="accent1"/>
+          </a:effectRef>
+          <a:fontRef idx="minor">
+            <a:schemeClr val="lt1"/>
+          </a:fontRef>
+        </p:style>
+        <p:txBody>
+          <a:bodyPr rtlCol="0" anchor="ctr"/>
+          <a:p>
+            <a:pPr algn="ctr"/>
+            <a:endParaRPr lang="zh-CN" altLang="en-US"/>
+          </a:p>
+        </p:txBody>
+      </p:sp>
+      <p:sp>
+        <p:nvSpPr>
+          <p:cNvPr id="7" name="矩形 6"/>
+          <p:cNvSpPr/>
+          <p:nvPr/>
+        </p:nvSpPr>
+        <p:spPr>
+          <a:xfrm>
+            <a:off x="2871470" y="6210300"/>
+            <a:ext cx="4389755" cy="501015"/>
+          </a:xfrm>
+          <a:prstGeom prst="rect">
+            <a:avLst/>
+          </a:prstGeom>
+          <a:noFill/>
+          <a:ln w="38100">
+            <a:solidFill>
+              <a:schemeClr val="accent1"/>
+            </a:solidFill>
+          </a:ln>
+          <a:extLst>
+            <a:ext uri="{909E8E84-426E-40DD-AFC4-6F175D3DCCD1}">
+              <a14:hiddenFill xmlns:a14="http://schemas.microsoft.com/office/drawing/2010/main">
+                <a:solidFill>
+                  <a:schemeClr val="bg1"/>
+                </a:solidFill>
+              </a14:hiddenFill>
+            </a:ext>
+          </a:extLst>
+        </p:spPr>
+        <p:style>
+          <a:lnRef idx="2">
+            <a:schemeClr val="accent1">
+              <a:shade val="50000"/>
+            </a:schemeClr>
+          </a:lnRef>
+          <a:fillRef idx="1">
+            <a:schemeClr val="accent1"/>
+          </a:fillRef>
+          <a:effectRef idx="0">
+            <a:schemeClr val="accent1"/>
+          </a:effectRef>
+          <a:fontRef idx="minor">
+            <a:schemeClr val="lt1"/>
+          </a:fontRef>
+        </p:style>
+        <p:txBody>
+          <a:bodyPr rtlCol="0" anchor="ctr"/>
+          <a:p>
+            <a:pPr algn="ctr"/>
+            <a:endParaRPr lang="zh-CN" altLang="en-US"/>
+          </a:p>
+        </p:txBody>
+      </p:sp>
+      <p:sp>
+        <p:nvSpPr>
+          <p:cNvPr id="14" name="文本框 13"/>
+          <p:cNvSpPr txBox="1"/>
+          <p:nvPr/>
+        </p:nvSpPr>
+        <p:spPr>
+          <a:xfrm>
+            <a:off x="877570" y="5646420"/>
+            <a:ext cx="1993900" cy="306705"/>
+          </a:xfrm>
+          <a:prstGeom prst="rect">
+            <a:avLst/>
+          </a:prstGeom>
+          <a:noFill/>
+        </p:spPr>
+        <p:txBody>
+          <a:bodyPr wrap="square" rtlCol="0">
+            <a:spAutoFit/>
+          </a:bodyPr>
+          <a:p>
+            <a:r>
+              <a:rPr lang="zh-CN" altLang="en-US" sz="1400" b="1">
+                <a:solidFill>
+                  <a:srgbClr val="FF0000"/>
+                </a:solidFill>
+                <a:latin typeface="+mn-ea"/>
+                <a:cs typeface="+mn-ea"/>
+              </a:rPr>
+              <a:t>按照 </a:t>
+            </a:r>
+            <a:r>
+              <a:rPr lang="en-US" altLang="zh-CN" sz="1400" b="1">
+                <a:solidFill>
+                  <a:srgbClr val="FF0000"/>
+                </a:solidFill>
+                <a:latin typeface="+mn-ea"/>
+                <a:cs typeface="+mn-ea"/>
+              </a:rPr>
+              <a:t>Exception </a:t>
+            </a:r>
+            <a:r>
+              <a:rPr lang="zh-CN" altLang="en-US" sz="1400" b="1">
+                <a:solidFill>
+                  <a:srgbClr val="FF0000"/>
+                </a:solidFill>
+                <a:latin typeface="+mn-ea"/>
+                <a:cs typeface="+mn-ea"/>
+              </a:rPr>
+              <a:t>分类</a:t>
+            </a:r>
+            <a:endParaRPr lang="zh-CN" altLang="en-US" sz="1400" b="1">
+              <a:solidFill>
+                <a:srgbClr val="FF0000"/>
+              </a:solidFill>
+              <a:latin typeface="+mn-ea"/>
+              <a:cs typeface="+mn-ea"/>
+            </a:endParaRPr>
+          </a:p>
+        </p:txBody>
+      </p:sp>
+      <p:sp>
+        <p:nvSpPr>
+          <p:cNvPr id="15" name="文本框 14"/>
+          <p:cNvSpPr txBox="1"/>
+          <p:nvPr/>
+        </p:nvSpPr>
+        <p:spPr>
+          <a:xfrm>
+            <a:off x="795020" y="6308090"/>
+            <a:ext cx="1993900" cy="306705"/>
+          </a:xfrm>
+          <a:prstGeom prst="rect">
+            <a:avLst/>
+          </a:prstGeom>
+          <a:noFill/>
+        </p:spPr>
+        <p:txBody>
+          <a:bodyPr wrap="square" rtlCol="0">
+            <a:spAutoFit/>
+          </a:bodyPr>
+          <a:p>
+            <a:r>
+              <a:rPr lang="zh-CN" altLang="en-US" sz="1400" b="1">
+                <a:solidFill>
+                  <a:srgbClr val="FF0000"/>
+                </a:solidFill>
+                <a:latin typeface="+mn-ea"/>
+                <a:cs typeface="+mn-ea"/>
+              </a:rPr>
+              <a:t>按照 </a:t>
+            </a:r>
+            <a:r>
+              <a:rPr lang="en-US" sz="1400" b="1">
+                <a:solidFill>
+                  <a:srgbClr val="FF0000"/>
+                </a:solidFill>
+                <a:latin typeface="+mn-ea"/>
+                <a:cs typeface="+mn-ea"/>
+              </a:rPr>
+              <a:t>Throwable </a:t>
+            </a:r>
+            <a:r>
+              <a:rPr lang="zh-CN" altLang="en-US" sz="1400" b="1">
+                <a:solidFill>
+                  <a:srgbClr val="FF0000"/>
+                </a:solidFill>
+                <a:latin typeface="+mn-ea"/>
+                <a:cs typeface="+mn-ea"/>
+              </a:rPr>
+              <a:t>分类</a:t>
+            </a:r>
+            <a:endParaRPr lang="zh-CN" altLang="en-US" sz="1400" b="1">
+              <a:solidFill>
+                <a:srgbClr val="FF0000"/>
+              </a:solidFill>
+              <a:latin typeface="+mn-ea"/>
+              <a:cs typeface="+mn-ea"/>
+            </a:endParaRPr>
+          </a:p>
+        </p:txBody>
+      </p:sp>
+      <p:sp>
+        <p:nvSpPr>
+          <p:cNvPr id="16" name="文本框 15"/>
+          <p:cNvSpPr txBox="1"/>
+          <p:nvPr/>
+        </p:nvSpPr>
+        <p:spPr>
+          <a:xfrm>
+            <a:off x="9496425" y="3065780"/>
+            <a:ext cx="1419860" cy="306705"/>
+          </a:xfrm>
+          <a:prstGeom prst="rect">
+            <a:avLst/>
+          </a:prstGeom>
+          <a:noFill/>
+        </p:spPr>
+        <p:txBody>
+          <a:bodyPr wrap="square" rtlCol="0">
+            <a:spAutoFit/>
+          </a:bodyPr>
+          <a:p>
+            <a:r>
+              <a:rPr lang="zh-CN" sz="1400" b="1">
+                <a:solidFill>
+                  <a:srgbClr val="FF0000"/>
+                </a:solidFill>
+                <a:latin typeface="+mn-ea"/>
+                <a:cs typeface="+mn-ea"/>
+              </a:rPr>
+              <a:t>③ 编译期异常</a:t>
+            </a:r>
+            <a:endParaRPr lang="zh-CN" sz="1400" b="1">
+              <a:solidFill>
+                <a:srgbClr val="FF0000"/>
+              </a:solidFill>
+              <a:latin typeface="+mn-ea"/>
+              <a:cs typeface="+mn-ea"/>
+            </a:endParaRPr>
+          </a:p>
+        </p:txBody>
+      </p:sp>
+      <p:sp>
+        <p:nvSpPr>
+          <p:cNvPr id="17" name="矩形 16"/>
+          <p:cNvSpPr/>
+          <p:nvPr/>
+        </p:nvSpPr>
+        <p:spPr>
+          <a:xfrm>
+            <a:off x="9496425" y="2968625"/>
+            <a:ext cx="1353185" cy="501015"/>
+          </a:xfrm>
+          <a:prstGeom prst="rect">
+            <a:avLst/>
+          </a:prstGeom>
+          <a:noFill/>
+          <a:ln w="38100">
+            <a:solidFill>
+              <a:srgbClr val="FF0000"/>
+            </a:solidFill>
+            <a:prstDash val="dash"/>
+          </a:ln>
+          <a:extLst>
+            <a:ext uri="{909E8E84-426E-40DD-AFC4-6F175D3DCCD1}">
+              <a14:hiddenFill xmlns:a14="http://schemas.microsoft.com/office/drawing/2010/main">
+                <a:solidFill>
+                  <a:schemeClr val="bg1"/>
+                </a:solidFill>
+              </a14:hiddenFill>
+            </a:ext>
+          </a:extLst>
+        </p:spPr>
+        <p:style>
+          <a:lnRef idx="2">
+            <a:schemeClr val="accent1">
+              <a:shade val="50000"/>
+            </a:schemeClr>
+          </a:lnRef>
+          <a:fillRef idx="1">
+            <a:schemeClr val="accent1"/>
+          </a:fillRef>
+          <a:effectRef idx="0">
+            <a:schemeClr val="accent1"/>
+          </a:effectRef>
+          <a:fontRef idx="minor">
+            <a:schemeClr val="lt1"/>
+          </a:fontRef>
+        </p:style>
+        <p:txBody>
+          <a:bodyPr rtlCol="0" anchor="ctr"/>
+          <a:p>
+            <a:pPr algn="ctr"/>
+            <a:endParaRPr lang="zh-CN" altLang="en-US"/>
           </a:p>
         </p:txBody>
       </p:sp>
@@ -7765,117 +8357,14 @@
       <p:grpSpPr/>
       <p:sp>
         <p:nvSpPr>
-          <p:cNvPr id="2" name="圆角矩形 1"/>
-          <p:cNvSpPr/>
-          <p:nvPr/>
-        </p:nvSpPr>
-        <p:spPr>
-          <a:xfrm>
-            <a:off x="2206625" y="2649855"/>
-            <a:ext cx="7467600" cy="1202055"/>
-          </a:xfrm>
-          <a:prstGeom prst="roundRect">
-            <a:avLst/>
-          </a:prstGeom>
-          <a:solidFill>
-            <a:srgbClr val="F59909"/>
-          </a:solidFill>
-          <a:ln>
-            <a:solidFill>
-              <a:schemeClr val="bg1"/>
-            </a:solidFill>
-          </a:ln>
-        </p:spPr>
-        <p:style>
-          <a:lnRef idx="2">
-            <a:schemeClr val="accent1">
-              <a:shade val="50000"/>
-            </a:schemeClr>
-          </a:lnRef>
-          <a:fillRef idx="1">
-            <a:schemeClr val="accent1"/>
-          </a:fillRef>
-          <a:effectRef idx="0">
-            <a:schemeClr val="accent1"/>
-          </a:effectRef>
-          <a:fontRef idx="minor">
-            <a:schemeClr val="lt1"/>
-          </a:fontRef>
-        </p:style>
-        <p:txBody>
-          <a:bodyPr rtlCol="0" anchor="ctr"/>
-          <a:p>
-            <a:pPr algn="ctr"/>
-            <a:r>
-              <a:rPr lang="zh-CN" altLang="en-US" sz="3200">
-                <a:sym typeface="+mn-ea"/>
-              </a:rPr>
-              <a:t>运行时异常和非运行时异常</a:t>
-            </a:r>
-            <a:r>
-              <a:rPr lang="en-US" altLang="zh-CN" sz="3200">
-                <a:sym typeface="+mn-ea"/>
-              </a:rPr>
-              <a:t>(</a:t>
-            </a:r>
-            <a:r>
-              <a:rPr lang="zh-CN" altLang="en-US" sz="3200">
-                <a:sym typeface="+mn-ea"/>
-              </a:rPr>
-              <a:t>编译异常</a:t>
-            </a:r>
-            <a:r>
-              <a:rPr lang="en-US" altLang="zh-CN" sz="3200">
-                <a:sym typeface="+mn-ea"/>
-              </a:rPr>
-              <a:t>)</a:t>
-            </a:r>
-            <a:endParaRPr lang="zh-CN" sz="3200"/>
-          </a:p>
-        </p:txBody>
-      </p:sp>
-    </p:spTree>
-    <p:custDataLst>
-      <p:tags r:id="rId2"/>
-    </p:custDataLst>
-  </p:cSld>
-  <p:clrMapOvr>
-    <a:masterClrMapping/>
-  </p:clrMapOvr>
-</p:sld>
-</file>
-
-<file path=ppt/slides/slide16.xml><?xml version="1.0" encoding="utf-8"?>
-<p:sld xmlns:a="http://schemas.openxmlformats.org/drawingml/2006/main" xmlns:r="http://schemas.openxmlformats.org/officeDocument/2006/relationships" xmlns:p="http://schemas.openxmlformats.org/presentationml/2006/main">
-  <p:cSld>
-    <p:bg>
-      <p:bgPr>
-        <a:blipFill rotWithShape="1">
-          <a:blip r:embed="rId1"/>
-          <a:stretch>
-            <a:fillRect/>
-          </a:stretch>
-        </a:blipFill>
-        <a:effectLst/>
-      </p:bgPr>
-    </p:bg>
-    <p:spTree>
-      <p:nvGrpSpPr>
-        <p:cNvPr id="1" name=""/>
-        <p:cNvGrpSpPr/>
-        <p:nvPr/>
-      </p:nvGrpSpPr>
-      <p:grpSpPr/>
-      <p:sp>
-        <p:nvSpPr>
           <p:cNvPr id="22" name="矩形 21"/>
           <p:cNvSpPr/>
           <p:nvPr/>
         </p:nvSpPr>
         <p:spPr>
           <a:xfrm>
-            <a:off x="1978660" y="1221105"/>
-            <a:ext cx="1729105" cy="456565"/>
+            <a:off x="1987550" y="3923665"/>
+            <a:ext cx="1729105" cy="484505"/>
           </a:xfrm>
           <a:prstGeom prst="rect">
             <a:avLst/>
@@ -7910,13 +8399,22 @@
           <a:p>
             <a:pPr algn="ctr"/>
             <a:r>
+              <a:rPr lang="zh-CN" altLang="en-US">
+                <a:latin typeface="+mj-ea"/>
+                <a:ea typeface="+mj-ea"/>
+                <a:cs typeface="宋体" panose="02010600030101010101" pitchFamily="2" charset="-122"/>
+                <a:sym typeface="+mn-ea"/>
+              </a:rPr>
+              <a:t>检查</a:t>
+            </a:r>
+            <a:r>
               <a:rPr lang="en-US" altLang="zh-CN">
                 <a:latin typeface="+mj-ea"/>
                 <a:ea typeface="+mj-ea"/>
                 <a:cs typeface="宋体" panose="02010600030101010101" pitchFamily="2" charset="-122"/>
                 <a:sym typeface="+mn-ea"/>
               </a:rPr>
-              <a:t>运行时异常</a:t>
+              <a:t>异常</a:t>
             </a:r>
             <a:endParaRPr lang="en-US" altLang="zh-CN" b="1">
               <a:solidFill>
@@ -7938,8 +8436,8 @@
         </p:nvSpPr>
         <p:spPr>
           <a:xfrm>
-            <a:off x="1978660" y="3347720"/>
-            <a:ext cx="1729105" cy="456565"/>
+            <a:off x="1987550" y="5230495"/>
+            <a:ext cx="1729105" cy="474980"/>
           </a:xfrm>
           <a:prstGeom prst="rect">
             <a:avLst/>
@@ -7974,13 +8472,22 @@
           <a:p>
             <a:pPr algn="ctr"/>
             <a:r>
+              <a:rPr lang="zh-CN" altLang="en-US">
+                <a:latin typeface="+mj-ea"/>
+                <a:ea typeface="+mj-ea"/>
+                <a:cs typeface="+mj-ea"/>
+                <a:sym typeface="+mn-ea"/>
+              </a:rPr>
+              <a:t>非检查</a:t>
+            </a:r>
+            <a:r>
               <a:rPr lang="en-US" altLang="zh-CN">
                 <a:latin typeface="+mj-ea"/>
                 <a:ea typeface="+mj-ea"/>
-                <a:cs typeface="宋体" panose="02010600030101010101" pitchFamily="2" charset="-122"/>
+                <a:cs typeface="+mj-ea"/>
                 <a:sym typeface="+mn-ea"/>
               </a:rPr>
-              <a:t>非运行时异常</a:t>
+              <a:t>异常</a:t>
             </a:r>
             <a:endParaRPr lang="en-US" altLang="zh-CN" b="1">
               <a:solidFill>
@@ -7988,7 +8495,7 @@
               </a:solidFill>
               <a:latin typeface="+mj-ea"/>
               <a:ea typeface="+mj-ea"/>
-              <a:cs typeface="宋体" panose="02010600030101010101" pitchFamily="2" charset="-122"/>
+              <a:cs typeface="+mj-ea"/>
               <a:sym typeface="+mn-ea"/>
             </a:endParaRPr>
           </a:p>
@@ -8002,8 +8509,8 @@
         </p:nvSpPr>
         <p:spPr>
           <a:xfrm>
-            <a:off x="3876675" y="3347720"/>
-            <a:ext cx="8084185" cy="1070610"/>
+            <a:off x="3840480" y="5006340"/>
+            <a:ext cx="8084185" cy="1129030"/>
           </a:xfrm>
           <a:prstGeom prst="rect">
             <a:avLst/>
@@ -8033,42 +8540,30 @@
           <a:p>
             <a:pPr algn="l"/>
             <a:r>
-              <a:rPr lang="en-US" altLang="zh-CN" sz="1600">
-                <a:solidFill>
-                  <a:schemeClr val="tx1"/>
+              <a:rPr lang="en-US" altLang="zh-CN" sz="1400" b="1">
+                <a:solidFill>
+                  <a:srgbClr val="FF0000"/>
                 </a:solidFill>
                 <a:latin typeface="宋体" panose="02010600030101010101" pitchFamily="2" charset="-122"/>
                 <a:ea typeface="宋体" panose="02010600030101010101" pitchFamily="2" charset="-122"/>
                 <a:cs typeface="宋体" panose="02010600030101010101" pitchFamily="2" charset="-122"/>
                 <a:sym typeface="+mn-ea"/>
               </a:rPr>
-              <a:t>是RuntimeException以外的异常，类型上都属于Exception类及其子类。</a:t>
-            </a:r>
-            <a:r>
-              <a:rPr lang="en-US" altLang="zh-CN" sz="1600" b="1">
-                <a:solidFill>
-                  <a:srgbClr val="FF0000"/>
+              <a:t>包括运行时异常（RuntimeException与其子类）和错误（Error）</a:t>
+            </a:r>
+            <a:r>
+              <a:rPr lang="en-US" altLang="zh-CN" sz="1400">
+                <a:solidFill>
+                  <a:schemeClr val="tx1"/>
                 </a:solidFill>
                 <a:latin typeface="宋体" panose="02010600030101010101" pitchFamily="2" charset="-122"/>
                 <a:ea typeface="宋体" panose="02010600030101010101" pitchFamily="2" charset="-122"/>
                 <a:cs typeface="宋体" panose="02010600030101010101" pitchFamily="2" charset="-122"/>
                 <a:sym typeface="+mn-ea"/>
               </a:rPr>
-              <a:t>从程序语法角度讲是必须进行处理的异常，如果不处理，程序就不能编译通过</a:t>
-            </a:r>
-            <a:r>
-              <a:rPr lang="en-US" altLang="zh-CN" sz="1600">
-                <a:solidFill>
-                  <a:schemeClr val="tx1"/>
-                </a:solidFill>
-                <a:latin typeface="宋体" panose="02010600030101010101" pitchFamily="2" charset="-122"/>
-                <a:ea typeface="宋体" panose="02010600030101010101" pitchFamily="2" charset="-122"/>
-                <a:cs typeface="宋体" panose="02010600030101010101" pitchFamily="2" charset="-122"/>
-                <a:sym typeface="+mn-ea"/>
-              </a:rPr>
-              <a:t>。如IOException、SQLException等以及用户自定义的Exception异常。 </a:t>
-            </a:r>
-            <a:endParaRPr lang="en-US" altLang="zh-CN" sz="1600">
+              <a:t>。RuntimeException表示编译器不会检查程序是否对RuntimeException作了处理，在程序中不必捕获RuntimException类型的异常，也不必在方法体声明抛出RuntimeException类。RuntimeException发生的时候，表示程序中出现了编程错误，所以应该找出错误修改程序，而不是去捕获RuntimeException。</a:t>
+            </a:r>
+            <a:endParaRPr lang="en-US" altLang="zh-CN" sz="1400">
               <a:solidFill>
                 <a:schemeClr val="tx1"/>
               </a:solidFill>
@@ -8088,8 +8583,8 @@
         </p:nvSpPr>
         <p:spPr>
           <a:xfrm>
-            <a:off x="3876675" y="1221105"/>
-            <a:ext cx="8084185" cy="1839595"/>
+            <a:off x="3840480" y="3522980"/>
+            <a:ext cx="8084185" cy="1303020"/>
           </a:xfrm>
           <a:prstGeom prst="rect">
             <a:avLst/>
@@ -8119,7 +8614,7 @@
           <a:p>
             <a:pPr algn="l"/>
             <a:r>
-              <a:rPr lang="en-US" altLang="zh-CN" sz="1600">
+              <a:rPr lang="en-US" altLang="zh-CN" sz="1400">
                 <a:solidFill>
                   <a:schemeClr val="tx1"/>
                 </a:solidFill>
@@ -8128,10 +8623,10 @@
                 <a:cs typeface="宋体" panose="02010600030101010101" pitchFamily="2" charset="-122"/>
                 <a:sym typeface="+mn-ea"/>
               </a:rPr>
-              <a:t>都是RuntimeException类及其子类异常，如NullPointerException(空指针异常)、IndexOutOfBoundsException(下标越界异常)等，</a:t>
-            </a:r>
-            <a:r>
-              <a:rPr lang="en-US" altLang="zh-CN" sz="1600" b="1">
+              <a:t>正确的程序在运行中，很容易出现的、情理可容的异常状况。</a:t>
+            </a:r>
+            <a:r>
+              <a:rPr lang="en-US" altLang="zh-CN" sz="1400" b="1">
                 <a:solidFill>
                   <a:srgbClr val="FF0000"/>
                 </a:solidFill>
@@ -8140,10 +8635,10 @@
                 <a:cs typeface="宋体" panose="02010600030101010101" pitchFamily="2" charset="-122"/>
                 <a:sym typeface="+mn-ea"/>
               </a:rPr>
-              <a:t>这些异常是不检查异常，程序中可以选择捕获处理，也可以不处理</a:t>
-            </a:r>
-            <a:r>
-              <a:rPr lang="en-US" altLang="zh-CN" sz="1600">
+              <a:t>除了Exception中的RuntimeException及RuntimeException的子类以外</a:t>
+            </a:r>
+            <a:r>
+              <a:rPr lang="en-US" altLang="zh-CN" sz="1400">
                 <a:solidFill>
                   <a:schemeClr val="tx1"/>
                 </a:solidFill>
@@ -8152,9 +8647,9 @@
                 <a:cs typeface="宋体" panose="02010600030101010101" pitchFamily="2" charset="-122"/>
                 <a:sym typeface="+mn-ea"/>
               </a:rPr>
-              <a:t>。这些异常一般是由程序逻辑错误引起的，程序应该从逻辑角度尽可能避免这类异常的发生。运行时异常的特点是Java编译器不会检查它，也就是说，当程序中可能出现这类异常，即使没有用try-catch语句捕获它，也没有用throws子句声明抛出它，也会编译通过。</a:t>
-            </a:r>
-            <a:endParaRPr lang="en-US" altLang="zh-CN" sz="1600">
+              <a:t>，其他的Exception类及其子类(例如：IOException和ClassNotFoundException)都属于可查异常。这种异常的特点是Java编译器会检查它，也就是说，当程序中可能出现这类异常，要么用try-catch语句捕获它，要么用throws子句声明抛出它，否则编译不会通过。</a:t>
+            </a:r>
+            <a:endParaRPr lang="en-US" altLang="zh-CN" sz="1400">
               <a:solidFill>
                 <a:schemeClr val="tx1"/>
               </a:solidFill>
@@ -8163,57 +8658,6 @@
               <a:cs typeface="宋体" panose="02010600030101010101" pitchFamily="2" charset="-122"/>
               <a:sym typeface="+mn-ea"/>
             </a:endParaRPr>
-          </a:p>
-        </p:txBody>
-      </p:sp>
-      <p:sp>
-        <p:nvSpPr>
-          <p:cNvPr id="6" name="椭圆形标注 5"/>
-          <p:cNvSpPr/>
-          <p:nvPr/>
-        </p:nvSpPr>
-        <p:spPr>
-          <a:xfrm>
-            <a:off x="457835" y="4418330"/>
-            <a:ext cx="3023870" cy="956310"/>
-          </a:xfrm>
-          <a:prstGeom prst="wedgeEllipseCallout">
-            <a:avLst>
-              <a:gd name="adj1" fmla="val -32547"/>
-              <a:gd name="adj2" fmla="val -172709"/>
-            </a:avLst>
-          </a:prstGeom>
-        </p:spPr>
-        <p:style>
-          <a:lnRef idx="2">
-            <a:schemeClr val="accent1">
-              <a:shade val="50000"/>
-            </a:schemeClr>
-          </a:lnRef>
-          <a:fillRef idx="1">
-            <a:schemeClr val="accent1"/>
-          </a:fillRef>
-          <a:effectRef idx="0">
-            <a:schemeClr val="accent1"/>
-          </a:effectRef>
-          <a:fontRef idx="minor">
-            <a:schemeClr val="lt1"/>
-          </a:fontRef>
-        </p:style>
-        <p:txBody>
-          <a:bodyPr rtlCol="0" anchor="ctr"/>
-          <a:p>
-            <a:pPr algn="ctr"/>
-            <a:r>
-              <a:rPr lang="en-US" altLang="zh-CN">
-                <a:latin typeface="宋体" panose="02010600030101010101" pitchFamily="2" charset="-122"/>
-                <a:ea typeface="宋体" panose="02010600030101010101" pitchFamily="2" charset="-122"/>
-                <a:cs typeface="宋体" panose="02010600030101010101" pitchFamily="2" charset="-122"/>
-                <a:sym typeface="+mn-ea"/>
-              </a:rPr>
-              <a:t>程序中应当尽可能去处理这些异常。</a:t>
-            </a:r>
-            <a:endParaRPr lang="zh-CN" altLang="en-US"/>
           </a:p>
         </p:txBody>
       </p:sp>
@@ -8225,8 +8669,8 @@
         </p:nvSpPr>
         <p:spPr>
           <a:xfrm>
-            <a:off x="1715135" y="1264285"/>
-            <a:ext cx="218440" cy="2495550"/>
+            <a:off x="1724025" y="3966845"/>
+            <a:ext cx="218440" cy="1739265"/>
           </a:xfrm>
           <a:prstGeom prst="leftBrace">
             <a:avLst/>
@@ -8267,7 +8711,7 @@
         </p:nvSpPr>
         <p:spPr>
           <a:xfrm>
-            <a:off x="219075" y="2146935"/>
+            <a:off x="182880" y="4330065"/>
             <a:ext cx="1290955" cy="1012190"/>
           </a:xfrm>
           <a:prstGeom prst="rect">
@@ -8303,568 +8747,45 @@
           <a:p>
             <a:pPr algn="ctr"/>
             <a:r>
-              <a:rPr lang="en-US" altLang="zh-CN">
-                <a:latin typeface="+mj-ea"/>
-                <a:ea typeface="+mj-ea"/>
-                <a:cs typeface="+mj-ea"/>
+              <a:rPr lang="zh-CN" altLang="en-US" sz="1400" b="1">
+                <a:solidFill>
+                  <a:schemeClr val="bg1"/>
+                </a:solidFill>
+                <a:latin typeface="+mn-ea"/>
+                <a:cs typeface="+mn-ea"/>
                 <a:sym typeface="+mn-ea"/>
               </a:rPr>
-              <a:t>Exception（异常）</a:t>
-            </a:r>
-            <a:r>
-              <a:rPr lang="zh-CN" altLang="en-US">
-                <a:latin typeface="+mj-ea"/>
-                <a:ea typeface="+mj-ea"/>
-                <a:cs typeface="+mj-ea"/>
+              <a:t>按照 </a:t>
+            </a:r>
+            <a:r>
+              <a:rPr lang="en-US" sz="1400" b="1">
+                <a:solidFill>
+                  <a:schemeClr val="bg1"/>
+                </a:solidFill>
+                <a:latin typeface="+mn-ea"/>
+                <a:cs typeface="+mn-ea"/>
                 <a:sym typeface="+mn-ea"/>
               </a:rPr>
+              <a:t>Throwable </a:t>
+            </a:r>
+            <a:r>
+              <a:rPr lang="zh-CN" altLang="en-US" sz="1400" b="1">
+                <a:solidFill>
+                  <a:schemeClr val="bg1"/>
+                </a:solidFill>
+                <a:latin typeface="+mn-ea"/>
+                <a:cs typeface="+mn-ea"/>
+                <a:sym typeface="+mn-ea"/>
+              </a:rPr>
               <a:t>分类</a:t>
             </a:r>
-            <a:endParaRPr lang="zh-CN" altLang="en-US" b="1">
+            <a:endParaRPr lang="zh-CN" altLang="en-US" sz="1400" b="1">
               <a:solidFill>
                 <a:schemeClr val="bg1"/>
               </a:solidFill>
-              <a:latin typeface="+mj-ea"/>
+              <a:latin typeface="+mn-ea"/>
               <a:ea typeface="+mj-ea"/>
-              <a:cs typeface="+mj-ea"/>
-              <a:sym typeface="+mn-ea"/>
-            </a:endParaRPr>
-          </a:p>
-        </p:txBody>
-      </p:sp>
-    </p:spTree>
-    <p:custDataLst>
-      <p:tags r:id="rId2"/>
-    </p:custDataLst>
-  </p:cSld>
-  <p:clrMapOvr>
-    <a:masterClrMapping/>
-  </p:clrMapOvr>
-</p:sld>
-</file>
-
-<file path=ppt/slides/slide17.xml><?xml version="1.0" encoding="utf-8"?>
-<p:sld xmlns:a="http://schemas.openxmlformats.org/drawingml/2006/main" xmlns:r="http://schemas.openxmlformats.org/officeDocument/2006/relationships" xmlns:p="http://schemas.openxmlformats.org/presentationml/2006/main">
-  <p:cSld>
-    <p:bg>
-      <p:bgPr>
-        <a:blipFill rotWithShape="1">
-          <a:blip r:embed="rId1"/>
-          <a:stretch>
-            <a:fillRect/>
-          </a:stretch>
-        </a:blipFill>
-        <a:effectLst/>
-      </p:bgPr>
-    </p:bg>
-    <p:spTree>
-      <p:nvGrpSpPr>
-        <p:cNvPr id="1" name=""/>
-        <p:cNvGrpSpPr/>
-        <p:nvPr/>
-      </p:nvGrpSpPr>
-      <p:grpSpPr/>
-      <p:sp>
-        <p:nvSpPr>
-          <p:cNvPr id="2" name="圆角矩形 1"/>
-          <p:cNvSpPr/>
-          <p:nvPr/>
-        </p:nvSpPr>
-        <p:spPr>
-          <a:xfrm>
-            <a:off x="3453765" y="2649855"/>
-            <a:ext cx="5045710" cy="1202055"/>
-          </a:xfrm>
-          <a:prstGeom prst="roundRect">
-            <a:avLst/>
-          </a:prstGeom>
-          <a:solidFill>
-            <a:srgbClr val="F59909"/>
-          </a:solidFill>
-          <a:ln>
-            <a:solidFill>
-              <a:schemeClr val="bg1"/>
-            </a:solidFill>
-          </a:ln>
-        </p:spPr>
-        <p:style>
-          <a:lnRef idx="2">
-            <a:schemeClr val="accent1">
-              <a:shade val="50000"/>
-            </a:schemeClr>
-          </a:lnRef>
-          <a:fillRef idx="1">
-            <a:schemeClr val="accent1"/>
-          </a:fillRef>
-          <a:effectRef idx="0">
-            <a:schemeClr val="accent1"/>
-          </a:effectRef>
-          <a:fontRef idx="minor">
-            <a:schemeClr val="lt1"/>
-          </a:fontRef>
-        </p:style>
-        <p:txBody>
-          <a:bodyPr rtlCol="0" anchor="ctr"/>
-          <a:p>
-            <a:pPr algn="ctr"/>
-            <a:r>
-              <a:rPr lang="zh-CN" altLang="en-US" sz="3200">
-                <a:sym typeface="+mn-ea"/>
-              </a:rPr>
-              <a:t>检查异常和非检查异常</a:t>
-            </a:r>
-            <a:endParaRPr lang="zh-CN" sz="3200"/>
-          </a:p>
-        </p:txBody>
-      </p:sp>
-    </p:spTree>
-    <p:custDataLst>
-      <p:tags r:id="rId2"/>
-    </p:custDataLst>
-  </p:cSld>
-  <p:clrMapOvr>
-    <a:masterClrMapping/>
-  </p:clrMapOvr>
-</p:sld>
-</file>
-
-<file path=ppt/slides/slide18.xml><?xml version="1.0" encoding="utf-8"?>
-<p:sld xmlns:a="http://schemas.openxmlformats.org/drawingml/2006/main" xmlns:r="http://schemas.openxmlformats.org/officeDocument/2006/relationships" xmlns:p="http://schemas.openxmlformats.org/presentationml/2006/main">
-  <p:cSld>
-    <p:bg>
-      <p:bgPr>
-        <a:blipFill rotWithShape="1">
-          <a:blip r:embed="rId1"/>
-          <a:stretch>
-            <a:fillRect/>
-          </a:stretch>
-        </a:blipFill>
-        <a:effectLst/>
-      </p:bgPr>
-    </p:bg>
-    <p:spTree>
-      <p:nvGrpSpPr>
-        <p:cNvPr id="1" name=""/>
-        <p:cNvGrpSpPr/>
-        <p:nvPr/>
-      </p:nvGrpSpPr>
-      <p:grpSpPr/>
-      <p:sp>
-        <p:nvSpPr>
-          <p:cNvPr id="22" name="矩形 21"/>
-          <p:cNvSpPr/>
-          <p:nvPr/>
-        </p:nvSpPr>
-        <p:spPr>
-          <a:xfrm>
-            <a:off x="1979295" y="1503680"/>
-            <a:ext cx="1729105" cy="484505"/>
-          </a:xfrm>
-          <a:prstGeom prst="rect">
-            <a:avLst/>
-          </a:prstGeom>
-          <a:solidFill>
-            <a:srgbClr val="F59909"/>
-          </a:solidFill>
-          <a:ln>
-            <a:solidFill>
-              <a:schemeClr val="bg1"/>
-            </a:solidFill>
-          </a:ln>
-        </p:spPr>
-        <p:style>
-          <a:lnRef idx="2">
-            <a:schemeClr val="accent1">
-              <a:shade val="50000"/>
-            </a:schemeClr>
-          </a:lnRef>
-          <a:fillRef idx="1">
-            <a:schemeClr val="accent1"/>
-          </a:fillRef>
-          <a:effectRef idx="0">
-            <a:schemeClr val="accent1"/>
-          </a:effectRef>
-          <a:fontRef idx="minor">
-            <a:schemeClr val="lt1"/>
-          </a:fontRef>
-        </p:style>
-        <p:txBody>
-          <a:bodyPr rtlCol="0" anchor="ctr"/>
-          <a:p>
-            <a:pPr algn="ctr"/>
-            <a:r>
-              <a:rPr lang="zh-CN" altLang="en-US">
-                <a:latin typeface="+mj-ea"/>
-                <a:ea typeface="+mj-ea"/>
-                <a:cs typeface="宋体" panose="02010600030101010101" pitchFamily="2" charset="-122"/>
-                <a:sym typeface="+mn-ea"/>
-              </a:rPr>
-              <a:t>检查</a:t>
-            </a:r>
-            <a:r>
-              <a:rPr lang="en-US" altLang="zh-CN">
-                <a:latin typeface="+mj-ea"/>
-                <a:ea typeface="+mj-ea"/>
-                <a:cs typeface="宋体" panose="02010600030101010101" pitchFamily="2" charset="-122"/>
-                <a:sym typeface="+mn-ea"/>
-              </a:rPr>
-              <a:t>异常</a:t>
-            </a:r>
-            <a:endParaRPr lang="en-US" altLang="zh-CN" b="1">
-              <a:solidFill>
-                <a:schemeClr val="bg1"/>
-              </a:solidFill>
-              <a:latin typeface="+mj-ea"/>
-              <a:ea typeface="+mj-ea"/>
-              <a:cs typeface="宋体" panose="02010600030101010101" pitchFamily="2" charset="-122"/>
-              <a:sym typeface="+mn-ea"/>
-            </a:endParaRPr>
-          </a:p>
-        </p:txBody>
-      </p:sp>
-      <p:sp>
-        <p:nvSpPr>
-          <p:cNvPr id="2" name="矩形 1"/>
-          <p:cNvSpPr/>
-          <p:nvPr/>
-        </p:nvSpPr>
-        <p:spPr>
-          <a:xfrm>
-            <a:off x="1979295" y="3630295"/>
-            <a:ext cx="1729105" cy="474980"/>
-          </a:xfrm>
-          <a:prstGeom prst="rect">
-            <a:avLst/>
-          </a:prstGeom>
-          <a:solidFill>
-            <a:srgbClr val="F59909"/>
-          </a:solidFill>
-          <a:ln>
-            <a:solidFill>
-              <a:schemeClr val="bg1"/>
-            </a:solidFill>
-          </a:ln>
-        </p:spPr>
-        <p:style>
-          <a:lnRef idx="2">
-            <a:schemeClr val="accent1">
-              <a:shade val="50000"/>
-            </a:schemeClr>
-          </a:lnRef>
-          <a:fillRef idx="1">
-            <a:schemeClr val="accent1"/>
-          </a:fillRef>
-          <a:effectRef idx="0">
-            <a:schemeClr val="accent1"/>
-          </a:effectRef>
-          <a:fontRef idx="minor">
-            <a:schemeClr val="lt1"/>
-          </a:fontRef>
-        </p:style>
-        <p:txBody>
-          <a:bodyPr rtlCol="0" anchor="ctr"/>
-          <a:p>
-            <a:pPr algn="ctr"/>
-            <a:r>
-              <a:rPr lang="zh-CN" altLang="en-US">
-                <a:latin typeface="+mj-ea"/>
-                <a:ea typeface="+mj-ea"/>
-                <a:cs typeface="+mj-ea"/>
-                <a:sym typeface="+mn-ea"/>
-              </a:rPr>
-              <a:t>非检查</a:t>
-            </a:r>
-            <a:r>
-              <a:rPr lang="en-US" altLang="zh-CN">
-                <a:latin typeface="+mj-ea"/>
-                <a:ea typeface="+mj-ea"/>
-                <a:cs typeface="+mj-ea"/>
-                <a:sym typeface="+mn-ea"/>
-              </a:rPr>
-              <a:t>异常</a:t>
-            </a:r>
-            <a:endParaRPr lang="en-US" altLang="zh-CN" b="1">
-              <a:solidFill>
-                <a:schemeClr val="bg1"/>
-              </a:solidFill>
-              <a:latin typeface="+mj-ea"/>
-              <a:ea typeface="+mj-ea"/>
-              <a:cs typeface="+mj-ea"/>
-              <a:sym typeface="+mn-ea"/>
-            </a:endParaRPr>
-          </a:p>
-        </p:txBody>
-      </p:sp>
-      <p:sp>
-        <p:nvSpPr>
-          <p:cNvPr id="4" name="矩形 3"/>
-          <p:cNvSpPr/>
-          <p:nvPr/>
-        </p:nvSpPr>
-        <p:spPr>
-          <a:xfrm>
-            <a:off x="3877310" y="3630295"/>
-            <a:ext cx="8084185" cy="1443355"/>
-          </a:xfrm>
-          <a:prstGeom prst="rect">
-            <a:avLst/>
-          </a:prstGeom>
-          <a:solidFill>
-            <a:schemeClr val="tx2"/>
-          </a:solidFill>
-        </p:spPr>
-        <p:style>
-          <a:lnRef idx="2">
-            <a:schemeClr val="accent1">
-              <a:shade val="50000"/>
-            </a:schemeClr>
-          </a:lnRef>
-          <a:fillRef idx="1">
-            <a:schemeClr val="accent1"/>
-          </a:fillRef>
-          <a:effectRef idx="0">
-            <a:schemeClr val="accent1"/>
-          </a:effectRef>
-          <a:fontRef idx="minor">
-            <a:schemeClr val="lt1"/>
-          </a:fontRef>
-        </p:style>
-        <p:txBody>
-          <a:bodyPr rtlCol="0" anchor="ctr"/>
-          <a:p>
-            <a:pPr algn="l"/>
-            <a:r>
-              <a:rPr lang="en-US" altLang="zh-CN" sz="1600" b="1">
-                <a:solidFill>
-                  <a:srgbClr val="FF0000"/>
-                </a:solidFill>
-                <a:latin typeface="宋体" panose="02010600030101010101" pitchFamily="2" charset="-122"/>
-                <a:ea typeface="宋体" panose="02010600030101010101" pitchFamily="2" charset="-122"/>
-                <a:cs typeface="宋体" panose="02010600030101010101" pitchFamily="2" charset="-122"/>
-                <a:sym typeface="+mn-ea"/>
-              </a:rPr>
-              <a:t>包括运行时异常（RuntimeException与其子类）和错误（Error）</a:t>
-            </a:r>
-            <a:r>
-              <a:rPr lang="en-US" altLang="zh-CN" sz="1600">
-                <a:solidFill>
-                  <a:schemeClr val="tx1"/>
-                </a:solidFill>
-                <a:latin typeface="宋体" panose="02010600030101010101" pitchFamily="2" charset="-122"/>
-                <a:ea typeface="宋体" panose="02010600030101010101" pitchFamily="2" charset="-122"/>
-                <a:cs typeface="宋体" panose="02010600030101010101" pitchFamily="2" charset="-122"/>
-                <a:sym typeface="+mn-ea"/>
-              </a:rPr>
-              <a:t>。RuntimeException表示编译器不会检查程序是否对RuntimeException作了处理，在程序中不必捕获RuntimException类型的异常，也不必在方法体声明抛出RuntimeException类。RuntimeException发生的时候，表示程序中出现了编程错误，所以应该找出错误修改程序，而不是去捕获RuntimeException。</a:t>
-            </a:r>
-            <a:endParaRPr lang="en-US" altLang="zh-CN" sz="1600">
-              <a:solidFill>
-                <a:schemeClr val="tx1"/>
-              </a:solidFill>
-              <a:latin typeface="宋体" panose="02010600030101010101" pitchFamily="2" charset="-122"/>
-              <a:ea typeface="宋体" panose="02010600030101010101" pitchFamily="2" charset="-122"/>
-              <a:cs typeface="宋体" panose="02010600030101010101" pitchFamily="2" charset="-122"/>
-              <a:sym typeface="+mn-ea"/>
-            </a:endParaRPr>
-          </a:p>
-        </p:txBody>
-      </p:sp>
-      <p:sp>
-        <p:nvSpPr>
-          <p:cNvPr id="5" name="矩形 4"/>
-          <p:cNvSpPr/>
-          <p:nvPr/>
-        </p:nvSpPr>
-        <p:spPr>
-          <a:xfrm>
-            <a:off x="3877310" y="1503680"/>
-            <a:ext cx="8084185" cy="1521460"/>
-          </a:xfrm>
-          <a:prstGeom prst="rect">
-            <a:avLst/>
-          </a:prstGeom>
-          <a:solidFill>
-            <a:schemeClr val="tx2"/>
-          </a:solidFill>
-        </p:spPr>
-        <p:style>
-          <a:lnRef idx="2">
-            <a:schemeClr val="accent1">
-              <a:shade val="50000"/>
-            </a:schemeClr>
-          </a:lnRef>
-          <a:fillRef idx="1">
-            <a:schemeClr val="accent1"/>
-          </a:fillRef>
-          <a:effectRef idx="0">
-            <a:schemeClr val="accent1"/>
-          </a:effectRef>
-          <a:fontRef idx="minor">
-            <a:schemeClr val="lt1"/>
-          </a:fontRef>
-        </p:style>
-        <p:txBody>
-          <a:bodyPr rtlCol="0" anchor="ctr"/>
-          <a:p>
-            <a:pPr algn="l"/>
-            <a:r>
-              <a:rPr lang="en-US" altLang="zh-CN" sz="1600">
-                <a:solidFill>
-                  <a:schemeClr val="tx1"/>
-                </a:solidFill>
-                <a:latin typeface="宋体" panose="02010600030101010101" pitchFamily="2" charset="-122"/>
-                <a:ea typeface="宋体" panose="02010600030101010101" pitchFamily="2" charset="-122"/>
-                <a:cs typeface="宋体" panose="02010600030101010101" pitchFamily="2" charset="-122"/>
-                <a:sym typeface="+mn-ea"/>
-              </a:rPr>
-              <a:t>正确的程序在运行中，很容易出现的、情理可容的异常状况。</a:t>
-            </a:r>
-            <a:r>
-              <a:rPr lang="en-US" altLang="zh-CN" sz="1600" b="1">
-                <a:solidFill>
-                  <a:srgbClr val="FF0000"/>
-                </a:solidFill>
-                <a:latin typeface="宋体" panose="02010600030101010101" pitchFamily="2" charset="-122"/>
-                <a:ea typeface="宋体" panose="02010600030101010101" pitchFamily="2" charset="-122"/>
-                <a:cs typeface="宋体" panose="02010600030101010101" pitchFamily="2" charset="-122"/>
-                <a:sym typeface="+mn-ea"/>
-              </a:rPr>
-              <a:t>除了Exception中的RuntimeException及RuntimeException的子类以外</a:t>
-            </a:r>
-            <a:r>
-              <a:rPr lang="en-US" altLang="zh-CN" sz="1600">
-                <a:solidFill>
-                  <a:schemeClr val="tx1"/>
-                </a:solidFill>
-                <a:latin typeface="宋体" panose="02010600030101010101" pitchFamily="2" charset="-122"/>
-                <a:ea typeface="宋体" panose="02010600030101010101" pitchFamily="2" charset="-122"/>
-                <a:cs typeface="宋体" panose="02010600030101010101" pitchFamily="2" charset="-122"/>
-                <a:sym typeface="+mn-ea"/>
-              </a:rPr>
-              <a:t>，其他的Exception类及其子类(例如：IOException和ClassNotFoundException)都属于可查异常。这种异常的特点是Java编译器会检查它，也就是说，当程序中可能出现这类异常，要么用try-catch语句捕获它，要么用throws子句声明抛出它，否则编译不会通过。</a:t>
-            </a:r>
-            <a:endParaRPr lang="en-US" altLang="zh-CN" sz="1600">
-              <a:solidFill>
-                <a:schemeClr val="tx1"/>
-              </a:solidFill>
-              <a:latin typeface="宋体" panose="02010600030101010101" pitchFamily="2" charset="-122"/>
-              <a:ea typeface="宋体" panose="02010600030101010101" pitchFamily="2" charset="-122"/>
-              <a:cs typeface="宋体" panose="02010600030101010101" pitchFamily="2" charset="-122"/>
-              <a:sym typeface="+mn-ea"/>
-            </a:endParaRPr>
-          </a:p>
-        </p:txBody>
-      </p:sp>
-      <p:sp>
-        <p:nvSpPr>
-          <p:cNvPr id="9" name="左大括号 8"/>
-          <p:cNvSpPr/>
-          <p:nvPr/>
-        </p:nvSpPr>
-        <p:spPr>
-          <a:xfrm>
-            <a:off x="1715770" y="1546860"/>
-            <a:ext cx="218440" cy="2495550"/>
-          </a:xfrm>
-          <a:prstGeom prst="leftBrace">
-            <a:avLst/>
-          </a:prstGeom>
-          <a:ln w="28575">
-            <a:solidFill>
-              <a:srgbClr val="36A44E"/>
-            </a:solidFill>
-          </a:ln>
-        </p:spPr>
-        <p:style>
-          <a:lnRef idx="1">
-            <a:schemeClr val="accent1"/>
-          </a:lnRef>
-          <a:fillRef idx="0">
-            <a:schemeClr val="accent1"/>
-          </a:fillRef>
-          <a:effectRef idx="0">
-            <a:schemeClr val="accent1"/>
-          </a:effectRef>
-          <a:fontRef idx="minor">
-            <a:schemeClr val="tx1"/>
-          </a:fontRef>
-        </p:style>
-        <p:txBody>
-          <a:bodyPr rtlCol="0" anchor="ctr"/>
-          <a:p>
-            <a:pPr algn="ctr"/>
-            <a:endParaRPr lang="zh-CN" altLang="en-US"/>
-          </a:p>
-        </p:txBody>
-      </p:sp>
-      <p:sp>
-        <p:nvSpPr>
-          <p:cNvPr id="7" name="矩形 6"/>
-          <p:cNvSpPr/>
-          <p:nvPr/>
-        </p:nvSpPr>
-        <p:spPr>
-          <a:xfrm>
-            <a:off x="219710" y="2429510"/>
-            <a:ext cx="1290955" cy="1012190"/>
-          </a:xfrm>
-          <a:prstGeom prst="rect">
-            <a:avLst/>
-          </a:prstGeom>
-          <a:solidFill>
-            <a:srgbClr val="F59909"/>
-          </a:solidFill>
-          <a:ln>
-            <a:solidFill>
-              <a:schemeClr val="bg1"/>
-            </a:solidFill>
-          </a:ln>
-        </p:spPr>
-        <p:style>
-          <a:lnRef idx="2">
-            <a:schemeClr val="accent1">
-              <a:shade val="50000"/>
-            </a:schemeClr>
-          </a:lnRef>
-          <a:fillRef idx="1">
-            <a:schemeClr val="accent1"/>
-          </a:fillRef>
-          <a:effectRef idx="0">
-            <a:schemeClr val="accent1"/>
-          </a:effectRef>
-          <a:fontRef idx="minor">
-            <a:schemeClr val="lt1"/>
-          </a:fontRef>
-        </p:style>
-        <p:txBody>
-          <a:bodyPr rtlCol="0" anchor="ctr"/>
-          <a:p>
-            <a:pPr algn="ctr"/>
-            <a:r>
-              <a:rPr lang="en-US" altLang="zh-CN">
-                <a:latin typeface="+mj-ea"/>
-                <a:ea typeface="+mj-ea"/>
-                <a:cs typeface="+mj-ea"/>
-                <a:sym typeface="+mn-ea"/>
-              </a:rPr>
-              <a:t>Exception（异常）</a:t>
-            </a:r>
-            <a:r>
-              <a:rPr lang="zh-CN" altLang="en-US">
-                <a:latin typeface="+mj-ea"/>
-                <a:ea typeface="+mj-ea"/>
-                <a:cs typeface="+mj-ea"/>
-                <a:sym typeface="+mn-ea"/>
-              </a:rPr>
-              <a:t>分类</a:t>
-            </a:r>
-            <a:endParaRPr lang="zh-CN" altLang="en-US" b="1">
-              <a:solidFill>
-                <a:schemeClr val="bg1"/>
-              </a:solidFill>
-              <a:latin typeface="+mj-ea"/>
-              <a:ea typeface="+mj-ea"/>
-              <a:cs typeface="+mj-ea"/>
+              <a:cs typeface="+mn-ea"/>
               <a:sym typeface="+mn-ea"/>
             </a:endParaRPr>
           </a:p>
@@ -8878,7 +8799,7 @@
         </p:nvSpPr>
         <p:spPr>
           <a:xfrm>
-            <a:off x="1351280" y="4168775"/>
+            <a:off x="1359535" y="5768975"/>
             <a:ext cx="2357120" cy="366395"/>
           </a:xfrm>
           <a:prstGeom prst="rect">
@@ -8944,7 +8865,7 @@
         </p:nvSpPr>
         <p:spPr>
           <a:xfrm>
-            <a:off x="1351280" y="1080770"/>
+            <a:off x="1359535" y="3500755"/>
             <a:ext cx="2357120" cy="366395"/>
           </a:xfrm>
           <a:prstGeom prst="rect">
@@ -9002,6 +8923,447 @@
           </a:p>
         </p:txBody>
       </p:sp>
+      <p:sp>
+        <p:nvSpPr>
+          <p:cNvPr id="15" name="矩形 14"/>
+          <p:cNvSpPr/>
+          <p:nvPr/>
+        </p:nvSpPr>
+        <p:spPr>
+          <a:xfrm>
+            <a:off x="1942465" y="728980"/>
+            <a:ext cx="1729105" cy="456565"/>
+          </a:xfrm>
+          <a:prstGeom prst="rect">
+            <a:avLst/>
+          </a:prstGeom>
+          <a:solidFill>
+            <a:srgbClr val="F59909"/>
+          </a:solidFill>
+          <a:ln>
+            <a:solidFill>
+              <a:schemeClr val="bg1"/>
+            </a:solidFill>
+          </a:ln>
+        </p:spPr>
+        <p:style>
+          <a:lnRef idx="2">
+            <a:schemeClr val="accent1">
+              <a:shade val="50000"/>
+            </a:schemeClr>
+          </a:lnRef>
+          <a:fillRef idx="1">
+            <a:schemeClr val="accent1"/>
+          </a:fillRef>
+          <a:effectRef idx="0">
+            <a:schemeClr val="accent1"/>
+          </a:effectRef>
+          <a:fontRef idx="minor">
+            <a:schemeClr val="lt1"/>
+          </a:fontRef>
+        </p:style>
+        <p:txBody>
+          <a:bodyPr rtlCol="0" anchor="ctr"/>
+          <a:p>
+            <a:pPr algn="ctr"/>
+            <a:r>
+              <a:rPr lang="en-US" altLang="zh-CN">
+                <a:latin typeface="+mj-ea"/>
+                <a:ea typeface="+mj-ea"/>
+                <a:cs typeface="宋体" panose="02010600030101010101" pitchFamily="2" charset="-122"/>
+                <a:sym typeface="+mn-ea"/>
+              </a:rPr>
+              <a:t>运行时异常</a:t>
+            </a:r>
+            <a:endParaRPr lang="en-US" altLang="zh-CN" b="1">
+              <a:solidFill>
+                <a:schemeClr val="bg1"/>
+              </a:solidFill>
+              <a:latin typeface="+mj-ea"/>
+              <a:ea typeface="+mj-ea"/>
+              <a:cs typeface="宋体" panose="02010600030101010101" pitchFamily="2" charset="-122"/>
+              <a:sym typeface="+mn-ea"/>
+            </a:endParaRPr>
+          </a:p>
+        </p:txBody>
+      </p:sp>
+      <p:sp>
+        <p:nvSpPr>
+          <p:cNvPr id="16" name="矩形 15"/>
+          <p:cNvSpPr/>
+          <p:nvPr/>
+        </p:nvSpPr>
+        <p:spPr>
+          <a:xfrm>
+            <a:off x="1942465" y="2229485"/>
+            <a:ext cx="1729105" cy="456565"/>
+          </a:xfrm>
+          <a:prstGeom prst="rect">
+            <a:avLst/>
+          </a:prstGeom>
+          <a:solidFill>
+            <a:srgbClr val="F59909"/>
+          </a:solidFill>
+          <a:ln>
+            <a:solidFill>
+              <a:schemeClr val="bg1"/>
+            </a:solidFill>
+          </a:ln>
+        </p:spPr>
+        <p:style>
+          <a:lnRef idx="2">
+            <a:schemeClr val="accent1">
+              <a:shade val="50000"/>
+            </a:schemeClr>
+          </a:lnRef>
+          <a:fillRef idx="1">
+            <a:schemeClr val="accent1"/>
+          </a:fillRef>
+          <a:effectRef idx="0">
+            <a:schemeClr val="accent1"/>
+          </a:effectRef>
+          <a:fontRef idx="minor">
+            <a:schemeClr val="lt1"/>
+          </a:fontRef>
+        </p:style>
+        <p:txBody>
+          <a:bodyPr rtlCol="0" anchor="ctr"/>
+          <a:p>
+            <a:pPr algn="ctr"/>
+            <a:r>
+              <a:rPr lang="en-US" altLang="zh-CN">
+                <a:latin typeface="+mj-ea"/>
+                <a:ea typeface="+mj-ea"/>
+                <a:cs typeface="宋体" panose="02010600030101010101" pitchFamily="2" charset="-122"/>
+                <a:sym typeface="+mn-ea"/>
+              </a:rPr>
+              <a:t>非运行时异常</a:t>
+            </a:r>
+            <a:endParaRPr lang="en-US" altLang="zh-CN" b="1">
+              <a:solidFill>
+                <a:schemeClr val="bg1"/>
+              </a:solidFill>
+              <a:latin typeface="+mj-ea"/>
+              <a:ea typeface="+mj-ea"/>
+              <a:cs typeface="宋体" panose="02010600030101010101" pitchFamily="2" charset="-122"/>
+              <a:sym typeface="+mn-ea"/>
+            </a:endParaRPr>
+          </a:p>
+        </p:txBody>
+      </p:sp>
+      <p:sp>
+        <p:nvSpPr>
+          <p:cNvPr id="17" name="矩形 16"/>
+          <p:cNvSpPr/>
+          <p:nvPr/>
+        </p:nvSpPr>
+        <p:spPr>
+          <a:xfrm>
+            <a:off x="3840480" y="2229485"/>
+            <a:ext cx="8084185" cy="770255"/>
+          </a:xfrm>
+          <a:prstGeom prst="rect">
+            <a:avLst/>
+          </a:prstGeom>
+          <a:solidFill>
+            <a:schemeClr val="tx2"/>
+          </a:solidFill>
+        </p:spPr>
+        <p:style>
+          <a:lnRef idx="2">
+            <a:schemeClr val="accent1">
+              <a:shade val="50000"/>
+            </a:schemeClr>
+          </a:lnRef>
+          <a:fillRef idx="1">
+            <a:schemeClr val="accent1"/>
+          </a:fillRef>
+          <a:effectRef idx="0">
+            <a:schemeClr val="accent1"/>
+          </a:effectRef>
+          <a:fontRef idx="minor">
+            <a:schemeClr val="lt1"/>
+          </a:fontRef>
+        </p:style>
+        <p:txBody>
+          <a:bodyPr rtlCol="0" anchor="ctr"/>
+          <a:p>
+            <a:pPr algn="l"/>
+            <a:r>
+              <a:rPr lang="en-US" altLang="zh-CN" sz="1400">
+                <a:solidFill>
+                  <a:schemeClr val="tx1"/>
+                </a:solidFill>
+                <a:latin typeface="宋体" panose="02010600030101010101" pitchFamily="2" charset="-122"/>
+                <a:ea typeface="宋体" panose="02010600030101010101" pitchFamily="2" charset="-122"/>
+                <a:cs typeface="宋体" panose="02010600030101010101" pitchFamily="2" charset="-122"/>
+                <a:sym typeface="+mn-ea"/>
+              </a:rPr>
+              <a:t>是RuntimeException以外的异常，类型上都属于Exception类及其子类。</a:t>
+            </a:r>
+            <a:r>
+              <a:rPr lang="en-US" altLang="zh-CN" sz="1400" b="1">
+                <a:solidFill>
+                  <a:srgbClr val="FF0000"/>
+                </a:solidFill>
+                <a:latin typeface="宋体" panose="02010600030101010101" pitchFamily="2" charset="-122"/>
+                <a:ea typeface="宋体" panose="02010600030101010101" pitchFamily="2" charset="-122"/>
+                <a:cs typeface="宋体" panose="02010600030101010101" pitchFamily="2" charset="-122"/>
+                <a:sym typeface="+mn-ea"/>
+              </a:rPr>
+              <a:t>从程序语法角度讲是必须进行处理的异常，如果不处理，程序就不能编译通过</a:t>
+            </a:r>
+            <a:r>
+              <a:rPr lang="en-US" altLang="zh-CN" sz="1400">
+                <a:solidFill>
+                  <a:schemeClr val="tx1"/>
+                </a:solidFill>
+                <a:latin typeface="宋体" panose="02010600030101010101" pitchFamily="2" charset="-122"/>
+                <a:ea typeface="宋体" panose="02010600030101010101" pitchFamily="2" charset="-122"/>
+                <a:cs typeface="宋体" panose="02010600030101010101" pitchFamily="2" charset="-122"/>
+                <a:sym typeface="+mn-ea"/>
+              </a:rPr>
+              <a:t>。如IOException、SQLException等以及用户自定义的Exception异常。 </a:t>
+            </a:r>
+            <a:endParaRPr lang="en-US" altLang="zh-CN" sz="1400">
+              <a:solidFill>
+                <a:schemeClr val="tx1"/>
+              </a:solidFill>
+              <a:latin typeface="宋体" panose="02010600030101010101" pitchFamily="2" charset="-122"/>
+              <a:ea typeface="宋体" panose="02010600030101010101" pitchFamily="2" charset="-122"/>
+              <a:cs typeface="宋体" panose="02010600030101010101" pitchFamily="2" charset="-122"/>
+              <a:sym typeface="+mn-ea"/>
+            </a:endParaRPr>
+          </a:p>
+        </p:txBody>
+      </p:sp>
+      <p:sp>
+        <p:nvSpPr>
+          <p:cNvPr id="18" name="矩形 17"/>
+          <p:cNvSpPr/>
+          <p:nvPr/>
+        </p:nvSpPr>
+        <p:spPr>
+          <a:xfrm>
+            <a:off x="3840480" y="728980"/>
+            <a:ext cx="8084185" cy="1294130"/>
+          </a:xfrm>
+          <a:prstGeom prst="rect">
+            <a:avLst/>
+          </a:prstGeom>
+          <a:solidFill>
+            <a:schemeClr val="tx2"/>
+          </a:solidFill>
+        </p:spPr>
+        <p:style>
+          <a:lnRef idx="2">
+            <a:schemeClr val="accent1">
+              <a:shade val="50000"/>
+            </a:schemeClr>
+          </a:lnRef>
+          <a:fillRef idx="1">
+            <a:schemeClr val="accent1"/>
+          </a:fillRef>
+          <a:effectRef idx="0">
+            <a:schemeClr val="accent1"/>
+          </a:effectRef>
+          <a:fontRef idx="minor">
+            <a:schemeClr val="lt1"/>
+          </a:fontRef>
+        </p:style>
+        <p:txBody>
+          <a:bodyPr rtlCol="0" anchor="ctr"/>
+          <a:p>
+            <a:pPr algn="l"/>
+            <a:r>
+              <a:rPr lang="en-US" altLang="zh-CN" sz="1400">
+                <a:solidFill>
+                  <a:schemeClr val="tx1"/>
+                </a:solidFill>
+                <a:latin typeface="宋体" panose="02010600030101010101" pitchFamily="2" charset="-122"/>
+                <a:ea typeface="宋体" panose="02010600030101010101" pitchFamily="2" charset="-122"/>
+                <a:cs typeface="宋体" panose="02010600030101010101" pitchFamily="2" charset="-122"/>
+                <a:sym typeface="+mn-ea"/>
+              </a:rPr>
+              <a:t>都是RuntimeException类及其子类异常，如NullPointerException(空指针异常)、IndexOutOfBoundsException(下标越界异常)等，</a:t>
+            </a:r>
+            <a:r>
+              <a:rPr lang="en-US" altLang="zh-CN" sz="1400" b="1">
+                <a:solidFill>
+                  <a:srgbClr val="FF0000"/>
+                </a:solidFill>
+                <a:latin typeface="宋体" panose="02010600030101010101" pitchFamily="2" charset="-122"/>
+                <a:ea typeface="宋体" panose="02010600030101010101" pitchFamily="2" charset="-122"/>
+                <a:cs typeface="宋体" panose="02010600030101010101" pitchFamily="2" charset="-122"/>
+                <a:sym typeface="+mn-ea"/>
+              </a:rPr>
+              <a:t>这些异常是不检查异常，程序中可以选择捕获处理，也可以不处理</a:t>
+            </a:r>
+            <a:r>
+              <a:rPr lang="en-US" altLang="zh-CN" sz="1400">
+                <a:solidFill>
+                  <a:schemeClr val="tx1"/>
+                </a:solidFill>
+                <a:latin typeface="宋体" panose="02010600030101010101" pitchFamily="2" charset="-122"/>
+                <a:ea typeface="宋体" panose="02010600030101010101" pitchFamily="2" charset="-122"/>
+                <a:cs typeface="宋体" panose="02010600030101010101" pitchFamily="2" charset="-122"/>
+                <a:sym typeface="+mn-ea"/>
+              </a:rPr>
+              <a:t>。这些异常一般是由程序逻辑错误引起的，程序应该从逻辑角度尽可能避免这类异常的发生。运行时异常的特点是Java编译器不会检查它，也就是说，当程序中可能出现这类异常，即使没有用try-catch语句捕获它，也没有用throws子句声明抛出它，也会编译通过。</a:t>
+            </a:r>
+            <a:endParaRPr lang="en-US" altLang="zh-CN" sz="1400">
+              <a:solidFill>
+                <a:schemeClr val="tx1"/>
+              </a:solidFill>
+              <a:latin typeface="宋体" panose="02010600030101010101" pitchFamily="2" charset="-122"/>
+              <a:ea typeface="宋体" panose="02010600030101010101" pitchFamily="2" charset="-122"/>
+              <a:cs typeface="宋体" panose="02010600030101010101" pitchFamily="2" charset="-122"/>
+              <a:sym typeface="+mn-ea"/>
+            </a:endParaRPr>
+          </a:p>
+        </p:txBody>
+      </p:sp>
+      <p:sp>
+        <p:nvSpPr>
+          <p:cNvPr id="19" name="左大括号 18"/>
+          <p:cNvSpPr/>
+          <p:nvPr/>
+        </p:nvSpPr>
+        <p:spPr>
+          <a:xfrm>
+            <a:off x="1678940" y="728345"/>
+            <a:ext cx="218440" cy="1957070"/>
+          </a:xfrm>
+          <a:prstGeom prst="leftBrace">
+            <a:avLst/>
+          </a:prstGeom>
+          <a:ln w="28575">
+            <a:solidFill>
+              <a:srgbClr val="36A44E"/>
+            </a:solidFill>
+          </a:ln>
+        </p:spPr>
+        <p:style>
+          <a:lnRef idx="1">
+            <a:schemeClr val="accent1"/>
+          </a:lnRef>
+          <a:fillRef idx="0">
+            <a:schemeClr val="accent1"/>
+          </a:fillRef>
+          <a:effectRef idx="0">
+            <a:schemeClr val="accent1"/>
+          </a:effectRef>
+          <a:fontRef idx="minor">
+            <a:schemeClr val="tx1"/>
+          </a:fontRef>
+        </p:style>
+        <p:txBody>
+          <a:bodyPr rtlCol="0" anchor="ctr"/>
+          <a:p>
+            <a:pPr algn="ctr"/>
+            <a:endParaRPr lang="zh-CN" altLang="en-US"/>
+          </a:p>
+        </p:txBody>
+      </p:sp>
+      <p:sp>
+        <p:nvSpPr>
+          <p:cNvPr id="20" name="矩形 19"/>
+          <p:cNvSpPr/>
+          <p:nvPr/>
+        </p:nvSpPr>
+        <p:spPr>
+          <a:xfrm>
+            <a:off x="182880" y="1129665"/>
+            <a:ext cx="1290955" cy="1012190"/>
+          </a:xfrm>
+          <a:prstGeom prst="rect">
+            <a:avLst/>
+          </a:prstGeom>
+          <a:solidFill>
+            <a:srgbClr val="F59909"/>
+          </a:solidFill>
+          <a:ln>
+            <a:solidFill>
+              <a:schemeClr val="bg1"/>
+            </a:solidFill>
+          </a:ln>
+        </p:spPr>
+        <p:style>
+          <a:lnRef idx="2">
+            <a:schemeClr val="accent1">
+              <a:shade val="50000"/>
+            </a:schemeClr>
+          </a:lnRef>
+          <a:fillRef idx="1">
+            <a:schemeClr val="accent1"/>
+          </a:fillRef>
+          <a:effectRef idx="0">
+            <a:schemeClr val="accent1"/>
+          </a:effectRef>
+          <a:fontRef idx="minor">
+            <a:schemeClr val="lt1"/>
+          </a:fontRef>
+        </p:style>
+        <p:txBody>
+          <a:bodyPr rtlCol="0" anchor="ctr"/>
+          <a:p>
+            <a:pPr algn="ctr"/>
+            <a:r>
+              <a:rPr lang="zh-CN" altLang="en-US" sz="1400" b="1">
+                <a:solidFill>
+                  <a:schemeClr val="bg1"/>
+                </a:solidFill>
+                <a:latin typeface="+mn-ea"/>
+                <a:cs typeface="+mn-ea"/>
+                <a:sym typeface="+mn-ea"/>
+              </a:rPr>
+              <a:t>按照 </a:t>
+            </a:r>
+            <a:r>
+              <a:rPr lang="en-US" altLang="zh-CN" sz="1400" b="1">
+                <a:solidFill>
+                  <a:schemeClr val="bg1"/>
+                </a:solidFill>
+                <a:latin typeface="+mn-ea"/>
+                <a:cs typeface="+mn-ea"/>
+                <a:sym typeface="+mn-ea"/>
+              </a:rPr>
+              <a:t>Exception </a:t>
+            </a:r>
+            <a:endParaRPr lang="en-US" altLang="zh-CN" sz="1400" b="1">
+              <a:solidFill>
+                <a:schemeClr val="bg1"/>
+              </a:solidFill>
+              <a:latin typeface="+mn-ea"/>
+              <a:cs typeface="+mn-ea"/>
+              <a:sym typeface="+mn-ea"/>
+            </a:endParaRPr>
+          </a:p>
+          <a:p>
+            <a:pPr algn="ctr"/>
+            <a:r>
+              <a:rPr lang="zh-CN" altLang="en-US" sz="1400" b="1">
+                <a:solidFill>
+                  <a:schemeClr val="bg1"/>
+                </a:solidFill>
+                <a:latin typeface="+mn-ea"/>
+                <a:cs typeface="+mn-ea"/>
+                <a:sym typeface="+mn-ea"/>
+              </a:rPr>
+              <a:t>分类</a:t>
+            </a:r>
+            <a:endParaRPr lang="zh-CN" altLang="en-US" sz="1400" b="1">
+              <a:solidFill>
+                <a:schemeClr val="bg1"/>
+              </a:solidFill>
+              <a:latin typeface="+mn-ea"/>
+              <a:ea typeface="+mj-ea"/>
+              <a:cs typeface="+mn-ea"/>
+              <a:sym typeface="+mn-ea"/>
+            </a:endParaRPr>
+          </a:p>
+        </p:txBody>
+      </p:sp>
     </p:spTree>
     <p:custDataLst>
       <p:tags r:id="rId2"/>
@@ -9013,7 +9375,7 @@
 </p:sld>
 </file>
 
-<file path=ppt/slides/slide19.xml><?xml version="1.0" encoding="utf-8"?>
+<file path=ppt/slides/slide16.xml><?xml version="1.0" encoding="utf-8"?>
 <p:sld xmlns:a="http://schemas.openxmlformats.org/drawingml/2006/main" xmlns:r="http://schemas.openxmlformats.org/officeDocument/2006/relationships" xmlns:p="http://schemas.openxmlformats.org/presentationml/2006/main">
   <p:cSld>
     <p:bg>
@@ -9205,379 +9567,7 @@
 </p:sld>
 </file>
 
-<file path=ppt/slides/slide2.xml><?xml version="1.0" encoding="utf-8"?>
-<p:sld xmlns:a="http://schemas.openxmlformats.org/drawingml/2006/main" xmlns:r="http://schemas.openxmlformats.org/officeDocument/2006/relationships" xmlns:p="http://schemas.openxmlformats.org/presentationml/2006/main">
-  <p:cSld>
-    <p:bg>
-      <p:bgPr>
-        <a:blipFill rotWithShape="1">
-          <a:blip r:embed="rId1"/>
-          <a:stretch>
-            <a:fillRect/>
-          </a:stretch>
-        </a:blipFill>
-        <a:effectLst/>
-      </p:bgPr>
-    </p:bg>
-    <p:spTree>
-      <p:nvGrpSpPr>
-        <p:cNvPr id="1" name=""/>
-        <p:cNvGrpSpPr/>
-        <p:nvPr/>
-      </p:nvGrpSpPr>
-      <p:grpSpPr/>
-      <p:sp>
-        <p:nvSpPr>
-          <p:cNvPr id="4" name="文本框 3"/>
-          <p:cNvSpPr txBox="1"/>
-          <p:nvPr/>
-        </p:nvSpPr>
-        <p:spPr>
-          <a:xfrm>
-            <a:off x="1659890" y="1384300"/>
-            <a:ext cx="7905115" cy="368300"/>
-          </a:xfrm>
-          <a:prstGeom prst="rect">
-            <a:avLst/>
-          </a:prstGeom>
-          <a:noFill/>
-        </p:spPr>
-        <p:txBody>
-          <a:bodyPr wrap="square" rtlCol="0">
-            <a:spAutoFit/>
-          </a:bodyPr>
-          <a:p>
-            <a:r>
-              <a:rPr lang="en-US" altLang="zh-CN">
-                <a:sym typeface="+mn-ea"/>
-              </a:rPr>
-              <a:t>1</a:t>
-            </a:r>
-            <a:r>
-              <a:rPr lang="zh-CN" altLang="en-US">
-                <a:sym typeface="+mn-ea"/>
-              </a:rPr>
-              <a:t>、</a:t>
-            </a:r>
-            <a:r>
-              <a:rPr lang="zh-CN" altLang="en-US">
-                <a:sym typeface="+mn-ea"/>
-              </a:rPr>
-              <a:t>异常发生原因</a:t>
-            </a:r>
-            <a:endParaRPr lang="zh-CN" altLang="en-US"/>
-          </a:p>
-        </p:txBody>
-      </p:sp>
-      <p:sp>
-        <p:nvSpPr>
-          <p:cNvPr id="7" name="文本框 6"/>
-          <p:cNvSpPr txBox="1"/>
-          <p:nvPr/>
-        </p:nvSpPr>
-        <p:spPr>
-          <a:xfrm>
-            <a:off x="1659890" y="2010410"/>
-            <a:ext cx="7905115" cy="368300"/>
-          </a:xfrm>
-          <a:prstGeom prst="rect">
-            <a:avLst/>
-          </a:prstGeom>
-          <a:noFill/>
-        </p:spPr>
-        <p:txBody>
-          <a:bodyPr wrap="square" rtlCol="0">
-            <a:spAutoFit/>
-          </a:bodyPr>
-          <a:p>
-            <a:r>
-              <a:rPr lang="en-US" altLang="zh-CN"/>
-              <a:t>2</a:t>
-            </a:r>
-            <a:r>
-              <a:rPr lang="zh-CN" altLang="en-US"/>
-              <a:t>、</a:t>
-            </a:r>
-            <a:r>
-              <a:rPr lang="zh-CN" altLang="en-US"/>
-              <a:t>异常处理机制</a:t>
-            </a:r>
-            <a:endParaRPr lang="zh-CN" altLang="en-US"/>
-          </a:p>
-        </p:txBody>
-      </p:sp>
-      <p:sp>
-        <p:nvSpPr>
-          <p:cNvPr id="9" name="文本框 8"/>
-          <p:cNvSpPr txBox="1"/>
-          <p:nvPr/>
-        </p:nvSpPr>
-        <p:spPr>
-          <a:xfrm>
-            <a:off x="1659890" y="2564130"/>
-            <a:ext cx="7905115" cy="368300"/>
-          </a:xfrm>
-          <a:prstGeom prst="rect">
-            <a:avLst/>
-          </a:prstGeom>
-          <a:noFill/>
-        </p:spPr>
-        <p:txBody>
-          <a:bodyPr wrap="square" rtlCol="0">
-            <a:spAutoFit/>
-          </a:bodyPr>
-          <a:p>
-            <a:r>
-              <a:rPr lang="en-US" altLang="zh-CN"/>
-              <a:t>3</a:t>
-            </a:r>
-            <a:r>
-              <a:rPr lang="zh-CN" altLang="en-US"/>
-              <a:t>、</a:t>
-            </a:r>
-            <a:r>
-              <a:rPr lang="zh-CN" altLang="en-US"/>
-              <a:t>异常基类 </a:t>
-            </a:r>
-            <a:r>
-              <a:rPr lang="en-US" altLang="zh-CN"/>
-              <a:t>Throwable</a:t>
-            </a:r>
-            <a:endParaRPr lang="zh-CN" altLang="en-US"/>
-          </a:p>
-        </p:txBody>
-      </p:sp>
-      <p:sp>
-        <p:nvSpPr>
-          <p:cNvPr id="10" name="文本框 9"/>
-          <p:cNvSpPr txBox="1"/>
-          <p:nvPr/>
-        </p:nvSpPr>
-        <p:spPr>
-          <a:xfrm>
-            <a:off x="1659890" y="3166745"/>
-            <a:ext cx="7905115" cy="368300"/>
-          </a:xfrm>
-          <a:prstGeom prst="rect">
-            <a:avLst/>
-          </a:prstGeom>
-          <a:noFill/>
-        </p:spPr>
-        <p:txBody>
-          <a:bodyPr wrap="square" rtlCol="0">
-            <a:spAutoFit/>
-          </a:bodyPr>
-          <a:p>
-            <a:r>
-              <a:rPr lang="en-US" altLang="zh-CN"/>
-              <a:t>4</a:t>
-            </a:r>
-            <a:r>
-              <a:rPr lang="zh-CN" altLang="en-US"/>
-              <a:t>、</a:t>
-            </a:r>
-            <a:r>
-              <a:rPr lang="zh-CN" altLang="en-US"/>
-              <a:t>异常分类</a:t>
-            </a:r>
-            <a:endParaRPr lang="zh-CN" altLang="en-US"/>
-          </a:p>
-        </p:txBody>
-      </p:sp>
-      <p:sp>
-        <p:nvSpPr>
-          <p:cNvPr id="11" name="文本框 10"/>
-          <p:cNvSpPr txBox="1"/>
-          <p:nvPr/>
-        </p:nvSpPr>
-        <p:spPr>
-          <a:xfrm>
-            <a:off x="1659890" y="3676015"/>
-            <a:ext cx="7905115" cy="368300"/>
-          </a:xfrm>
-          <a:prstGeom prst="rect">
-            <a:avLst/>
-          </a:prstGeom>
-          <a:noFill/>
-        </p:spPr>
-        <p:txBody>
-          <a:bodyPr wrap="square" rtlCol="0">
-            <a:spAutoFit/>
-          </a:bodyPr>
-          <a:p>
-            <a:pPr algn="l"/>
-            <a:r>
-              <a:rPr lang="en-US" altLang="zh-CN">
-                <a:sym typeface="+mn-ea"/>
-              </a:rPr>
-              <a:t>5</a:t>
-            </a:r>
-            <a:r>
-              <a:rPr lang="zh-CN" altLang="en-US">
-                <a:sym typeface="+mn-ea"/>
-              </a:rPr>
-              <a:t>、</a:t>
-            </a:r>
-            <a:r>
-              <a:rPr lang="zh-CN" altLang="en-US">
-                <a:sym typeface="+mn-ea"/>
-              </a:rPr>
-              <a:t>运行时异常和非运行时异常</a:t>
-            </a:r>
-            <a:r>
-              <a:rPr lang="en-US" altLang="zh-CN">
-                <a:sym typeface="+mn-ea"/>
-              </a:rPr>
-              <a:t>(</a:t>
-            </a:r>
-            <a:r>
-              <a:rPr lang="zh-CN" altLang="en-US">
-                <a:sym typeface="+mn-ea"/>
-              </a:rPr>
-              <a:t>编译异常</a:t>
-            </a:r>
-            <a:r>
-              <a:rPr lang="en-US" altLang="zh-CN">
-                <a:sym typeface="+mn-ea"/>
-              </a:rPr>
-              <a:t>)</a:t>
-            </a:r>
-            <a:endParaRPr lang="en-US" altLang="zh-CN">
-              <a:sym typeface="+mn-ea"/>
-            </a:endParaRPr>
-          </a:p>
-        </p:txBody>
-      </p:sp>
-      <p:sp>
-        <p:nvSpPr>
-          <p:cNvPr id="13" name="文本框 12"/>
-          <p:cNvSpPr txBox="1"/>
-          <p:nvPr/>
-        </p:nvSpPr>
-        <p:spPr>
-          <a:xfrm>
-            <a:off x="1659890" y="4259580"/>
-            <a:ext cx="7905115" cy="368300"/>
-          </a:xfrm>
-          <a:prstGeom prst="rect">
-            <a:avLst/>
-          </a:prstGeom>
-          <a:noFill/>
-        </p:spPr>
-        <p:txBody>
-          <a:bodyPr wrap="square" rtlCol="0">
-            <a:spAutoFit/>
-          </a:bodyPr>
-          <a:p>
-            <a:pPr algn="l"/>
-            <a:r>
-              <a:rPr lang="en-US" altLang="zh-CN">
-                <a:sym typeface="+mn-ea"/>
-              </a:rPr>
-              <a:t>6</a:t>
-            </a:r>
-            <a:r>
-              <a:rPr lang="zh-CN" altLang="en-US">
-                <a:sym typeface="+mn-ea"/>
-              </a:rPr>
-              <a:t>、</a:t>
-            </a:r>
-            <a:r>
-              <a:rPr lang="zh-CN" altLang="en-US">
-                <a:sym typeface="+mn-ea"/>
-              </a:rPr>
-              <a:t>检查异常和非检查异常</a:t>
-            </a:r>
-            <a:endParaRPr lang="en-US" altLang="zh-CN"/>
-          </a:p>
-        </p:txBody>
-      </p:sp>
-      <p:sp>
-        <p:nvSpPr>
-          <p:cNvPr id="14" name="文本框 13"/>
-          <p:cNvSpPr txBox="1"/>
-          <p:nvPr/>
-        </p:nvSpPr>
-        <p:spPr>
-          <a:xfrm>
-            <a:off x="1659890" y="4795520"/>
-            <a:ext cx="7905115" cy="368300"/>
-          </a:xfrm>
-          <a:prstGeom prst="rect">
-            <a:avLst/>
-          </a:prstGeom>
-          <a:noFill/>
-        </p:spPr>
-        <p:txBody>
-          <a:bodyPr wrap="square" rtlCol="0">
-            <a:spAutoFit/>
-          </a:bodyPr>
-          <a:p>
-            <a:r>
-              <a:rPr lang="en-US" altLang="zh-CN"/>
-              <a:t>7</a:t>
-            </a:r>
-            <a:r>
-              <a:rPr lang="zh-CN" altLang="en-US"/>
-              <a:t>、</a:t>
-            </a:r>
-            <a:r>
-              <a:rPr lang="zh-CN" altLang="en-US"/>
-              <a:t>异常处理</a:t>
-            </a:r>
-            <a:endParaRPr lang="zh-CN" altLang="en-US"/>
-          </a:p>
-        </p:txBody>
-      </p:sp>
-      <p:sp>
-        <p:nvSpPr>
-          <p:cNvPr id="15" name="文本框 14"/>
-          <p:cNvSpPr txBox="1"/>
-          <p:nvPr/>
-        </p:nvSpPr>
-        <p:spPr>
-          <a:xfrm>
-            <a:off x="1659890" y="5424170"/>
-            <a:ext cx="7905115" cy="368300"/>
-          </a:xfrm>
-          <a:prstGeom prst="rect">
-            <a:avLst/>
-          </a:prstGeom>
-          <a:noFill/>
-        </p:spPr>
-        <p:txBody>
-          <a:bodyPr wrap="square" rtlCol="0">
-            <a:spAutoFit/>
-          </a:bodyPr>
-          <a:p>
-            <a:r>
-              <a:rPr lang="en-US" altLang="zh-CN"/>
-              <a:t>8</a:t>
-            </a:r>
-            <a:r>
-              <a:rPr lang="zh-CN" altLang="en-US"/>
-              <a:t>、</a:t>
-            </a:r>
-            <a:r>
-              <a:rPr lang="zh-CN" altLang="en-US"/>
-              <a:t>自定义异常</a:t>
-            </a:r>
-            <a:endParaRPr lang="zh-CN" altLang="en-US"/>
-          </a:p>
-        </p:txBody>
-      </p:sp>
-    </p:spTree>
-    <p:custDataLst>
-      <p:tags r:id="rId2"/>
-    </p:custDataLst>
-  </p:cSld>
-  <p:clrMapOvr>
-    <a:masterClrMapping/>
-  </p:clrMapOvr>
-</p:sld>
-</file>
-
-<file path=ppt/slides/slide20.xml><?xml version="1.0" encoding="utf-8"?>
+<file path=ppt/slides/slide17.xml><?xml version="1.0" encoding="utf-8"?>
 <p:sld xmlns:a="http://schemas.openxmlformats.org/drawingml/2006/main" xmlns:r="http://schemas.openxmlformats.org/officeDocument/2006/relationships" xmlns:p="http://schemas.openxmlformats.org/presentationml/2006/main">
   <p:cSld>
     <p:bg>
@@ -10149,7 +10139,7 @@
         <p:spPr>
           <a:xfrm>
             <a:off x="4337050" y="844550"/>
-            <a:ext cx="7639685" cy="5757545"/>
+            <a:ext cx="7639685" cy="5375910"/>
           </a:xfrm>
           <a:prstGeom prst="rect">
             <a:avLst/>
@@ -10189,22 +10179,6 @@
                   <a:schemeClr val="tx1"/>
                 </a:solidFill>
               </a:rPr>
-              <a:t>    </a:t>
-            </a:r>
-            <a:endParaRPr lang="zh-CN" altLang="en-US" sz="1200">
-              <a:solidFill>
-                <a:schemeClr val="tx1"/>
-              </a:solidFill>
-            </a:endParaRPr>
-          </a:p>
-          <a:p>
-            <a:pPr algn="l"/>
-            <a:r>
-              <a:rPr lang="zh-CN" altLang="en-US" sz="1200">
-                <a:solidFill>
-                  <a:schemeClr val="tx1"/>
-                </a:solidFill>
-              </a:rPr>
               <a:t>    /**</a:t>
             </a:r>
             <a:endParaRPr lang="zh-CN" altLang="en-US" sz="1200">
@@ -10221,7 +10195,7 @@
                   <a:schemeClr val="tx1"/>
                 </a:solidFill>
               </a:rPr>
-              <a:t>     * 测试检查异常 IOException</a:t>
+              <a:t>     * 测试检查异常</a:t>
             </a:r>
             <a:endParaRPr lang="zh-CN" altLang="en-US" sz="1200">
               <a:solidFill>
@@ -10269,135 +10243,87 @@
                   <a:schemeClr val="tx1"/>
                 </a:solidFill>
               </a:rPr>
-              <a:t>    public void testIOException() {</a:t>
-            </a:r>
-            <a:endParaRPr lang="zh-CN" altLang="en-US" sz="1200">
-              <a:solidFill>
-                <a:schemeClr val="tx1"/>
-              </a:solidFill>
-            </a:endParaRPr>
-          </a:p>
-          <a:p>
-            <a:pPr algn="l"/>
-            <a:r>
-              <a:rPr lang="zh-CN" altLang="en-US" sz="1200">
-                <a:solidFill>
-                  <a:schemeClr val="tx1"/>
-                </a:solidFill>
-              </a:rPr>
-              <a:t>        FileWriter fw = null;</a:t>
-            </a:r>
-            <a:endParaRPr lang="zh-CN" altLang="en-US" sz="1200">
-              <a:solidFill>
-                <a:schemeClr val="tx1"/>
-              </a:solidFill>
-            </a:endParaRPr>
-          </a:p>
-          <a:p>
-            <a:pPr algn="l"/>
-            <a:r>
-              <a:rPr lang="zh-CN" altLang="en-US" sz="1200">
-                <a:solidFill>
-                  <a:schemeClr val="tx1"/>
-                </a:solidFill>
-              </a:rPr>
-              <a:t>        try{</a:t>
-            </a:r>
-            <a:endParaRPr lang="zh-CN" altLang="en-US" sz="1200">
-              <a:solidFill>
-                <a:schemeClr val="tx1"/>
-              </a:solidFill>
-            </a:endParaRPr>
-          </a:p>
-          <a:p>
-            <a:pPr algn="l"/>
-            <a:r>
-              <a:rPr lang="zh-CN" altLang="en-US" sz="1200">
-                <a:solidFill>
-                  <a:schemeClr val="tx1"/>
-                </a:solidFill>
-              </a:rPr>
-              <a:t>            //可能会产出异常的代码</a:t>
-            </a:r>
-            <a:endParaRPr lang="zh-CN" altLang="en-US" sz="1200">
-              <a:solidFill>
-                <a:schemeClr val="tx1"/>
-              </a:solidFill>
-            </a:endParaRPr>
-          </a:p>
-          <a:p>
-            <a:pPr algn="l"/>
-            <a:r>
-              <a:rPr lang="zh-CN" altLang="en-US" sz="1200">
-                <a:solidFill>
-                  <a:schemeClr val="tx1"/>
-                </a:solidFill>
-              </a:rPr>
-              <a:t>            fw = new FileWriter("D:\\helloworld.txt",true);</a:t>
-            </a:r>
-            <a:endParaRPr lang="zh-CN" altLang="en-US" sz="1200">
-              <a:solidFill>
-                <a:schemeClr val="tx1"/>
-              </a:solidFill>
-            </a:endParaRPr>
-          </a:p>
-          <a:p>
-            <a:pPr algn="l"/>
-            <a:r>
-              <a:rPr lang="zh-CN" altLang="en-US" sz="1200">
-                <a:solidFill>
-                  <a:schemeClr val="tx1"/>
-                </a:solidFill>
-              </a:rPr>
-              <a:t>            for (int i = 0; i &lt;10 ; i++) {</a:t>
-            </a:r>
-            <a:endParaRPr lang="zh-CN" altLang="en-US" sz="1200">
-              <a:solidFill>
-                <a:schemeClr val="tx1"/>
-              </a:solidFill>
-            </a:endParaRPr>
-          </a:p>
-          <a:p>
-            <a:pPr algn="l"/>
-            <a:r>
-              <a:rPr lang="zh-CN" altLang="en-US" sz="1200">
-                <a:solidFill>
-                  <a:schemeClr val="tx1"/>
-                </a:solidFill>
-              </a:rPr>
-              <a:t>                fw.write("HelloWorld"+i+"\r\n");</a:t>
-            </a:r>
-            <a:endParaRPr lang="zh-CN" altLang="en-US" sz="1200">
-              <a:solidFill>
-                <a:schemeClr val="tx1"/>
-              </a:solidFill>
-            </a:endParaRPr>
-          </a:p>
-          <a:p>
-            <a:pPr algn="l"/>
-            <a:r>
-              <a:rPr lang="zh-CN" altLang="en-US" sz="1200">
-                <a:solidFill>
-                  <a:schemeClr val="tx1"/>
-                </a:solidFill>
-              </a:rPr>
-              <a:t>            }</a:t>
-            </a:r>
-            <a:endParaRPr lang="zh-CN" altLang="en-US" sz="1200">
-              <a:solidFill>
-                <a:schemeClr val="tx1"/>
-              </a:solidFill>
-            </a:endParaRPr>
-          </a:p>
-          <a:p>
-            <a:pPr algn="l"/>
-            <a:r>
-              <a:rPr lang="zh-CN" altLang="en-US" sz="1200">
-                <a:solidFill>
-                  <a:schemeClr val="tx1"/>
-                </a:solidFill>
-              </a:rPr>
-              <a:t>        }catch(IOException e){</a:t>
+              <a:t>    public  void testParseException () {</a:t>
+            </a:r>
+            <a:endParaRPr lang="zh-CN" altLang="en-US" sz="1200">
+              <a:solidFill>
+                <a:schemeClr val="tx1"/>
+              </a:solidFill>
+            </a:endParaRPr>
+          </a:p>
+          <a:p>
+            <a:pPr algn="l"/>
+            <a:r>
+              <a:rPr lang="zh-CN" altLang="en-US" sz="1200">
+                <a:solidFill>
+                  <a:schemeClr val="tx1"/>
+                </a:solidFill>
+              </a:rPr>
+              <a:t>        DateFormat dateFormat = new SimpleDateFormat("yyyy-MM-dd HH:mm:ss");</a:t>
+            </a:r>
+            <a:endParaRPr lang="zh-CN" altLang="en-US" sz="1200">
+              <a:solidFill>
+                <a:schemeClr val="tx1"/>
+              </a:solidFill>
+            </a:endParaRPr>
+          </a:p>
+          <a:p>
+            <a:pPr algn="l"/>
+            <a:r>
+              <a:rPr lang="zh-CN" altLang="en-US" sz="1200">
+                <a:solidFill>
+                  <a:schemeClr val="tx1"/>
+                </a:solidFill>
+              </a:rPr>
+              <a:t>        try {</a:t>
+            </a:r>
+            <a:endParaRPr lang="zh-CN" altLang="en-US" sz="1200">
+              <a:solidFill>
+                <a:schemeClr val="tx1"/>
+              </a:solidFill>
+            </a:endParaRPr>
+          </a:p>
+          <a:p>
+            <a:pPr algn="l"/>
+            <a:r>
+              <a:rPr lang="zh-CN" altLang="en-US" sz="1200">
+                <a:solidFill>
+                  <a:schemeClr val="tx1"/>
+                </a:solidFill>
+              </a:rPr>
+              <a:t>            Date date = dateFormat.parse("helloworld");</a:t>
+            </a:r>
+            <a:endParaRPr lang="zh-CN" altLang="en-US" sz="1200">
+              <a:solidFill>
+                <a:schemeClr val="tx1"/>
+              </a:solidFill>
+            </a:endParaRPr>
+          </a:p>
+          <a:p>
+            <a:pPr algn="l"/>
+            <a:r>
+              <a:rPr lang="zh-CN" altLang="en-US" sz="1200">
+                <a:solidFill>
+                  <a:schemeClr val="tx1"/>
+                </a:solidFill>
+              </a:rPr>
+              <a:t>            System.out.println(date);</a:t>
+            </a:r>
+            <a:endParaRPr lang="zh-CN" altLang="en-US" sz="1200">
+              <a:solidFill>
+                <a:schemeClr val="tx1"/>
+              </a:solidFill>
+            </a:endParaRPr>
+          </a:p>
+          <a:p>
+            <a:pPr algn="l"/>
+            <a:r>
+              <a:rPr lang="zh-CN" altLang="en-US" sz="1200">
+                <a:solidFill>
+                  <a:schemeClr val="tx1"/>
+                </a:solidFill>
+              </a:rPr>
+              <a:t>        } catch (ParseException e) {</a:t>
             </a:r>
             <a:endParaRPr lang="zh-CN" altLang="en-US" sz="1200">
               <a:solidFill>
@@ -10429,254 +10355,6 @@
                   <a:schemeClr val="tx1"/>
                 </a:solidFill>
               </a:rPr>
-              <a:t>        }finally {</a:t>
-            </a:r>
-            <a:endParaRPr lang="zh-CN" altLang="en-US" sz="1200">
-              <a:solidFill>
-                <a:schemeClr val="tx1"/>
-              </a:solidFill>
-            </a:endParaRPr>
-          </a:p>
-          <a:p>
-            <a:pPr algn="l"/>
-            <a:r>
-              <a:rPr lang="zh-CN" altLang="en-US" sz="1200">
-                <a:solidFill>
-                  <a:schemeClr val="tx1"/>
-                </a:solidFill>
-              </a:rPr>
-              <a:t>            // 一定会指定的代码</a:t>
-            </a:r>
-            <a:endParaRPr lang="zh-CN" altLang="en-US" sz="1200">
-              <a:solidFill>
-                <a:schemeClr val="tx1"/>
-              </a:solidFill>
-            </a:endParaRPr>
-          </a:p>
-          <a:p>
-            <a:pPr algn="l"/>
-            <a:r>
-              <a:rPr lang="zh-CN" altLang="en-US" sz="1200">
-                <a:solidFill>
-                  <a:schemeClr val="tx1"/>
-                </a:solidFill>
-              </a:rPr>
-              <a:t>            // 创建对象失败了,fw的默认值就是null,null是不能调用方法的,会抛出NullPointerException,</a:t>
-            </a:r>
-            <a:endParaRPr lang="zh-CN" altLang="en-US" sz="1200">
-              <a:solidFill>
-                <a:schemeClr val="tx1"/>
-              </a:solidFill>
-            </a:endParaRPr>
-          </a:p>
-          <a:p>
-            <a:pPr algn="l"/>
-            <a:r>
-              <a:rPr lang="zh-CN" altLang="en-US" sz="1200">
-                <a:solidFill>
-                  <a:schemeClr val="tx1"/>
-                </a:solidFill>
-              </a:rPr>
-              <a:t>            </a:t>
-            </a:r>
-            <a:r>
-              <a:rPr lang="en-US" altLang="zh-CN" sz="1200">
-                <a:solidFill>
-                  <a:schemeClr val="tx1"/>
-                </a:solidFill>
-              </a:rPr>
-              <a:t>// </a:t>
-            </a:r>
-            <a:r>
-              <a:rPr lang="zh-CN" altLang="en-US" sz="1200">
-                <a:solidFill>
-                  <a:schemeClr val="tx1"/>
-                </a:solidFill>
-              </a:rPr>
-              <a:t>需要增加一个判断,不是null在把资源释放</a:t>
-            </a:r>
-            <a:endParaRPr lang="zh-CN" altLang="en-US" sz="1200">
-              <a:solidFill>
-                <a:schemeClr val="tx1"/>
-              </a:solidFill>
-            </a:endParaRPr>
-          </a:p>
-          <a:p>
-            <a:pPr algn="l"/>
-            <a:r>
-              <a:rPr lang="zh-CN" altLang="en-US" sz="1200">
-                <a:solidFill>
-                  <a:schemeClr val="tx1"/>
-                </a:solidFill>
-              </a:rPr>
-              <a:t>            if(fw!=null){</a:t>
-            </a:r>
-            <a:endParaRPr lang="zh-CN" altLang="en-US" sz="1200">
-              <a:solidFill>
-                <a:schemeClr val="tx1"/>
-              </a:solidFill>
-            </a:endParaRPr>
-          </a:p>
-          <a:p>
-            <a:pPr algn="l"/>
-            <a:r>
-              <a:rPr lang="zh-CN" altLang="en-US" sz="1200">
-                <a:solidFill>
-                  <a:schemeClr val="tx1"/>
-                </a:solidFill>
-              </a:rPr>
-              <a:t>                try {</a:t>
-            </a:r>
-            <a:endParaRPr lang="zh-CN" altLang="en-US" sz="1200">
-              <a:solidFill>
-                <a:schemeClr val="tx1"/>
-              </a:solidFill>
-            </a:endParaRPr>
-          </a:p>
-          <a:p>
-            <a:pPr algn="l"/>
-            <a:r>
-              <a:rPr lang="zh-CN" altLang="en-US" sz="1200">
-                <a:solidFill>
-                  <a:schemeClr val="tx1"/>
-                </a:solidFill>
-              </a:rPr>
-              <a:t>                    // fw.close方法声明抛出了IOException异常对象,所以我们就的处理这个异常对象,</a:t>
-            </a:r>
-            <a:endParaRPr lang="zh-CN" altLang="en-US" sz="1200">
-              <a:solidFill>
-                <a:schemeClr val="tx1"/>
-              </a:solidFill>
-            </a:endParaRPr>
-          </a:p>
-          <a:p>
-            <a:pPr algn="l"/>
-            <a:r>
-              <a:rPr lang="zh-CN" altLang="en-US" sz="1200">
-                <a:solidFill>
-                  <a:schemeClr val="tx1"/>
-                </a:solidFill>
-              </a:rPr>
-              <a:t>                    </a:t>
-            </a:r>
-            <a:r>
-              <a:rPr lang="en-US" altLang="zh-CN" sz="1200">
-                <a:solidFill>
-                  <a:schemeClr val="tx1"/>
-                </a:solidFill>
-              </a:rPr>
-              <a:t>// </a:t>
-            </a:r>
-            <a:r>
-              <a:rPr lang="zh-CN" altLang="en-US" sz="1200">
-                <a:solidFill>
-                  <a:schemeClr val="tx1"/>
-                </a:solidFill>
-              </a:rPr>
-              <a:t>要么throws,要么try catch</a:t>
-            </a:r>
-            <a:endParaRPr lang="zh-CN" altLang="en-US" sz="1200">
-              <a:solidFill>
-                <a:schemeClr val="tx1"/>
-              </a:solidFill>
-            </a:endParaRPr>
-          </a:p>
-          <a:p>
-            <a:pPr algn="l"/>
-            <a:r>
-              <a:rPr lang="zh-CN" altLang="en-US" sz="1200">
-                <a:solidFill>
-                  <a:schemeClr val="tx1"/>
-                </a:solidFill>
-              </a:rPr>
-              <a:t>                    fw.close();</a:t>
-            </a:r>
-            <a:endParaRPr lang="zh-CN" altLang="en-US" sz="1200">
-              <a:solidFill>
-                <a:schemeClr val="tx1"/>
-              </a:solidFill>
-            </a:endParaRPr>
-          </a:p>
-          <a:p>
-            <a:pPr algn="l"/>
-            <a:r>
-              <a:rPr lang="zh-CN" altLang="en-US" sz="1200">
-                <a:solidFill>
-                  <a:schemeClr val="tx1"/>
-                </a:solidFill>
-              </a:rPr>
-              <a:t>                } catch (IOException e) {</a:t>
-            </a:r>
-            <a:endParaRPr lang="zh-CN" altLang="en-US" sz="1200">
-              <a:solidFill>
-                <a:schemeClr val="tx1"/>
-              </a:solidFill>
-            </a:endParaRPr>
-          </a:p>
-          <a:p>
-            <a:pPr algn="l"/>
-            <a:r>
-              <a:rPr lang="zh-CN" altLang="en-US" sz="1200">
-                <a:solidFill>
-                  <a:schemeClr val="tx1"/>
-                </a:solidFill>
-              </a:rPr>
-              <a:t>                    e.printStackTrace();</a:t>
-            </a:r>
-            <a:endParaRPr lang="zh-CN" altLang="en-US" sz="1200">
-              <a:solidFill>
-                <a:schemeClr val="tx1"/>
-              </a:solidFill>
-            </a:endParaRPr>
-          </a:p>
-          <a:p>
-            <a:pPr algn="l"/>
-            <a:r>
-              <a:rPr lang="zh-CN" altLang="en-US" sz="1200">
-                <a:solidFill>
-                  <a:schemeClr val="tx1"/>
-                </a:solidFill>
-              </a:rPr>
-              <a:t>                }</a:t>
-            </a:r>
-            <a:endParaRPr lang="zh-CN" altLang="en-US" sz="1200">
-              <a:solidFill>
-                <a:schemeClr val="tx1"/>
-              </a:solidFill>
-            </a:endParaRPr>
-          </a:p>
-          <a:p>
-            <a:pPr algn="l"/>
-            <a:r>
-              <a:rPr lang="zh-CN" altLang="en-US" sz="1200">
-                <a:solidFill>
-                  <a:schemeClr val="tx1"/>
-                </a:solidFill>
-              </a:rPr>
-              <a:t>            }</a:t>
-            </a:r>
-            <a:endParaRPr lang="zh-CN" altLang="en-US" sz="1200">
-              <a:solidFill>
-                <a:schemeClr val="tx1"/>
-              </a:solidFill>
-            </a:endParaRPr>
-          </a:p>
-          <a:p>
-            <a:pPr algn="l"/>
-            <a:endParaRPr lang="zh-CN" altLang="en-US" sz="1200">
-              <a:solidFill>
-                <a:schemeClr val="tx1"/>
-              </a:solidFill>
-            </a:endParaRPr>
-          </a:p>
-          <a:p>
-            <a:pPr algn="l"/>
-            <a:r>
-              <a:rPr lang="zh-CN" altLang="en-US" sz="1200">
-                <a:solidFill>
-                  <a:schemeClr val="tx1"/>
-                </a:solidFill>
-              </a:rPr>
               <a:t>        }</a:t>
             </a:r>
             <a:endParaRPr lang="zh-CN" altLang="en-US" sz="1200">
@@ -10701,91 +10379,8 @@
               </a:solidFill>
             </a:endParaRPr>
           </a:p>
-        </p:txBody>
-      </p:sp>
-      <p:sp>
-        <p:nvSpPr>
-          <p:cNvPr id="5" name="矩形 4"/>
-          <p:cNvSpPr/>
-          <p:nvPr/>
-        </p:nvSpPr>
-        <p:spPr>
-          <a:xfrm>
-            <a:off x="7961630" y="152400"/>
-            <a:ext cx="4015105" cy="3508375"/>
-          </a:xfrm>
-          <a:prstGeom prst="rect">
-            <a:avLst/>
-          </a:prstGeom>
-          <a:solidFill>
-            <a:schemeClr val="bg1"/>
-          </a:solidFill>
-          <a:ln w="28575">
-            <a:solidFill>
-              <a:srgbClr val="F59909"/>
-            </a:solidFill>
-          </a:ln>
-        </p:spPr>
-        <p:style>
-          <a:lnRef idx="2">
-            <a:schemeClr val="accent1">
-              <a:shade val="50000"/>
-            </a:schemeClr>
-          </a:lnRef>
-          <a:fillRef idx="1">
-            <a:schemeClr val="accent1"/>
-          </a:fillRef>
-          <a:effectRef idx="0">
-            <a:schemeClr val="accent1"/>
-          </a:effectRef>
-          <a:fontRef idx="minor">
-            <a:schemeClr val="lt1"/>
-          </a:fontRef>
-        </p:style>
-        <p:txBody>
-          <a:bodyPr rtlCol="0" anchor="ctr"/>
-          <a:p>
-            <a:pPr algn="l"/>
-            <a:r>
-              <a:rPr lang="zh-CN" altLang="en-US" sz="1200">
-                <a:solidFill>
-                  <a:schemeClr val="tx1"/>
-                </a:solidFill>
-              </a:rPr>
-              <a:t>    /**</a:t>
-            </a:r>
-            <a:endParaRPr lang="zh-CN" altLang="en-US" sz="1200">
-              <a:solidFill>
-                <a:schemeClr val="tx1"/>
-              </a:solidFill>
-            </a:endParaRPr>
-          </a:p>
-          <a:p>
-            <a:pPr algn="l"/>
-            <a:r>
-              <a:rPr lang="zh-CN" altLang="en-US" sz="1200">
-                <a:solidFill>
-                  <a:schemeClr val="tx1"/>
-                </a:solidFill>
-              </a:rPr>
-              <a:t>     * 测试检查异常</a:t>
-            </a:r>
-            <a:endParaRPr lang="zh-CN" altLang="en-US" sz="1200">
-              <a:solidFill>
-                <a:schemeClr val="tx1"/>
-              </a:solidFill>
-            </a:endParaRPr>
-          </a:p>
-          <a:p>
-            <a:pPr algn="l"/>
-            <a:r>
-              <a:rPr lang="zh-CN" altLang="en-US" sz="1200">
-                <a:solidFill>
-                  <a:schemeClr val="tx1"/>
-                </a:solidFill>
-              </a:rPr>
-              <a:t>     */</a:t>
-            </a:r>
+          <a:p>
+            <a:pPr algn="l"/>
             <a:endParaRPr lang="zh-CN" altLang="en-US" sz="1200">
               <a:solidFill>
                 <a:schemeClr val="tx1"/>
@@ -11018,7 +10613,7 @@
         </p:nvSpPr>
         <p:spPr>
           <a:xfrm>
-            <a:off x="9298305" y="6287770"/>
+            <a:off x="9316720" y="5960110"/>
             <a:ext cx="2431415" cy="456565"/>
           </a:xfrm>
           <a:prstGeom prst="rect">
@@ -11072,7 +10667,7 @@
 </p:sld>
 </file>
 
-<file path=ppt/slides/slide21.xml><?xml version="1.0" encoding="utf-8"?>
+<file path=ppt/slides/slide18.xml><?xml version="1.0" encoding="utf-8"?>
 <p:sld xmlns:a="http://schemas.openxmlformats.org/drawingml/2006/main" xmlns:r="http://schemas.openxmlformats.org/officeDocument/2006/relationships" xmlns:p="http://schemas.openxmlformats.org/presentationml/2006/main">
   <p:cSld>
     <p:bg>
@@ -11157,7 +10752,7 @@
 </p:sld>
 </file>
 
-<file path=ppt/slides/slide22.xml><?xml version="1.0" encoding="utf-8"?>
+<file path=ppt/slides/slide19.xml><?xml version="1.0" encoding="utf-8"?>
 <p:sld xmlns:a="http://schemas.openxmlformats.org/drawingml/2006/main" xmlns:r="http://schemas.openxmlformats.org/officeDocument/2006/relationships" xmlns:p="http://schemas.openxmlformats.org/presentationml/2006/main">
   <p:cSld>
     <p:bg>
@@ -11951,7 +11546,271 @@
 </p:sld>
 </file>
 
-<file path=ppt/slides/slide23.xml><?xml version="1.0" encoding="utf-8"?>
+<file path=ppt/slides/slide2.xml><?xml version="1.0" encoding="utf-8"?>
+<p:sld xmlns:a="http://schemas.openxmlformats.org/drawingml/2006/main" xmlns:r="http://schemas.openxmlformats.org/officeDocument/2006/relationships" xmlns:p="http://schemas.openxmlformats.org/presentationml/2006/main">
+  <p:cSld>
+    <p:bg>
+      <p:bgPr>
+        <a:blipFill rotWithShape="1">
+          <a:blip r:embed="rId1"/>
+          <a:stretch>
+            <a:fillRect/>
+          </a:stretch>
+        </a:blipFill>
+        <a:effectLst/>
+      </p:bgPr>
+    </p:bg>
+    <p:spTree>
+      <p:nvGrpSpPr>
+        <p:cNvPr id="1" name=""/>
+        <p:cNvGrpSpPr/>
+        <p:nvPr/>
+      </p:nvGrpSpPr>
+      <p:grpSpPr/>
+      <p:sp>
+        <p:nvSpPr>
+          <p:cNvPr id="4" name="文本框 3"/>
+          <p:cNvSpPr txBox="1"/>
+          <p:nvPr/>
+        </p:nvSpPr>
+        <p:spPr>
+          <a:xfrm>
+            <a:off x="1651000" y="1776095"/>
+            <a:ext cx="7905115" cy="368300"/>
+          </a:xfrm>
+          <a:prstGeom prst="rect">
+            <a:avLst/>
+          </a:prstGeom>
+          <a:noFill/>
+        </p:spPr>
+        <p:txBody>
+          <a:bodyPr wrap="square" rtlCol="0">
+            <a:spAutoFit/>
+          </a:bodyPr>
+          <a:p>
+            <a:r>
+              <a:rPr lang="en-US" altLang="zh-CN">
+                <a:sym typeface="+mn-ea"/>
+              </a:rPr>
+              <a:t>1</a:t>
+            </a:r>
+            <a:r>
+              <a:rPr lang="zh-CN" altLang="en-US">
+                <a:sym typeface="+mn-ea"/>
+              </a:rPr>
+              <a:t>、</a:t>
+            </a:r>
+            <a:r>
+              <a:rPr lang="zh-CN" altLang="en-US">
+                <a:sym typeface="+mn-ea"/>
+              </a:rPr>
+              <a:t>异常发生原因</a:t>
+            </a:r>
+            <a:endParaRPr lang="zh-CN" altLang="en-US"/>
+          </a:p>
+        </p:txBody>
+      </p:sp>
+      <p:sp>
+        <p:nvSpPr>
+          <p:cNvPr id="7" name="文本框 6"/>
+          <p:cNvSpPr txBox="1"/>
+          <p:nvPr/>
+        </p:nvSpPr>
+        <p:spPr>
+          <a:xfrm>
+            <a:off x="1651000" y="2402205"/>
+            <a:ext cx="7905115" cy="368300"/>
+          </a:xfrm>
+          <a:prstGeom prst="rect">
+            <a:avLst/>
+          </a:prstGeom>
+          <a:noFill/>
+        </p:spPr>
+        <p:txBody>
+          <a:bodyPr wrap="square" rtlCol="0">
+            <a:spAutoFit/>
+          </a:bodyPr>
+          <a:p>
+            <a:r>
+              <a:rPr lang="en-US" altLang="zh-CN"/>
+              <a:t>2</a:t>
+            </a:r>
+            <a:r>
+              <a:rPr lang="zh-CN" altLang="en-US"/>
+              <a:t>、</a:t>
+            </a:r>
+            <a:r>
+              <a:rPr lang="zh-CN" altLang="en-US"/>
+              <a:t>异常处理机制</a:t>
+            </a:r>
+            <a:endParaRPr lang="zh-CN" altLang="en-US"/>
+          </a:p>
+        </p:txBody>
+      </p:sp>
+      <p:sp>
+        <p:nvSpPr>
+          <p:cNvPr id="9" name="文本框 8"/>
+          <p:cNvSpPr txBox="1"/>
+          <p:nvPr/>
+        </p:nvSpPr>
+        <p:spPr>
+          <a:xfrm>
+            <a:off x="1651000" y="2955925"/>
+            <a:ext cx="7905115" cy="368300"/>
+          </a:xfrm>
+          <a:prstGeom prst="rect">
+            <a:avLst/>
+          </a:prstGeom>
+          <a:noFill/>
+        </p:spPr>
+        <p:txBody>
+          <a:bodyPr wrap="square" rtlCol="0">
+            <a:spAutoFit/>
+          </a:bodyPr>
+          <a:p>
+            <a:r>
+              <a:rPr lang="en-US" altLang="zh-CN"/>
+              <a:t>3</a:t>
+            </a:r>
+            <a:r>
+              <a:rPr lang="zh-CN" altLang="en-US"/>
+              <a:t>、</a:t>
+            </a:r>
+            <a:r>
+              <a:rPr lang="zh-CN" altLang="en-US"/>
+              <a:t>异常基类 </a:t>
+            </a:r>
+            <a:r>
+              <a:rPr lang="en-US" altLang="zh-CN"/>
+              <a:t>Throwable</a:t>
+            </a:r>
+            <a:endParaRPr lang="zh-CN" altLang="en-US"/>
+          </a:p>
+        </p:txBody>
+      </p:sp>
+      <p:sp>
+        <p:nvSpPr>
+          <p:cNvPr id="10" name="文本框 9"/>
+          <p:cNvSpPr txBox="1"/>
+          <p:nvPr/>
+        </p:nvSpPr>
+        <p:spPr>
+          <a:xfrm>
+            <a:off x="1651000" y="3558540"/>
+            <a:ext cx="7905115" cy="368300"/>
+          </a:xfrm>
+          <a:prstGeom prst="rect">
+            <a:avLst/>
+          </a:prstGeom>
+          <a:noFill/>
+        </p:spPr>
+        <p:txBody>
+          <a:bodyPr wrap="square" rtlCol="0">
+            <a:spAutoFit/>
+          </a:bodyPr>
+          <a:p>
+            <a:r>
+              <a:rPr lang="en-US" altLang="zh-CN"/>
+              <a:t>4</a:t>
+            </a:r>
+            <a:r>
+              <a:rPr lang="zh-CN" altLang="en-US"/>
+              <a:t>、</a:t>
+            </a:r>
+            <a:r>
+              <a:rPr lang="zh-CN" altLang="en-US"/>
+              <a:t>异常分类</a:t>
+            </a:r>
+            <a:endParaRPr lang="zh-CN" altLang="en-US"/>
+          </a:p>
+        </p:txBody>
+      </p:sp>
+      <p:sp>
+        <p:nvSpPr>
+          <p:cNvPr id="14" name="文本框 13"/>
+          <p:cNvSpPr txBox="1"/>
+          <p:nvPr/>
+        </p:nvSpPr>
+        <p:spPr>
+          <a:xfrm>
+            <a:off x="1651000" y="4086225"/>
+            <a:ext cx="7905115" cy="368300"/>
+          </a:xfrm>
+          <a:prstGeom prst="rect">
+            <a:avLst/>
+          </a:prstGeom>
+          <a:noFill/>
+        </p:spPr>
+        <p:txBody>
+          <a:bodyPr wrap="square" rtlCol="0">
+            <a:spAutoFit/>
+          </a:bodyPr>
+          <a:p>
+            <a:r>
+              <a:rPr lang="en-US" altLang="zh-CN"/>
+              <a:t>5</a:t>
+            </a:r>
+            <a:r>
+              <a:rPr lang="zh-CN" altLang="en-US"/>
+              <a:t>、</a:t>
+            </a:r>
+            <a:r>
+              <a:rPr lang="zh-CN" altLang="en-US"/>
+              <a:t>异常处理</a:t>
+            </a:r>
+            <a:endParaRPr lang="zh-CN" altLang="en-US"/>
+          </a:p>
+        </p:txBody>
+      </p:sp>
+      <p:sp>
+        <p:nvSpPr>
+          <p:cNvPr id="15" name="文本框 14"/>
+          <p:cNvSpPr txBox="1"/>
+          <p:nvPr/>
+        </p:nvSpPr>
+        <p:spPr>
+          <a:xfrm>
+            <a:off x="1651000" y="4714875"/>
+            <a:ext cx="7905115" cy="368300"/>
+          </a:xfrm>
+          <a:prstGeom prst="rect">
+            <a:avLst/>
+          </a:prstGeom>
+          <a:noFill/>
+        </p:spPr>
+        <p:txBody>
+          <a:bodyPr wrap="square" rtlCol="0">
+            <a:spAutoFit/>
+          </a:bodyPr>
+          <a:p>
+            <a:r>
+              <a:rPr lang="en-US" altLang="zh-CN"/>
+              <a:t>6</a:t>
+            </a:r>
+            <a:r>
+              <a:rPr lang="zh-CN" altLang="en-US"/>
+              <a:t>、</a:t>
+            </a:r>
+            <a:r>
+              <a:rPr lang="zh-CN" altLang="en-US"/>
+              <a:t>自定义异常</a:t>
+            </a:r>
+            <a:endParaRPr lang="zh-CN" altLang="en-US"/>
+          </a:p>
+        </p:txBody>
+      </p:sp>
+    </p:spTree>
+    <p:custDataLst>
+      <p:tags r:id="rId2"/>
+    </p:custDataLst>
+  </p:cSld>
+  <p:clrMapOvr>
+    <a:masterClrMapping/>
+  </p:clrMapOvr>
+</p:sld>
+</file>
+
+<file path=ppt/slides/slide20.xml><?xml version="1.0" encoding="utf-8"?>
 <p:sld xmlns:a="http://schemas.openxmlformats.org/drawingml/2006/main" xmlns:r="http://schemas.openxmlformats.org/officeDocument/2006/relationships" xmlns:p="http://schemas.openxmlformats.org/presentationml/2006/main">
   <p:cSld>
     <p:bg>
@@ -12932,7 +12791,520 @@
 </p:sld>
 </file>
 
-<file path=ppt/slides/slide24.xml><?xml version="1.0" encoding="utf-8"?>
+<file path=ppt/slides/slide21.xml><?xml version="1.0" encoding="utf-8"?>
+<p:sld xmlns:a="http://schemas.openxmlformats.org/drawingml/2006/main" xmlns:r="http://schemas.openxmlformats.org/officeDocument/2006/relationships" xmlns:p="http://schemas.openxmlformats.org/presentationml/2006/main">
+  <p:cSld>
+    <p:bg>
+      <p:bgPr>
+        <a:blipFill rotWithShape="1">
+          <a:blip r:embed="rId1"/>
+          <a:stretch>
+            <a:fillRect/>
+          </a:stretch>
+        </a:blipFill>
+        <a:effectLst/>
+      </p:bgPr>
+    </p:bg>
+    <p:spTree>
+      <p:nvGrpSpPr>
+        <p:cNvPr id="1" name=""/>
+        <p:cNvGrpSpPr/>
+        <p:nvPr/>
+      </p:nvGrpSpPr>
+      <p:grpSpPr/>
+      <p:graphicFrame>
+        <p:nvGraphicFramePr>
+          <p:cNvPr id="14" name="表格 13"/>
+          <p:cNvGraphicFramePr/>
+          <p:nvPr>
+            <p:custDataLst>
+              <p:tags r:id="rId2"/>
+            </p:custDataLst>
+          </p:nvPr>
+        </p:nvGraphicFramePr>
+        <p:xfrm>
+          <a:off x="390525" y="1274445"/>
+          <a:ext cx="11282680" cy="2286000"/>
+        </p:xfrm>
+        <a:graphic>
+          <a:graphicData uri="http://schemas.openxmlformats.org/drawingml/2006/table">
+            <a:tbl>
+              <a:tblPr firstRow="1" bandRow="1">
+                <a:tableStyleId>{5C22544A-7EE6-4342-B048-85BDC9FD1C3A}</a:tableStyleId>
+              </a:tblPr>
+              <a:tblGrid>
+                <a:gridCol w="1496695"/>
+                <a:gridCol w="9785985"/>
+              </a:tblGrid>
+              <a:tr h="381000">
+                <a:tc>
+                  <a:txBody>
+                    <a:bodyPr/>
+                    <a:p>
+                      <a:pPr>
+                        <a:buNone/>
+                      </a:pPr>
+                      <a:r>
+                        <a:rPr lang="zh-CN" altLang="en-US" sz="1600">
+                          <a:latin typeface="宋体" panose="02010600030101010101" pitchFamily="2" charset="-122"/>
+                          <a:ea typeface="宋体" panose="02010600030101010101" pitchFamily="2" charset="-122"/>
+                        </a:rPr>
+                        <a:t>关键字</a:t>
+                      </a:r>
+                      <a:endParaRPr lang="zh-CN" altLang="en-US" sz="1600">
+                        <a:latin typeface="宋体" panose="02010600030101010101" pitchFamily="2" charset="-122"/>
+                        <a:ea typeface="宋体" panose="02010600030101010101" pitchFamily="2" charset="-122"/>
+                      </a:endParaRPr>
+                    </a:p>
+                  </a:txBody>
+                  <a:tcPr/>
+                </a:tc>
+                <a:tc>
+                  <a:txBody>
+                    <a:bodyPr/>
+                    <a:p>
+                      <a:pPr>
+                        <a:buNone/>
+                      </a:pPr>
+                      <a:r>
+                        <a:rPr lang="zh-CN" altLang="en-US" sz="1600">
+                          <a:latin typeface="宋体" panose="02010600030101010101" pitchFamily="2" charset="-122"/>
+                          <a:ea typeface="宋体" panose="02010600030101010101" pitchFamily="2" charset="-122"/>
+                        </a:rPr>
+                        <a:t>描述</a:t>
+                      </a:r>
+                      <a:endParaRPr lang="zh-CN" altLang="en-US" sz="1600">
+                        <a:latin typeface="宋体" panose="02010600030101010101" pitchFamily="2" charset="-122"/>
+                        <a:ea typeface="宋体" panose="02010600030101010101" pitchFamily="2" charset="-122"/>
+                      </a:endParaRPr>
+                    </a:p>
+                  </a:txBody>
+                  <a:tcPr/>
+                </a:tc>
+              </a:tr>
+              <a:tr h="381000">
+                <a:tc>
+                  <a:txBody>
+                    <a:bodyPr/>
+                    <a:p>
+                      <a:pPr>
+                        <a:buNone/>
+                      </a:pPr>
+                      <a:r>
+                        <a:rPr lang="zh-CN" altLang="en-US" sz="1600">
+                          <a:latin typeface="宋体" panose="02010600030101010101" pitchFamily="2" charset="-122"/>
+                          <a:ea typeface="宋体" panose="02010600030101010101" pitchFamily="2" charset="-122"/>
+                        </a:rPr>
+                        <a:t>try</a:t>
+                      </a:r>
+                      <a:endParaRPr lang="zh-CN" altLang="en-US" sz="1600">
+                        <a:latin typeface="宋体" panose="02010600030101010101" pitchFamily="2" charset="-122"/>
+                        <a:ea typeface="宋体" panose="02010600030101010101" pitchFamily="2" charset="-122"/>
+                      </a:endParaRPr>
+                    </a:p>
+                  </a:txBody>
+                  <a:tcPr/>
+                </a:tc>
+                <a:tc>
+                  <a:txBody>
+                    <a:bodyPr/>
+                    <a:p>
+                      <a:pPr>
+                        <a:buNone/>
+                      </a:pPr>
+                      <a:r>
+                        <a:rPr lang="zh-CN" altLang="en-US" sz="1600">
+                          <a:latin typeface="宋体" panose="02010600030101010101" pitchFamily="2" charset="-122"/>
+                          <a:ea typeface="宋体" panose="02010600030101010101" pitchFamily="2" charset="-122"/>
+                          <a:cs typeface="宋体" panose="02010600030101010101" pitchFamily="2" charset="-122"/>
+                        </a:rPr>
+                        <a:t>用于监听。将要被监听的代码(可能抛出异常的代码)放在try语句块之内，当try语句块内发生异常时，异常就被抛出。</a:t>
+                      </a:r>
+                      <a:endParaRPr lang="zh-CN" altLang="en-US" sz="1600">
+                        <a:latin typeface="宋体" panose="02010600030101010101" pitchFamily="2" charset="-122"/>
+                        <a:ea typeface="宋体" panose="02010600030101010101" pitchFamily="2" charset="-122"/>
+                        <a:cs typeface="宋体" panose="02010600030101010101" pitchFamily="2" charset="-122"/>
+                      </a:endParaRPr>
+                    </a:p>
+                  </a:txBody>
+                  <a:tcPr/>
+                </a:tc>
+              </a:tr>
+              <a:tr h="381000">
+                <a:tc>
+                  <a:txBody>
+                    <a:bodyPr/>
+                    <a:p>
+                      <a:pPr>
+                        <a:buNone/>
+                      </a:pPr>
+                      <a:r>
+                        <a:rPr lang="zh-CN" altLang="en-US" sz="1600">
+                          <a:latin typeface="宋体" panose="02010600030101010101" pitchFamily="2" charset="-122"/>
+                          <a:ea typeface="宋体" panose="02010600030101010101" pitchFamily="2" charset="-122"/>
+                        </a:rPr>
+                        <a:t>catch</a:t>
+                      </a:r>
+                      <a:endParaRPr lang="zh-CN" altLang="en-US" sz="1600">
+                        <a:latin typeface="宋体" panose="02010600030101010101" pitchFamily="2" charset="-122"/>
+                        <a:ea typeface="宋体" panose="02010600030101010101" pitchFamily="2" charset="-122"/>
+                      </a:endParaRPr>
+                    </a:p>
+                  </a:txBody>
+                  <a:tcPr/>
+                </a:tc>
+                <a:tc>
+                  <a:txBody>
+                    <a:bodyPr/>
+                    <a:p>
+                      <a:pPr>
+                        <a:buNone/>
+                      </a:pPr>
+                      <a:r>
+                        <a:rPr lang="zh-CN" altLang="en-US" sz="1600">
+                          <a:latin typeface="宋体" panose="02010600030101010101" pitchFamily="2" charset="-122"/>
+                          <a:ea typeface="宋体" panose="02010600030101010101" pitchFamily="2" charset="-122"/>
+                          <a:cs typeface="宋体" panose="02010600030101010101" pitchFamily="2" charset="-122"/>
+                        </a:rPr>
+                        <a:t>用于捕获异常。catch用来捕获try语句块中发生的异常。</a:t>
+                      </a:r>
+                      <a:endParaRPr lang="zh-CN" altLang="en-US" sz="1600">
+                        <a:latin typeface="宋体" panose="02010600030101010101" pitchFamily="2" charset="-122"/>
+                        <a:ea typeface="宋体" panose="02010600030101010101" pitchFamily="2" charset="-122"/>
+                        <a:cs typeface="宋体" panose="02010600030101010101" pitchFamily="2" charset="-122"/>
+                      </a:endParaRPr>
+                    </a:p>
+                  </a:txBody>
+                  <a:tcPr/>
+                </a:tc>
+              </a:tr>
+              <a:tr h="381000">
+                <a:tc>
+                  <a:txBody>
+                    <a:bodyPr/>
+                    <a:p>
+                      <a:pPr>
+                        <a:buNone/>
+                      </a:pPr>
+                      <a:r>
+                        <a:rPr lang="zh-CN" altLang="en-US" sz="1600">
+                          <a:latin typeface="宋体" panose="02010600030101010101" pitchFamily="2" charset="-122"/>
+                          <a:ea typeface="宋体" panose="02010600030101010101" pitchFamily="2" charset="-122"/>
+                        </a:rPr>
+                        <a:t>finally</a:t>
+                      </a:r>
+                      <a:endParaRPr lang="zh-CN" altLang="en-US" sz="1600">
+                        <a:latin typeface="宋体" panose="02010600030101010101" pitchFamily="2" charset="-122"/>
+                        <a:ea typeface="宋体" panose="02010600030101010101" pitchFamily="2" charset="-122"/>
+                      </a:endParaRPr>
+                    </a:p>
+                  </a:txBody>
+                  <a:tcPr/>
+                </a:tc>
+                <a:tc>
+                  <a:txBody>
+                    <a:bodyPr/>
+                    <a:p>
+                      <a:pPr>
+                        <a:buNone/>
+                      </a:pPr>
+                      <a:r>
+                        <a:rPr lang="zh-CN" altLang="en-US" sz="1600">
+                          <a:latin typeface="宋体" panose="02010600030101010101" pitchFamily="2" charset="-122"/>
+                          <a:ea typeface="宋体" panose="02010600030101010101" pitchFamily="2" charset="-122"/>
+                          <a:cs typeface="宋体" panose="02010600030101010101" pitchFamily="2" charset="-122"/>
+                        </a:rPr>
+                        <a:t>finally语句块总是会被执行。它主要用于回收在try块里打开的物力资源(如数据库连接、网络连接和磁盘文件)。只有finally块，执行完成之后，才会回来执行try或者catch块中的return或者throw语句，如果finally中使用了return或者throw等终止方法的语句，则就不会跳回执行，直接停止。</a:t>
+                      </a:r>
+                      <a:endParaRPr lang="zh-CN" altLang="en-US" sz="1600">
+                        <a:latin typeface="宋体" panose="02010600030101010101" pitchFamily="2" charset="-122"/>
+                        <a:ea typeface="宋体" panose="02010600030101010101" pitchFamily="2" charset="-122"/>
+                        <a:cs typeface="宋体" panose="02010600030101010101" pitchFamily="2" charset="-122"/>
+                      </a:endParaRPr>
+                    </a:p>
+                  </a:txBody>
+                  <a:tcPr/>
+                </a:tc>
+              </a:tr>
+              <a:tr h="381000">
+                <a:tc>
+                  <a:txBody>
+                    <a:bodyPr/>
+                    <a:p>
+                      <a:pPr>
+                        <a:buNone/>
+                      </a:pPr>
+                      <a:r>
+                        <a:rPr lang="zh-CN" altLang="en-US" sz="1600">
+                          <a:latin typeface="宋体" panose="02010600030101010101" pitchFamily="2" charset="-122"/>
+                          <a:ea typeface="宋体" panose="02010600030101010101" pitchFamily="2" charset="-122"/>
+                        </a:rPr>
+                        <a:t>throw</a:t>
+                      </a:r>
+                      <a:endParaRPr lang="zh-CN" altLang="en-US" sz="1600">
+                        <a:latin typeface="宋体" panose="02010600030101010101" pitchFamily="2" charset="-122"/>
+                        <a:ea typeface="宋体" panose="02010600030101010101" pitchFamily="2" charset="-122"/>
+                      </a:endParaRPr>
+                    </a:p>
+                  </a:txBody>
+                  <a:tcPr/>
+                </a:tc>
+                <a:tc>
+                  <a:txBody>
+                    <a:bodyPr/>
+                    <a:p>
+                      <a:pPr>
+                        <a:buNone/>
+                      </a:pPr>
+                      <a:r>
+                        <a:rPr lang="zh-CN" altLang="en-US" sz="1600">
+                          <a:latin typeface="宋体" panose="02010600030101010101" pitchFamily="2" charset="-122"/>
+                          <a:ea typeface="宋体" panose="02010600030101010101" pitchFamily="2" charset="-122"/>
+                        </a:rPr>
+                        <a:t>用于</a:t>
+                      </a:r>
+                      <a:r>
+                        <a:rPr lang="zh-CN" altLang="en-US" sz="1600" b="1">
+                          <a:solidFill>
+                            <a:srgbClr val="FF0000"/>
+                          </a:solidFill>
+                          <a:latin typeface="宋体" panose="02010600030101010101" pitchFamily="2" charset="-122"/>
+                          <a:ea typeface="宋体" panose="02010600030101010101" pitchFamily="2" charset="-122"/>
+                        </a:rPr>
+                        <a:t>抛出异常</a:t>
+                      </a:r>
+                      <a:r>
+                        <a:rPr lang="zh-CN" altLang="en-US" sz="1600">
+                          <a:latin typeface="宋体" panose="02010600030101010101" pitchFamily="2" charset="-122"/>
+                          <a:ea typeface="宋体" panose="02010600030101010101" pitchFamily="2" charset="-122"/>
+                        </a:rPr>
+                        <a:t>。</a:t>
+                      </a:r>
+                      <a:endParaRPr lang="zh-CN" altLang="en-US" sz="1600">
+                        <a:latin typeface="宋体" panose="02010600030101010101" pitchFamily="2" charset="-122"/>
+                        <a:ea typeface="宋体" panose="02010600030101010101" pitchFamily="2" charset="-122"/>
+                      </a:endParaRPr>
+                    </a:p>
+                  </a:txBody>
+                  <a:tcPr/>
+                </a:tc>
+              </a:tr>
+              <a:tr h="381000">
+                <a:tc>
+                  <a:txBody>
+                    <a:bodyPr/>
+                    <a:p>
+                      <a:pPr>
+                        <a:buNone/>
+                      </a:pPr>
+                      <a:r>
+                        <a:rPr lang="zh-CN" altLang="en-US" sz="1600">
+                          <a:latin typeface="宋体" panose="02010600030101010101" pitchFamily="2" charset="-122"/>
+                          <a:ea typeface="宋体" panose="02010600030101010101" pitchFamily="2" charset="-122"/>
+                        </a:rPr>
+                        <a:t>throws</a:t>
+                      </a:r>
+                      <a:endParaRPr lang="zh-CN" altLang="en-US" sz="1600">
+                        <a:latin typeface="宋体" panose="02010600030101010101" pitchFamily="2" charset="-122"/>
+                        <a:ea typeface="宋体" panose="02010600030101010101" pitchFamily="2" charset="-122"/>
+                      </a:endParaRPr>
+                    </a:p>
+                  </a:txBody>
+                  <a:tcPr/>
+                </a:tc>
+                <a:tc>
+                  <a:txBody>
+                    <a:bodyPr/>
+                    <a:p>
+                      <a:pPr>
+                        <a:buNone/>
+                      </a:pPr>
+                      <a:r>
+                        <a:rPr lang="zh-CN" altLang="en-US" sz="1600">
+                          <a:latin typeface="宋体" panose="02010600030101010101" pitchFamily="2" charset="-122"/>
+                          <a:ea typeface="宋体" panose="02010600030101010101" pitchFamily="2" charset="-122"/>
+                        </a:rPr>
+                        <a:t>用在方法签名中，用于</a:t>
+                      </a:r>
+                      <a:r>
+                        <a:rPr lang="zh-CN" altLang="en-US" sz="1600" b="1">
+                          <a:solidFill>
+                            <a:srgbClr val="FF0000"/>
+                          </a:solidFill>
+                          <a:latin typeface="宋体" panose="02010600030101010101" pitchFamily="2" charset="-122"/>
+                          <a:ea typeface="宋体" panose="02010600030101010101" pitchFamily="2" charset="-122"/>
+                        </a:rPr>
+                        <a:t>声明该方法可能抛出的异常</a:t>
+                      </a:r>
+                      <a:r>
+                        <a:rPr lang="zh-CN" altLang="en-US" sz="1600">
+                          <a:latin typeface="宋体" panose="02010600030101010101" pitchFamily="2" charset="-122"/>
+                          <a:ea typeface="宋体" panose="02010600030101010101" pitchFamily="2" charset="-122"/>
+                        </a:rPr>
+                        <a:t>。</a:t>
+                      </a:r>
+                      <a:endParaRPr lang="zh-CN" altLang="en-US" sz="1600">
+                        <a:latin typeface="宋体" panose="02010600030101010101" pitchFamily="2" charset="-122"/>
+                        <a:ea typeface="宋体" panose="02010600030101010101" pitchFamily="2" charset="-122"/>
+                      </a:endParaRPr>
+                    </a:p>
+                  </a:txBody>
+                  <a:tcPr/>
+                </a:tc>
+              </a:tr>
+            </a:tbl>
+          </a:graphicData>
+        </a:graphic>
+      </p:graphicFrame>
+      <p:sp>
+        <p:nvSpPr>
+          <p:cNvPr id="15" name="文本框 14"/>
+          <p:cNvSpPr txBox="1"/>
+          <p:nvPr/>
+        </p:nvSpPr>
+        <p:spPr>
+          <a:xfrm>
+            <a:off x="2362835" y="809625"/>
+            <a:ext cx="7466965" cy="368300"/>
+          </a:xfrm>
+          <a:prstGeom prst="rect">
+            <a:avLst/>
+          </a:prstGeom>
+          <a:noFill/>
+        </p:spPr>
+        <p:txBody>
+          <a:bodyPr wrap="square" rtlCol="0" anchor="t">
+            <a:spAutoFit/>
+          </a:bodyPr>
+          <a:p>
+            <a:r>
+              <a:rPr lang="zh-CN" altLang="en-US"/>
+              <a:t>Java异常机制用到的几个关键字：try、catch、finally、throw、throws。</a:t>
+            </a:r>
+            <a:endParaRPr lang="zh-CN" altLang="en-US"/>
+          </a:p>
+        </p:txBody>
+      </p:sp>
+      <p:sp>
+        <p:nvSpPr>
+          <p:cNvPr id="2" name="文本框 1"/>
+          <p:cNvSpPr txBox="1"/>
+          <p:nvPr/>
+        </p:nvSpPr>
+        <p:spPr>
+          <a:xfrm>
+            <a:off x="390525" y="4342765"/>
+            <a:ext cx="11536680" cy="2245360"/>
+          </a:xfrm>
+          <a:prstGeom prst="rect">
+            <a:avLst/>
+          </a:prstGeom>
+          <a:noFill/>
+        </p:spPr>
+        <p:txBody>
+          <a:bodyPr wrap="square" rtlCol="0" anchor="t">
+            <a:spAutoFit/>
+          </a:bodyPr>
+          <a:p>
+            <a:r>
+              <a:rPr lang="zh-CN" altLang="en-US" sz="1400" b="1">
+                <a:solidFill>
+                  <a:srgbClr val="FF0000"/>
+                </a:solidFill>
+              </a:rPr>
+              <a:t>什么时候抛出异常，什么时候处理异常（</a:t>
+            </a:r>
+            <a:r>
+              <a:rPr lang="zh-CN" altLang="en-US" sz="1400" b="1">
+                <a:solidFill>
+                  <a:schemeClr val="accent1"/>
+                </a:solidFill>
+              </a:rPr>
+              <a:t>处理自己该处理的异常，抛出自己不该处理的异常</a:t>
+            </a:r>
+            <a:r>
+              <a:rPr lang="zh-CN" altLang="en-US" sz="1400" b="1">
+                <a:solidFill>
+                  <a:srgbClr val="FF0000"/>
+                </a:solidFill>
+              </a:rPr>
+              <a:t>）</a:t>
+            </a:r>
+            <a:endParaRPr lang="zh-CN" altLang="en-US" sz="1400" b="1">
+              <a:solidFill>
+                <a:srgbClr val="FF0000"/>
+              </a:solidFill>
+            </a:endParaRPr>
+          </a:p>
+          <a:p>
+            <a:r>
+              <a:rPr lang="zh-CN" altLang="en-US" sz="1400"/>
+              <a:t>1、在通用的方法里，不要try去捕获错误，而是直接抛出异常给调用层处理</a:t>
+            </a:r>
+            <a:endParaRPr lang="zh-CN" altLang="en-US" sz="1400"/>
+          </a:p>
+          <a:p>
+            <a:r>
+              <a:rPr lang="zh-CN" altLang="en-US" sz="1400"/>
+              <a:t>2、用户访问界面处理掉所有可能的异常，并记录详细错误日志，然后返回友好的错误界面给用户，不要抛异常给用户，不友好。</a:t>
+            </a:r>
+            <a:endParaRPr lang="zh-CN" altLang="en-US" sz="1400"/>
+          </a:p>
+          <a:p>
+            <a:endParaRPr lang="zh-CN" altLang="en-US" sz="1400"/>
+          </a:p>
+          <a:p>
+            <a:r>
+              <a:rPr lang="zh-CN" altLang="en-US" sz="1400"/>
+              <a:t>异常应当在下层方法中不符合逻辑、出现异常的时候抛出，在上层进行捕获.</a:t>
+            </a:r>
+            <a:endParaRPr lang="zh-CN" altLang="en-US" sz="1400"/>
+          </a:p>
+          <a:p>
+            <a:r>
+              <a:rPr lang="zh-CN" altLang="en-US" sz="1400"/>
+              <a:t>同样的，假使你为别人提供类库方法，在你的方法中，存在问题就应该抛出。</a:t>
+            </a:r>
+            <a:endParaRPr lang="zh-CN" altLang="en-US" sz="1400"/>
+          </a:p>
+          <a:p>
+            <a:r>
+              <a:rPr lang="zh-CN" altLang="en-US" sz="1400"/>
+              <a:t>因为别人代码可能依赖于或者调用你的代码，在调用方可进行异常的捕获，从而能得到最原始的异常信息。</a:t>
+            </a:r>
+            <a:endParaRPr lang="zh-CN" altLang="en-US" sz="1400"/>
+          </a:p>
+          <a:p>
+            <a:endParaRPr lang="zh-CN" altLang="en-US" sz="1400"/>
+          </a:p>
+          <a:p>
+            <a:r>
+              <a:rPr lang="zh-CN" altLang="en-US" sz="1400"/>
+              <a:t>这就好比，小孩子你饿了，你就哭就是了（throw），没必要在吃奶阶段（下层）就开始坚强。</a:t>
+            </a:r>
+            <a:endParaRPr lang="zh-CN" altLang="en-US" sz="1400"/>
+          </a:p>
+          <a:p>
+            <a:r>
+              <a:rPr lang="zh-CN" altLang="en-US" sz="1400"/>
+              <a:t>而处理问题则交给小孩的母亲（上层），因为她知道小孩可能会存在饿了就会哭的风险（可能会抛出异常），她会进行保护性应对（try catch）。</a:t>
+            </a:r>
+            <a:endParaRPr lang="zh-CN" altLang="en-US" sz="1400"/>
+          </a:p>
+        </p:txBody>
+      </p:sp>
+    </p:spTree>
+    <p:custDataLst>
+      <p:tags r:id="rId3"/>
+    </p:custDataLst>
+  </p:cSld>
+  <p:clrMapOvr>
+    <a:masterClrMapping/>
+  </p:clrMapOvr>
+</p:sld>
+</file>
+
+<file path=ppt/slides/slide22.xml><?xml version="1.0" encoding="utf-8"?>
 <p:sld xmlns:a="http://schemas.openxmlformats.org/drawingml/2006/main" xmlns:r="http://schemas.openxmlformats.org/officeDocument/2006/relationships" xmlns:p="http://schemas.openxmlformats.org/presentationml/2006/main">
   <p:cSld>
     <p:bg>
@@ -12962,7 +13334,7 @@
         <p:spPr>
           <a:xfrm>
             <a:off x="175895" y="844550"/>
-            <a:ext cx="5745480" cy="3282315"/>
+            <a:ext cx="5745480" cy="3136900"/>
           </a:xfrm>
           <a:prstGeom prst="rect">
             <a:avLst/>
@@ -13162,11 +13534,19 @@
                   <a:schemeClr val="tx1"/>
                 </a:solidFill>
               </a:rPr>
-              <a:t>        try {</a:t>
-            </a:r>
-            <a:endParaRPr lang="zh-CN" altLang="en-US" sz="1200">
-              <a:solidFill>
-                <a:schemeClr val="tx1"/>
+              <a:t>       </a:t>
+            </a:r>
+            <a:r>
+              <a:rPr lang="zh-CN" altLang="en-US" sz="1200" b="1">
+                <a:solidFill>
+                  <a:srgbClr val="FF0000"/>
+                </a:solidFill>
+              </a:rPr>
+              <a:t> try {</a:t>
+            </a:r>
+            <a:endParaRPr lang="zh-CN" altLang="en-US" sz="1200" b="1">
+              <a:solidFill>
+                <a:srgbClr val="FF0000"/>
               </a:solidFill>
             </a:endParaRPr>
           </a:p>
@@ -13194,294 +13574,51 @@
                   <a:schemeClr val="tx1"/>
                 </a:solidFill>
               </a:rPr>
-              <a:t>        } catch (ParseException e) {</a:t>
-            </a:r>
-            <a:endParaRPr lang="zh-CN" altLang="en-US" sz="1200">
-              <a:solidFill>
-                <a:schemeClr val="tx1"/>
-              </a:solidFill>
-            </a:endParaRPr>
-          </a:p>
-          <a:p>
-            <a:pPr algn="l"/>
-            <a:r>
-              <a:rPr lang="zh-CN" altLang="en-US" sz="1200">
-                <a:solidFill>
-                  <a:schemeClr val="tx1"/>
+              <a:t>       </a:t>
+            </a:r>
+            <a:r>
+              <a:rPr lang="zh-CN" altLang="en-US" sz="1200" b="1">
+                <a:solidFill>
+                  <a:srgbClr val="FF0000"/>
+                </a:solidFill>
+              </a:rPr>
+              <a:t> } catch (ParseException e) {</a:t>
+            </a:r>
+            <a:endParaRPr lang="zh-CN" altLang="en-US" sz="1200" b="1">
+              <a:solidFill>
+                <a:srgbClr val="FF0000"/>
+              </a:solidFill>
+            </a:endParaRPr>
+          </a:p>
+          <a:p>
+            <a:pPr algn="l"/>
+            <a:r>
+              <a:rPr lang="zh-CN" altLang="en-US" sz="1200" b="1">
+                <a:solidFill>
+                  <a:srgbClr val="FF0000"/>
                 </a:solidFill>
               </a:rPr>
               <a:t>            e.printStackTrace();</a:t>
             </a:r>
-            <a:endParaRPr lang="zh-CN" altLang="en-US" sz="1200">
-              <a:solidFill>
-                <a:schemeClr val="tx1"/>
-              </a:solidFill>
-            </a:endParaRPr>
-          </a:p>
-          <a:p>
-            <a:pPr algn="l"/>
-            <a:r>
-              <a:rPr lang="zh-CN" altLang="en-US" sz="1200">
-                <a:solidFill>
-                  <a:schemeClr val="tx1"/>
+            <a:endParaRPr lang="zh-CN" altLang="en-US" sz="1200" b="1">
+              <a:solidFill>
+                <a:srgbClr val="FF0000"/>
+              </a:solidFill>
+            </a:endParaRPr>
+          </a:p>
+          <a:p>
+            <a:pPr algn="l"/>
+            <a:r>
+              <a:rPr lang="zh-CN" altLang="en-US" sz="1200" b="1">
+                <a:solidFill>
+                  <a:srgbClr val="FF0000"/>
                 </a:solidFill>
               </a:rPr>
               <a:t>        }</a:t>
             </a:r>
-            <a:endParaRPr lang="zh-CN" altLang="en-US" sz="1200">
-              <a:solidFill>
-                <a:schemeClr val="tx1"/>
-              </a:solidFill>
-            </a:endParaRPr>
-          </a:p>
-          <a:p>
-            <a:pPr algn="l"/>
-            <a:r>
-              <a:rPr lang="zh-CN" altLang="en-US" sz="1200">
-                <a:solidFill>
-                  <a:schemeClr val="tx1"/>
-                </a:solidFill>
-              </a:rPr>
-              <a:t>    }</a:t>
-            </a:r>
-            <a:endParaRPr lang="zh-CN" altLang="en-US" sz="1200">
-              <a:solidFill>
-                <a:schemeClr val="tx1"/>
-              </a:solidFill>
-            </a:endParaRPr>
-          </a:p>
-        </p:txBody>
-      </p:sp>
-      <p:sp>
-        <p:nvSpPr>
-          <p:cNvPr id="4" name="矩形 3"/>
-          <p:cNvSpPr/>
-          <p:nvPr/>
-        </p:nvSpPr>
-        <p:spPr>
-          <a:xfrm>
-            <a:off x="6122670" y="844550"/>
-            <a:ext cx="5745480" cy="3282315"/>
-          </a:xfrm>
-          <a:prstGeom prst="rect">
-            <a:avLst/>
-          </a:prstGeom>
-          <a:solidFill>
-            <a:schemeClr val="bg1"/>
-          </a:solidFill>
-          <a:ln w="28575">
-            <a:solidFill>
-              <a:srgbClr val="F59909"/>
-            </a:solidFill>
-          </a:ln>
-        </p:spPr>
-        <p:style>
-          <a:lnRef idx="2">
-            <a:schemeClr val="accent1">
-              <a:shade val="50000"/>
-            </a:schemeClr>
-          </a:lnRef>
-          <a:fillRef idx="1">
-            <a:schemeClr val="accent1"/>
-          </a:fillRef>
-          <a:effectRef idx="0">
-            <a:schemeClr val="accent1"/>
-          </a:effectRef>
-          <a:fontRef idx="minor">
-            <a:schemeClr val="lt1"/>
-          </a:fontRef>
-        </p:style>
-        <p:txBody>
-          <a:bodyPr rtlCol="0" anchor="ctr"/>
-          <a:p>
-            <a:pPr algn="l"/>
-            <a:r>
-              <a:rPr lang="zh-CN" altLang="en-US" sz="1200">
-                <a:solidFill>
-                  <a:schemeClr val="tx1"/>
-                </a:solidFill>
-              </a:rPr>
-              <a:t>    /**</a:t>
-            </a:r>
-            <a:endParaRPr lang="zh-CN" altLang="en-US" sz="1200">
-              <a:solidFill>
-                <a:schemeClr val="tx1"/>
-              </a:solidFill>
-            </a:endParaRPr>
-          </a:p>
-          <a:p>
-            <a:pPr algn="l"/>
-            <a:r>
-              <a:rPr lang="zh-CN" altLang="en-US" sz="1200">
-                <a:solidFill>
-                  <a:schemeClr val="tx1"/>
-                </a:solidFill>
-              </a:rPr>
-              <a:t>     * throws 抛出异常</a:t>
-            </a:r>
-            <a:endParaRPr lang="zh-CN" altLang="en-US" sz="1200">
-              <a:solidFill>
-                <a:schemeClr val="tx1"/>
-              </a:solidFill>
-            </a:endParaRPr>
-          </a:p>
-          <a:p>
-            <a:pPr algn="l"/>
-            <a:r>
-              <a:rPr lang="zh-CN" altLang="en-US" sz="1200">
-                <a:solidFill>
-                  <a:schemeClr val="tx1"/>
-                </a:solidFill>
-              </a:rPr>
-              <a:t>     * @throws ParseException </a:t>
-            </a:r>
-            <a:endParaRPr lang="zh-CN" altLang="en-US" sz="1200">
-              <a:solidFill>
-                <a:schemeClr val="tx1"/>
-              </a:solidFill>
-            </a:endParaRPr>
-          </a:p>
-          <a:p>
-            <a:pPr algn="l"/>
-            <a:r>
-              <a:rPr lang="zh-CN" altLang="en-US" sz="1200">
-                <a:solidFill>
-                  <a:schemeClr val="tx1"/>
-                </a:solidFill>
-              </a:rPr>
-              <a:t>     */</a:t>
-            </a:r>
-            <a:endParaRPr lang="zh-CN" altLang="en-US" sz="1200">
-              <a:solidFill>
-                <a:schemeClr val="tx1"/>
-              </a:solidFill>
-            </a:endParaRPr>
-          </a:p>
-          <a:p>
-            <a:pPr algn="l"/>
-            <a:r>
-              <a:rPr lang="zh-CN" altLang="en-US" sz="1200">
-                <a:solidFill>
-                  <a:schemeClr val="tx1"/>
-                </a:solidFill>
-              </a:rPr>
-              <a:t>    @Test</a:t>
-            </a:r>
-            <a:endParaRPr lang="zh-CN" altLang="en-US" sz="1200">
-              <a:solidFill>
-                <a:schemeClr val="tx1"/>
-              </a:solidFill>
-            </a:endParaRPr>
-          </a:p>
-          <a:p>
-            <a:pPr algn="l"/>
-            <a:r>
-              <a:rPr lang="zh-CN" altLang="en-US" sz="1200">
-                <a:solidFill>
-                  <a:schemeClr val="tx1"/>
-                </a:solidFill>
-              </a:rPr>
-              <a:t>    public void testException2 () throws ParseException {</a:t>
-            </a:r>
-            <a:endParaRPr lang="zh-CN" altLang="en-US" sz="1200">
-              <a:solidFill>
-                <a:schemeClr val="tx1"/>
-              </a:solidFill>
-            </a:endParaRPr>
-          </a:p>
-          <a:p>
-            <a:pPr algn="l"/>
-            <a:r>
-              <a:rPr lang="zh-CN" altLang="en-US" sz="1200">
-                <a:solidFill>
-                  <a:schemeClr val="tx1"/>
-                </a:solidFill>
-              </a:rPr>
-              <a:t>        Date date = new Date();</a:t>
-            </a:r>
-            <a:endParaRPr lang="zh-CN" altLang="en-US" sz="1200">
-              <a:solidFill>
-                <a:schemeClr val="tx1"/>
-              </a:solidFill>
-            </a:endParaRPr>
-          </a:p>
-          <a:p>
-            <a:pPr algn="l"/>
-            <a:r>
-              <a:rPr lang="zh-CN" altLang="en-US" sz="1200">
-                <a:solidFill>
-                  <a:schemeClr val="tx1"/>
-                </a:solidFill>
-              </a:rPr>
-              <a:t>        DateFormat dateFormat = new SimpleDateFormat("yyyy-MM-dd HH:mm:ss");</a:t>
-            </a:r>
-            <a:endParaRPr lang="zh-CN" altLang="en-US" sz="1200">
-              <a:solidFill>
-                <a:schemeClr val="tx1"/>
-              </a:solidFill>
-            </a:endParaRPr>
-          </a:p>
-          <a:p>
-            <a:pPr algn="l"/>
-            <a:r>
-              <a:rPr lang="zh-CN" altLang="en-US" sz="1200">
-                <a:solidFill>
-                  <a:schemeClr val="tx1"/>
-                </a:solidFill>
-              </a:rPr>
-              <a:t>        </a:t>
-            </a:r>
-            <a:endParaRPr lang="zh-CN" altLang="en-US" sz="1200">
-              <a:solidFill>
-                <a:schemeClr val="tx1"/>
-              </a:solidFill>
-            </a:endParaRPr>
-          </a:p>
-          <a:p>
-            <a:pPr algn="l"/>
-            <a:r>
-              <a:rPr lang="zh-CN" altLang="en-US" sz="1200">
-                <a:solidFill>
-                  <a:schemeClr val="tx1"/>
-                </a:solidFill>
-              </a:rPr>
-              <a:t>        System.out.println(dateFormat.format(date));</a:t>
-            </a:r>
-            <a:endParaRPr lang="zh-CN" altLang="en-US" sz="1200">
-              <a:solidFill>
-                <a:schemeClr val="tx1"/>
-              </a:solidFill>
-            </a:endParaRPr>
-          </a:p>
-          <a:p>
-            <a:pPr algn="l"/>
-            <a:r>
-              <a:rPr lang="zh-CN" altLang="en-US" sz="1200">
-                <a:solidFill>
-                  <a:schemeClr val="tx1"/>
-                </a:solidFill>
-              </a:rPr>
-              <a:t>        </a:t>
-            </a:r>
-            <a:endParaRPr lang="zh-CN" altLang="en-US" sz="1200">
-              <a:solidFill>
-                <a:schemeClr val="tx1"/>
-              </a:solidFill>
-            </a:endParaRPr>
-          </a:p>
-          <a:p>
-            <a:pPr algn="l"/>
-            <a:r>
-              <a:rPr lang="zh-CN" altLang="en-US" sz="1200">
-                <a:solidFill>
-                  <a:schemeClr val="tx1"/>
-                </a:solidFill>
-              </a:rPr>
-              <a:t>        System.out.println(dateFormat.parse("2020-09-10 15:25:57AAA"));</a:t>
-            </a:r>
-            <a:endParaRPr lang="zh-CN" altLang="en-US" sz="1200">
-              <a:solidFill>
-                <a:schemeClr val="tx1"/>
+            <a:endParaRPr lang="zh-CN" altLang="en-US" sz="1200" b="1">
+              <a:solidFill>
+                <a:srgbClr val="FF0000"/>
               </a:solidFill>
             </a:endParaRPr>
           </a:p>
@@ -13556,13 +13693,2529 @@
       </p:sp>
       <p:sp>
         <p:nvSpPr>
+          <p:cNvPr id="7" name="矩形 6"/>
+          <p:cNvSpPr/>
+          <p:nvPr/>
+        </p:nvSpPr>
+        <p:spPr>
+          <a:xfrm>
+            <a:off x="6096000" y="844550"/>
+            <a:ext cx="5745480" cy="5703570"/>
+          </a:xfrm>
+          <a:prstGeom prst="rect">
+            <a:avLst/>
+          </a:prstGeom>
+          <a:solidFill>
+            <a:schemeClr val="bg1"/>
+          </a:solidFill>
+          <a:ln w="28575">
+            <a:solidFill>
+              <a:srgbClr val="F59909"/>
+            </a:solidFill>
+          </a:ln>
+        </p:spPr>
+        <p:style>
+          <a:lnRef idx="2">
+            <a:schemeClr val="accent1">
+              <a:shade val="50000"/>
+            </a:schemeClr>
+          </a:lnRef>
+          <a:fillRef idx="1">
+            <a:schemeClr val="accent1"/>
+          </a:fillRef>
+          <a:effectRef idx="0">
+            <a:schemeClr val="accent1"/>
+          </a:effectRef>
+          <a:fontRef idx="minor">
+            <a:schemeClr val="lt1"/>
+          </a:fontRef>
+        </p:style>
+        <p:txBody>
+          <a:bodyPr rtlCol="0" anchor="ctr"/>
+          <a:p>
+            <a:pPr algn="l"/>
+            <a:r>
+              <a:rPr lang="zh-CN" altLang="en-US" sz="1200">
+                <a:solidFill>
+                  <a:schemeClr val="tx1"/>
+                </a:solidFill>
+              </a:rPr>
+              <a:t>    /**</a:t>
+            </a:r>
+            <a:endParaRPr lang="zh-CN" altLang="en-US" sz="1200">
+              <a:solidFill>
+                <a:schemeClr val="tx1"/>
+              </a:solidFill>
+            </a:endParaRPr>
+          </a:p>
+          <a:p>
+            <a:pPr algn="l"/>
+            <a:r>
+              <a:rPr lang="zh-CN" altLang="en-US" sz="1200">
+                <a:solidFill>
+                  <a:schemeClr val="tx1"/>
+                </a:solidFill>
+              </a:rPr>
+              <a:t>     * 测试 try catch finally</a:t>
+            </a:r>
+            <a:endParaRPr lang="zh-CN" altLang="en-US" sz="1200">
+              <a:solidFill>
+                <a:schemeClr val="tx1"/>
+              </a:solidFill>
+            </a:endParaRPr>
+          </a:p>
+          <a:p>
+            <a:pPr algn="l"/>
+            <a:r>
+              <a:rPr lang="zh-CN" altLang="en-US" sz="1200">
+                <a:solidFill>
+                  <a:schemeClr val="tx1"/>
+                </a:solidFill>
+              </a:rPr>
+              <a:t>     */</a:t>
+            </a:r>
+            <a:endParaRPr lang="zh-CN" altLang="en-US" sz="1200">
+              <a:solidFill>
+                <a:schemeClr val="tx1"/>
+              </a:solidFill>
+            </a:endParaRPr>
+          </a:p>
+          <a:p>
+            <a:pPr algn="l"/>
+            <a:r>
+              <a:rPr lang="zh-CN" altLang="en-US" sz="1200">
+                <a:solidFill>
+                  <a:schemeClr val="tx1"/>
+                </a:solidFill>
+              </a:rPr>
+              <a:t>    @Test</a:t>
+            </a:r>
+            <a:endParaRPr lang="zh-CN" altLang="en-US" sz="1200">
+              <a:solidFill>
+                <a:schemeClr val="tx1"/>
+              </a:solidFill>
+            </a:endParaRPr>
+          </a:p>
+          <a:p>
+            <a:pPr algn="l"/>
+            <a:r>
+              <a:rPr lang="zh-CN" altLang="en-US" sz="1200">
+                <a:solidFill>
+                  <a:schemeClr val="tx1"/>
+                </a:solidFill>
+              </a:rPr>
+              <a:t>    public void testTryCatchFinally() {</a:t>
+            </a:r>
+            <a:endParaRPr lang="zh-CN" altLang="en-US" sz="1200">
+              <a:solidFill>
+                <a:schemeClr val="tx1"/>
+              </a:solidFill>
+            </a:endParaRPr>
+          </a:p>
+          <a:p>
+            <a:pPr algn="l"/>
+            <a:r>
+              <a:rPr lang="zh-CN" altLang="en-US" sz="1200">
+                <a:solidFill>
+                  <a:schemeClr val="tx1"/>
+                </a:solidFill>
+              </a:rPr>
+              <a:t>        FileWriter fw = null;</a:t>
+            </a:r>
+            <a:endParaRPr lang="zh-CN" altLang="en-US" sz="1200">
+              <a:solidFill>
+                <a:schemeClr val="tx1"/>
+              </a:solidFill>
+            </a:endParaRPr>
+          </a:p>
+          <a:p>
+            <a:pPr algn="l"/>
+            <a:r>
+              <a:rPr lang="zh-CN" altLang="en-US" sz="1200">
+                <a:solidFill>
+                  <a:schemeClr val="tx1"/>
+                </a:solidFill>
+              </a:rPr>
+              <a:t>       </a:t>
+            </a:r>
+            <a:r>
+              <a:rPr lang="zh-CN" altLang="en-US" sz="1200" b="1">
+                <a:solidFill>
+                  <a:srgbClr val="FF0000"/>
+                </a:solidFill>
+              </a:rPr>
+              <a:t> try{</a:t>
+            </a:r>
+            <a:endParaRPr lang="zh-CN" altLang="en-US" sz="1200" b="1">
+              <a:solidFill>
+                <a:srgbClr val="FF0000"/>
+              </a:solidFill>
+            </a:endParaRPr>
+          </a:p>
+          <a:p>
+            <a:pPr algn="l"/>
+            <a:r>
+              <a:rPr lang="zh-CN" altLang="en-US" sz="1200">
+                <a:solidFill>
+                  <a:schemeClr val="tx1"/>
+                </a:solidFill>
+              </a:rPr>
+              <a:t>            //可能会产出异常的代码</a:t>
+            </a:r>
+            <a:endParaRPr lang="zh-CN" altLang="en-US" sz="1200">
+              <a:solidFill>
+                <a:schemeClr val="tx1"/>
+              </a:solidFill>
+            </a:endParaRPr>
+          </a:p>
+          <a:p>
+            <a:pPr algn="l"/>
+            <a:r>
+              <a:rPr lang="zh-CN" altLang="en-US" sz="1200">
+                <a:solidFill>
+                  <a:schemeClr val="tx1"/>
+                </a:solidFill>
+              </a:rPr>
+              <a:t>            fw = new FileWriter("D:\\helloworld.txt",true);</a:t>
+            </a:r>
+            <a:endParaRPr lang="zh-CN" altLang="en-US" sz="1200">
+              <a:solidFill>
+                <a:schemeClr val="tx1"/>
+              </a:solidFill>
+            </a:endParaRPr>
+          </a:p>
+          <a:p>
+            <a:pPr algn="l"/>
+            <a:r>
+              <a:rPr lang="zh-CN" altLang="en-US" sz="1200">
+                <a:solidFill>
+                  <a:schemeClr val="tx1"/>
+                </a:solidFill>
+              </a:rPr>
+              <a:t>            for (int i = 0; i &lt;10 ; i++) {</a:t>
+            </a:r>
+            <a:endParaRPr lang="zh-CN" altLang="en-US" sz="1200">
+              <a:solidFill>
+                <a:schemeClr val="tx1"/>
+              </a:solidFill>
+            </a:endParaRPr>
+          </a:p>
+          <a:p>
+            <a:pPr algn="l"/>
+            <a:r>
+              <a:rPr lang="zh-CN" altLang="en-US" sz="1200">
+                <a:solidFill>
+                  <a:schemeClr val="tx1"/>
+                </a:solidFill>
+              </a:rPr>
+              <a:t>                fw.write("HelloWorld"+i+"\r\n");</a:t>
+            </a:r>
+            <a:endParaRPr lang="zh-CN" altLang="en-US" sz="1200">
+              <a:solidFill>
+                <a:schemeClr val="tx1"/>
+              </a:solidFill>
+            </a:endParaRPr>
+          </a:p>
+          <a:p>
+            <a:pPr algn="l"/>
+            <a:r>
+              <a:rPr lang="zh-CN" altLang="en-US" sz="1200">
+                <a:solidFill>
+                  <a:schemeClr val="tx1"/>
+                </a:solidFill>
+              </a:rPr>
+              <a:t>            }</a:t>
+            </a:r>
+            <a:endParaRPr lang="zh-CN" altLang="en-US" sz="1200">
+              <a:solidFill>
+                <a:schemeClr val="tx1"/>
+              </a:solidFill>
+            </a:endParaRPr>
+          </a:p>
+          <a:p>
+            <a:pPr algn="l"/>
+            <a:r>
+              <a:rPr lang="zh-CN" altLang="en-US" sz="1200">
+                <a:solidFill>
+                  <a:schemeClr val="tx1"/>
+                </a:solidFill>
+              </a:rPr>
+              <a:t>      </a:t>
+            </a:r>
+            <a:r>
+              <a:rPr lang="zh-CN" altLang="en-US" sz="1200" b="1">
+                <a:solidFill>
+                  <a:srgbClr val="FF0000"/>
+                </a:solidFill>
+              </a:rPr>
+              <a:t>  }catch(IOException e){</a:t>
+            </a:r>
+            <a:endParaRPr lang="zh-CN" altLang="en-US" sz="1200" b="1">
+              <a:solidFill>
+                <a:srgbClr val="FF0000"/>
+              </a:solidFill>
+            </a:endParaRPr>
+          </a:p>
+          <a:p>
+            <a:pPr algn="l"/>
+            <a:r>
+              <a:rPr lang="zh-CN" altLang="en-US" sz="1200" b="1">
+                <a:solidFill>
+                  <a:srgbClr val="FF0000"/>
+                </a:solidFill>
+              </a:rPr>
+              <a:t>            e.printStackTrace();</a:t>
+            </a:r>
+            <a:endParaRPr lang="zh-CN" altLang="en-US" sz="1200" b="1">
+              <a:solidFill>
+                <a:srgbClr val="FF0000"/>
+              </a:solidFill>
+            </a:endParaRPr>
+          </a:p>
+          <a:p>
+            <a:pPr algn="l"/>
+            <a:r>
+              <a:rPr lang="zh-CN" altLang="en-US" sz="1200" b="1">
+                <a:solidFill>
+                  <a:srgbClr val="FF0000"/>
+                </a:solidFill>
+              </a:rPr>
+              <a:t>        }finally {</a:t>
+            </a:r>
+            <a:endParaRPr lang="zh-CN" altLang="en-US" sz="1200" b="1">
+              <a:solidFill>
+                <a:srgbClr val="FF0000"/>
+              </a:solidFill>
+            </a:endParaRPr>
+          </a:p>
+          <a:p>
+            <a:pPr algn="l"/>
+            <a:r>
+              <a:rPr lang="zh-CN" altLang="en-US" sz="1200">
+                <a:solidFill>
+                  <a:schemeClr val="tx1"/>
+                </a:solidFill>
+              </a:rPr>
+              <a:t>            //一定会指定的代码</a:t>
+            </a:r>
+            <a:endParaRPr lang="zh-CN" altLang="en-US" sz="1200">
+              <a:solidFill>
+                <a:schemeClr val="tx1"/>
+              </a:solidFill>
+            </a:endParaRPr>
+          </a:p>
+          <a:p>
+            <a:pPr algn="l"/>
+            <a:r>
+              <a:rPr lang="zh-CN" altLang="en-US" sz="1200">
+                <a:solidFill>
+                  <a:schemeClr val="tx1"/>
+                </a:solidFill>
+              </a:rPr>
+              <a:t>            //创建对象失败了,fw的默认值就是null,null是不能调用方法的,会抛出NullPointerException,需要增加一个判断,不是null在把资源释放</a:t>
+            </a:r>
+            <a:endParaRPr lang="zh-CN" altLang="en-US" sz="1200">
+              <a:solidFill>
+                <a:schemeClr val="tx1"/>
+              </a:solidFill>
+            </a:endParaRPr>
+          </a:p>
+          <a:p>
+            <a:pPr algn="l"/>
+            <a:r>
+              <a:rPr lang="zh-CN" altLang="en-US" sz="1200">
+                <a:solidFill>
+                  <a:schemeClr val="tx1"/>
+                </a:solidFill>
+              </a:rPr>
+              <a:t>            if(fw!=null){</a:t>
+            </a:r>
+            <a:endParaRPr lang="zh-CN" altLang="en-US" sz="1200">
+              <a:solidFill>
+                <a:schemeClr val="tx1"/>
+              </a:solidFill>
+            </a:endParaRPr>
+          </a:p>
+          <a:p>
+            <a:pPr algn="l"/>
+            <a:r>
+              <a:rPr lang="zh-CN" altLang="en-US" sz="1200">
+                <a:solidFill>
+                  <a:schemeClr val="tx1"/>
+                </a:solidFill>
+              </a:rPr>
+              <a:t>                try {</a:t>
+            </a:r>
+            <a:endParaRPr lang="zh-CN" altLang="en-US" sz="1200">
+              <a:solidFill>
+                <a:schemeClr val="tx1"/>
+              </a:solidFill>
+            </a:endParaRPr>
+          </a:p>
+          <a:p>
+            <a:pPr algn="l"/>
+            <a:r>
+              <a:rPr lang="zh-CN" altLang="en-US" sz="1200">
+                <a:solidFill>
+                  <a:schemeClr val="tx1"/>
+                </a:solidFill>
+              </a:rPr>
+              <a:t>                    //fw.close方法声明抛出了IOException异常对象,所以我们就的处理这个异常对象,要么throws,要么try catch</a:t>
+            </a:r>
+            <a:endParaRPr lang="zh-CN" altLang="en-US" sz="1200">
+              <a:solidFill>
+                <a:schemeClr val="tx1"/>
+              </a:solidFill>
+            </a:endParaRPr>
+          </a:p>
+          <a:p>
+            <a:pPr algn="l"/>
+            <a:r>
+              <a:rPr lang="zh-CN" altLang="en-US" sz="1200">
+                <a:solidFill>
+                  <a:schemeClr val="tx1"/>
+                </a:solidFill>
+              </a:rPr>
+              <a:t>                    fw.close();</a:t>
+            </a:r>
+            <a:endParaRPr lang="zh-CN" altLang="en-US" sz="1200">
+              <a:solidFill>
+                <a:schemeClr val="tx1"/>
+              </a:solidFill>
+            </a:endParaRPr>
+          </a:p>
+          <a:p>
+            <a:pPr algn="l"/>
+            <a:r>
+              <a:rPr lang="zh-CN" altLang="en-US" sz="1200">
+                <a:solidFill>
+                  <a:schemeClr val="tx1"/>
+                </a:solidFill>
+              </a:rPr>
+              <a:t>                } catch (IOException e) {</a:t>
+            </a:r>
+            <a:endParaRPr lang="zh-CN" altLang="en-US" sz="1200">
+              <a:solidFill>
+                <a:schemeClr val="tx1"/>
+              </a:solidFill>
+            </a:endParaRPr>
+          </a:p>
+          <a:p>
+            <a:pPr algn="l"/>
+            <a:r>
+              <a:rPr lang="zh-CN" altLang="en-US" sz="1200">
+                <a:solidFill>
+                  <a:schemeClr val="tx1"/>
+                </a:solidFill>
+              </a:rPr>
+              <a:t>                    e.printStackTrace();</a:t>
+            </a:r>
+            <a:endParaRPr lang="zh-CN" altLang="en-US" sz="1200">
+              <a:solidFill>
+                <a:schemeClr val="tx1"/>
+              </a:solidFill>
+            </a:endParaRPr>
+          </a:p>
+          <a:p>
+            <a:pPr algn="l"/>
+            <a:r>
+              <a:rPr lang="zh-CN" altLang="en-US" sz="1200">
+                <a:solidFill>
+                  <a:schemeClr val="tx1"/>
+                </a:solidFill>
+              </a:rPr>
+              <a:t>                }</a:t>
+            </a:r>
+            <a:endParaRPr lang="zh-CN" altLang="en-US" sz="1200">
+              <a:solidFill>
+                <a:schemeClr val="tx1"/>
+              </a:solidFill>
+            </a:endParaRPr>
+          </a:p>
+          <a:p>
+            <a:pPr algn="l"/>
+            <a:r>
+              <a:rPr lang="zh-CN" altLang="en-US" sz="1200">
+                <a:solidFill>
+                  <a:schemeClr val="tx1"/>
+                </a:solidFill>
+              </a:rPr>
+              <a:t>            }</a:t>
+            </a:r>
+            <a:endParaRPr lang="zh-CN" altLang="en-US" sz="1200">
+              <a:solidFill>
+                <a:schemeClr val="tx1"/>
+              </a:solidFill>
+            </a:endParaRPr>
+          </a:p>
+          <a:p>
+            <a:pPr algn="l"/>
+            <a:endParaRPr lang="zh-CN" altLang="en-US" sz="1200">
+              <a:solidFill>
+                <a:schemeClr val="tx1"/>
+              </a:solidFill>
+            </a:endParaRPr>
+          </a:p>
+          <a:p>
+            <a:pPr algn="l"/>
+            <a:r>
+              <a:rPr lang="zh-CN" altLang="en-US" sz="1200">
+                <a:solidFill>
+                  <a:schemeClr val="tx1"/>
+                </a:solidFill>
+              </a:rPr>
+              <a:t>       </a:t>
+            </a:r>
+            <a:r>
+              <a:rPr lang="zh-CN" altLang="en-US" sz="1200" b="1">
+                <a:solidFill>
+                  <a:srgbClr val="FF0000"/>
+                </a:solidFill>
+              </a:rPr>
+              <a:t> }</a:t>
+            </a:r>
+            <a:endParaRPr lang="zh-CN" altLang="en-US" sz="1200" b="1">
+              <a:solidFill>
+                <a:srgbClr val="FF0000"/>
+              </a:solidFill>
+            </a:endParaRPr>
+          </a:p>
+          <a:p>
+            <a:pPr algn="l"/>
+            <a:r>
+              <a:rPr lang="zh-CN" altLang="en-US" sz="1200">
+                <a:solidFill>
+                  <a:schemeClr val="tx1"/>
+                </a:solidFill>
+              </a:rPr>
+              <a:t>    }</a:t>
+            </a:r>
+            <a:endParaRPr lang="zh-CN" altLang="en-US" sz="1200">
+              <a:solidFill>
+                <a:schemeClr val="tx1"/>
+              </a:solidFill>
+            </a:endParaRPr>
+          </a:p>
+        </p:txBody>
+      </p:sp>
+      <p:sp>
+        <p:nvSpPr>
+          <p:cNvPr id="10" name="矩形 9"/>
+          <p:cNvSpPr/>
+          <p:nvPr/>
+        </p:nvSpPr>
+        <p:spPr>
+          <a:xfrm>
+            <a:off x="8670290" y="5941695"/>
+            <a:ext cx="2922905" cy="456565"/>
+          </a:xfrm>
+          <a:prstGeom prst="rect">
+            <a:avLst/>
+          </a:prstGeom>
+          <a:solidFill>
+            <a:srgbClr val="F59909"/>
+          </a:solidFill>
+          <a:ln>
+            <a:solidFill>
+              <a:schemeClr val="bg1"/>
+            </a:solidFill>
+          </a:ln>
+        </p:spPr>
+        <p:style>
+          <a:lnRef idx="2">
+            <a:schemeClr val="accent1">
+              <a:shade val="50000"/>
+            </a:schemeClr>
+          </a:lnRef>
+          <a:fillRef idx="1">
+            <a:schemeClr val="accent1"/>
+          </a:fillRef>
+          <a:effectRef idx="0">
+            <a:schemeClr val="accent1"/>
+          </a:effectRef>
+          <a:fontRef idx="minor">
+            <a:schemeClr val="lt1"/>
+          </a:fontRef>
+        </p:style>
+        <p:txBody>
+          <a:bodyPr rtlCol="0" anchor="ctr"/>
+          <a:p>
+            <a:pPr algn="ctr"/>
+            <a:r>
+              <a:rPr lang="zh-CN" altLang="en-US">
+                <a:sym typeface="+mn-ea"/>
+              </a:rPr>
+              <a:t>try catch </a:t>
+            </a:r>
+            <a:r>
+              <a:rPr lang="en-US" altLang="zh-CN">
+                <a:sym typeface="+mn-ea"/>
+              </a:rPr>
+              <a:t>finally</a:t>
+            </a:r>
+            <a:r>
+              <a:rPr lang="zh-CN" altLang="en-US">
+                <a:sym typeface="+mn-ea"/>
+              </a:rPr>
+              <a:t> 捕获异常</a:t>
+            </a:r>
+            <a:endParaRPr lang="zh-CN" altLang="en-US"/>
+          </a:p>
+        </p:txBody>
+      </p:sp>
+    </p:spTree>
+    <p:custDataLst>
+      <p:tags r:id="rId2"/>
+    </p:custDataLst>
+  </p:cSld>
+  <p:clrMapOvr>
+    <a:masterClrMapping/>
+  </p:clrMapOvr>
+</p:sld>
+</file>
+
+<file path=ppt/slides/slide23.xml><?xml version="1.0" encoding="utf-8"?>
+<p:sld xmlns:a="http://schemas.openxmlformats.org/drawingml/2006/main" xmlns:r="http://schemas.openxmlformats.org/officeDocument/2006/relationships" xmlns:p="http://schemas.openxmlformats.org/presentationml/2006/main">
+  <p:cSld>
+    <p:bg>
+      <p:bgPr>
+        <a:blipFill rotWithShape="1">
+          <a:blip r:embed="rId1"/>
+          <a:stretch>
+            <a:fillRect/>
+          </a:stretch>
+        </a:blipFill>
+        <a:effectLst/>
+      </p:bgPr>
+    </p:bg>
+    <p:spTree>
+      <p:nvGrpSpPr>
+        <p:cNvPr id="1" name=""/>
+        <p:cNvGrpSpPr/>
+        <p:nvPr/>
+      </p:nvGrpSpPr>
+      <p:grpSpPr/>
+      <p:sp>
+        <p:nvSpPr>
+          <p:cNvPr id="2" name="矩形 1"/>
+          <p:cNvSpPr/>
+          <p:nvPr/>
+        </p:nvSpPr>
+        <p:spPr>
+          <a:xfrm>
+            <a:off x="203835" y="789940"/>
+            <a:ext cx="5745480" cy="4957445"/>
+          </a:xfrm>
+          <a:prstGeom prst="rect">
+            <a:avLst/>
+          </a:prstGeom>
+          <a:solidFill>
+            <a:schemeClr val="bg1"/>
+          </a:solidFill>
+          <a:ln w="28575">
+            <a:solidFill>
+              <a:srgbClr val="F59909"/>
+            </a:solidFill>
+          </a:ln>
+        </p:spPr>
+        <p:style>
+          <a:lnRef idx="2">
+            <a:schemeClr val="accent1">
+              <a:shade val="50000"/>
+            </a:schemeClr>
+          </a:lnRef>
+          <a:fillRef idx="1">
+            <a:schemeClr val="accent1"/>
+          </a:fillRef>
+          <a:effectRef idx="0">
+            <a:schemeClr val="accent1"/>
+          </a:effectRef>
+          <a:fontRef idx="minor">
+            <a:schemeClr val="lt1"/>
+          </a:fontRef>
+        </p:style>
+        <p:txBody>
+          <a:bodyPr rtlCol="0" anchor="ctr"/>
+          <a:p>
+            <a:pPr algn="l"/>
+            <a:r>
+              <a:rPr lang="zh-CN" altLang="en-US" sz="1200">
+                <a:solidFill>
+                  <a:schemeClr val="tx1"/>
+                </a:solidFill>
+              </a:rPr>
+              <a:t>    /**</a:t>
+            </a:r>
+            <a:endParaRPr lang="zh-CN" altLang="en-US" sz="1200">
+              <a:solidFill>
+                <a:schemeClr val="tx1"/>
+              </a:solidFill>
+            </a:endParaRPr>
+          </a:p>
+          <a:p>
+            <a:pPr algn="l"/>
+            <a:r>
+              <a:rPr lang="zh-CN" altLang="en-US" sz="1200">
+                <a:solidFill>
+                  <a:schemeClr val="tx1"/>
+                </a:solidFill>
+              </a:rPr>
+              <a:t>     * 测试 try catch </a:t>
+            </a:r>
+            <a:r>
+              <a:rPr lang="en-US" altLang="zh-CN" sz="1200">
+                <a:solidFill>
+                  <a:schemeClr val="tx1"/>
+                </a:solidFill>
+              </a:rPr>
+              <a:t>finally</a:t>
+            </a:r>
+            <a:r>
+              <a:rPr lang="zh-CN" altLang="en-US" sz="1200">
+                <a:solidFill>
+                  <a:schemeClr val="tx1"/>
+                </a:solidFill>
+              </a:rPr>
+              <a:t>（多个 </a:t>
+            </a:r>
+            <a:r>
+              <a:rPr lang="en-US" altLang="zh-CN" sz="1200">
+                <a:solidFill>
+                  <a:schemeClr val="tx1"/>
+                </a:solidFill>
+              </a:rPr>
+              <a:t>catch</a:t>
+            </a:r>
+            <a:r>
+              <a:rPr lang="zh-CN" altLang="en-US" sz="1200">
+                <a:solidFill>
+                  <a:schemeClr val="tx1"/>
+                </a:solidFill>
+              </a:rPr>
+              <a:t>）</a:t>
+            </a:r>
+            <a:endParaRPr lang="zh-CN" altLang="en-US" sz="1200">
+              <a:solidFill>
+                <a:schemeClr val="tx1"/>
+              </a:solidFill>
+            </a:endParaRPr>
+          </a:p>
+          <a:p>
+            <a:pPr algn="l"/>
+            <a:r>
+              <a:rPr lang="zh-CN" altLang="en-US" sz="1200">
+                <a:solidFill>
+                  <a:schemeClr val="tx1"/>
+                </a:solidFill>
+              </a:rPr>
+              <a:t>     */</a:t>
+            </a:r>
+            <a:endParaRPr lang="zh-CN" altLang="en-US" sz="1200">
+              <a:solidFill>
+                <a:schemeClr val="tx1"/>
+              </a:solidFill>
+            </a:endParaRPr>
+          </a:p>
+          <a:p>
+            <a:pPr algn="l"/>
+            <a:r>
+              <a:rPr lang="zh-CN" altLang="en-US" sz="1200">
+                <a:solidFill>
+                  <a:schemeClr val="tx1"/>
+                </a:solidFill>
+              </a:rPr>
+              <a:t>    @Test</a:t>
+            </a:r>
+            <a:endParaRPr lang="zh-CN" altLang="en-US" sz="1200">
+              <a:solidFill>
+                <a:schemeClr val="tx1"/>
+              </a:solidFill>
+            </a:endParaRPr>
+          </a:p>
+          <a:p>
+            <a:pPr algn="l"/>
+            <a:r>
+              <a:rPr lang="zh-CN" altLang="en-US" sz="1200">
+                <a:solidFill>
+                  <a:schemeClr val="tx1"/>
+                </a:solidFill>
+              </a:rPr>
+              <a:t>    public void testIOException2() {</a:t>
+            </a:r>
+            <a:endParaRPr lang="zh-CN" altLang="en-US" sz="1200">
+              <a:solidFill>
+                <a:schemeClr val="tx1"/>
+              </a:solidFill>
+            </a:endParaRPr>
+          </a:p>
+          <a:p>
+            <a:pPr algn="l"/>
+            <a:r>
+              <a:rPr lang="zh-CN" altLang="en-US" sz="1200">
+                <a:solidFill>
+                  <a:schemeClr val="tx1"/>
+                </a:solidFill>
+              </a:rPr>
+              <a:t>        FileWriter fw = null;</a:t>
+            </a:r>
+            <a:endParaRPr lang="zh-CN" altLang="en-US" sz="1200">
+              <a:solidFill>
+                <a:schemeClr val="tx1"/>
+              </a:solidFill>
+            </a:endParaRPr>
+          </a:p>
+          <a:p>
+            <a:pPr algn="l"/>
+            <a:r>
+              <a:rPr lang="zh-CN" altLang="en-US" sz="1200">
+                <a:solidFill>
+                  <a:schemeClr val="tx1"/>
+                </a:solidFill>
+              </a:rPr>
+              <a:t>        </a:t>
+            </a:r>
+            <a:r>
+              <a:rPr lang="zh-CN" altLang="en-US" sz="1200" b="1">
+                <a:solidFill>
+                  <a:srgbClr val="FF0000"/>
+                </a:solidFill>
+              </a:rPr>
+              <a:t>try {</a:t>
+            </a:r>
+            <a:endParaRPr lang="zh-CN" altLang="en-US" sz="1200" b="1">
+              <a:solidFill>
+                <a:srgbClr val="FF0000"/>
+              </a:solidFill>
+            </a:endParaRPr>
+          </a:p>
+          <a:p>
+            <a:pPr algn="l"/>
+            <a:r>
+              <a:rPr lang="zh-CN" altLang="en-US" sz="1200">
+                <a:solidFill>
+                  <a:schemeClr val="tx1"/>
+                </a:solidFill>
+              </a:rPr>
+              <a:t>            String ip = InetAddress.getLocalHost().getHostAddress();</a:t>
+            </a:r>
+            <a:endParaRPr lang="zh-CN" altLang="en-US" sz="1200">
+              <a:solidFill>
+                <a:schemeClr val="tx1"/>
+              </a:solidFill>
+            </a:endParaRPr>
+          </a:p>
+          <a:p>
+            <a:pPr algn="l"/>
+            <a:r>
+              <a:rPr lang="zh-CN" altLang="en-US" sz="1200">
+                <a:solidFill>
+                  <a:schemeClr val="tx1"/>
+                </a:solidFill>
+              </a:rPr>
+              <a:t>            fw = new FileWriter("D:/helloworld.txt");</a:t>
+            </a:r>
+            <a:endParaRPr lang="zh-CN" altLang="en-US" sz="1200">
+              <a:solidFill>
+                <a:schemeClr val="tx1"/>
+              </a:solidFill>
+            </a:endParaRPr>
+          </a:p>
+          <a:p>
+            <a:pPr algn="l"/>
+            <a:r>
+              <a:rPr lang="zh-CN" altLang="en-US" sz="1200">
+                <a:solidFill>
+                  <a:schemeClr val="tx1"/>
+                </a:solidFill>
+              </a:rPr>
+              <a:t>            fw.write(ip);</a:t>
+            </a:r>
+            <a:endParaRPr lang="zh-CN" altLang="en-US" sz="1200">
+              <a:solidFill>
+                <a:schemeClr val="tx1"/>
+              </a:solidFill>
+            </a:endParaRPr>
+          </a:p>
+          <a:p>
+            <a:pPr algn="l"/>
+            <a:r>
+              <a:rPr lang="zh-CN" altLang="en-US" sz="1200">
+                <a:solidFill>
+                  <a:schemeClr val="tx1"/>
+                </a:solidFill>
+              </a:rPr>
+              <a:t>      </a:t>
+            </a:r>
+            <a:r>
+              <a:rPr lang="zh-CN" altLang="en-US" sz="1200" b="1">
+                <a:solidFill>
+                  <a:srgbClr val="FF0000"/>
+                </a:solidFill>
+              </a:rPr>
+              <a:t>  } catch (UnknownHostException e) {         </a:t>
+            </a:r>
+            <a:r>
+              <a:rPr lang="zh-CN" altLang="en-US" sz="1200">
+                <a:solidFill>
+                  <a:schemeClr val="tx1"/>
+                </a:solidFill>
+              </a:rPr>
+              <a:t>  </a:t>
+            </a:r>
+            <a:endParaRPr lang="zh-CN" altLang="en-US" sz="1200">
+              <a:solidFill>
+                <a:schemeClr val="tx1"/>
+              </a:solidFill>
+            </a:endParaRPr>
+          </a:p>
+          <a:p>
+            <a:pPr algn="l"/>
+            <a:r>
+              <a:rPr lang="zh-CN" altLang="en-US" sz="1200">
+                <a:solidFill>
+                  <a:schemeClr val="tx1"/>
+                </a:solidFill>
+              </a:rPr>
+              <a:t>            // UnknownHostException extends IOException</a:t>
+            </a:r>
+            <a:endParaRPr lang="zh-CN" altLang="en-US" sz="1200">
+              <a:solidFill>
+                <a:schemeClr val="tx1"/>
+              </a:solidFill>
+            </a:endParaRPr>
+          </a:p>
+          <a:p>
+            <a:pPr algn="l"/>
+            <a:r>
+              <a:rPr lang="zh-CN" altLang="en-US" sz="1200">
+                <a:solidFill>
+                  <a:schemeClr val="tx1"/>
+                </a:solidFill>
+              </a:rPr>
+              <a:t>            e.printStackTrace();</a:t>
+            </a:r>
+            <a:endParaRPr lang="zh-CN" altLang="en-US" sz="1200">
+              <a:solidFill>
+                <a:schemeClr val="tx1"/>
+              </a:solidFill>
+            </a:endParaRPr>
+          </a:p>
+          <a:p>
+            <a:pPr algn="l"/>
+            <a:r>
+              <a:rPr lang="zh-CN" altLang="en-US" sz="1200">
+                <a:solidFill>
+                  <a:schemeClr val="tx1"/>
+                </a:solidFill>
+              </a:rPr>
+              <a:t>      </a:t>
+            </a:r>
+            <a:r>
+              <a:rPr lang="zh-CN" altLang="en-US" sz="1200" b="1">
+                <a:solidFill>
+                  <a:srgbClr val="FF0000"/>
+                </a:solidFill>
+              </a:rPr>
+              <a:t>  } catch (IOException e) {</a:t>
+            </a:r>
+            <a:endParaRPr lang="zh-CN" altLang="en-US" sz="1200" b="1">
+              <a:solidFill>
+                <a:srgbClr val="FF0000"/>
+              </a:solidFill>
+            </a:endParaRPr>
+          </a:p>
+          <a:p>
+            <a:pPr algn="l"/>
+            <a:r>
+              <a:rPr lang="zh-CN" altLang="en-US" sz="1200">
+                <a:solidFill>
+                  <a:schemeClr val="tx1"/>
+                </a:solidFill>
+              </a:rPr>
+              <a:t>            e.printStackTrace();</a:t>
+            </a:r>
+            <a:endParaRPr lang="zh-CN" altLang="en-US" sz="1200">
+              <a:solidFill>
+                <a:schemeClr val="tx1"/>
+              </a:solidFill>
+            </a:endParaRPr>
+          </a:p>
+          <a:p>
+            <a:pPr algn="l"/>
+            <a:r>
+              <a:rPr lang="zh-CN" altLang="en-US" sz="1200">
+                <a:solidFill>
+                  <a:schemeClr val="tx1"/>
+                </a:solidFill>
+              </a:rPr>
+              <a:t>      </a:t>
+            </a:r>
+            <a:r>
+              <a:rPr lang="zh-CN" altLang="en-US" sz="1200" b="1">
+                <a:solidFill>
+                  <a:srgbClr val="FF0000"/>
+                </a:solidFill>
+              </a:rPr>
+              <a:t>  } finally {</a:t>
+            </a:r>
+            <a:endParaRPr lang="zh-CN" altLang="en-US" sz="1200" b="1">
+              <a:solidFill>
+                <a:srgbClr val="FF0000"/>
+              </a:solidFill>
+            </a:endParaRPr>
+          </a:p>
+          <a:p>
+            <a:pPr algn="l"/>
+            <a:r>
+              <a:rPr lang="zh-CN" altLang="en-US" sz="1200">
+                <a:solidFill>
+                  <a:schemeClr val="tx1"/>
+                </a:solidFill>
+              </a:rPr>
+              <a:t>            if (fw != null) {</a:t>
+            </a:r>
+            <a:endParaRPr lang="zh-CN" altLang="en-US" sz="1200">
+              <a:solidFill>
+                <a:schemeClr val="tx1"/>
+              </a:solidFill>
+            </a:endParaRPr>
+          </a:p>
+          <a:p>
+            <a:pPr algn="l"/>
+            <a:r>
+              <a:rPr lang="zh-CN" altLang="en-US" sz="1200">
+                <a:solidFill>
+                  <a:schemeClr val="tx1"/>
+                </a:solidFill>
+              </a:rPr>
+              <a:t>                try {</a:t>
+            </a:r>
+            <a:endParaRPr lang="zh-CN" altLang="en-US" sz="1200">
+              <a:solidFill>
+                <a:schemeClr val="tx1"/>
+              </a:solidFill>
+            </a:endParaRPr>
+          </a:p>
+          <a:p>
+            <a:pPr algn="l"/>
+            <a:r>
+              <a:rPr lang="zh-CN" altLang="en-US" sz="1200">
+                <a:solidFill>
+                  <a:schemeClr val="tx1"/>
+                </a:solidFill>
+              </a:rPr>
+              <a:t>                    fw.close();</a:t>
+            </a:r>
+            <a:endParaRPr lang="zh-CN" altLang="en-US" sz="1200">
+              <a:solidFill>
+                <a:schemeClr val="tx1"/>
+              </a:solidFill>
+            </a:endParaRPr>
+          </a:p>
+          <a:p>
+            <a:pPr algn="l"/>
+            <a:r>
+              <a:rPr lang="zh-CN" altLang="en-US" sz="1200">
+                <a:solidFill>
+                  <a:schemeClr val="tx1"/>
+                </a:solidFill>
+              </a:rPr>
+              <a:t>                } catch (IOException e) {</a:t>
+            </a:r>
+            <a:endParaRPr lang="zh-CN" altLang="en-US" sz="1200">
+              <a:solidFill>
+                <a:schemeClr val="tx1"/>
+              </a:solidFill>
+            </a:endParaRPr>
+          </a:p>
+          <a:p>
+            <a:pPr algn="l"/>
+            <a:r>
+              <a:rPr lang="zh-CN" altLang="en-US" sz="1200">
+                <a:solidFill>
+                  <a:schemeClr val="tx1"/>
+                </a:solidFill>
+              </a:rPr>
+              <a:t>                    e.printStackTrace();</a:t>
+            </a:r>
+            <a:endParaRPr lang="zh-CN" altLang="en-US" sz="1200">
+              <a:solidFill>
+                <a:schemeClr val="tx1"/>
+              </a:solidFill>
+            </a:endParaRPr>
+          </a:p>
+          <a:p>
+            <a:pPr algn="l"/>
+            <a:r>
+              <a:rPr lang="zh-CN" altLang="en-US" sz="1200">
+                <a:solidFill>
+                  <a:schemeClr val="tx1"/>
+                </a:solidFill>
+              </a:rPr>
+              <a:t>                }</a:t>
+            </a:r>
+            <a:endParaRPr lang="zh-CN" altLang="en-US" sz="1200">
+              <a:solidFill>
+                <a:schemeClr val="tx1"/>
+              </a:solidFill>
+            </a:endParaRPr>
+          </a:p>
+          <a:p>
+            <a:pPr algn="l"/>
+            <a:r>
+              <a:rPr lang="zh-CN" altLang="en-US" sz="1200">
+                <a:solidFill>
+                  <a:schemeClr val="tx1"/>
+                </a:solidFill>
+              </a:rPr>
+              <a:t>            }</a:t>
+            </a:r>
+            <a:endParaRPr lang="zh-CN" altLang="en-US" sz="1200">
+              <a:solidFill>
+                <a:schemeClr val="tx1"/>
+              </a:solidFill>
+            </a:endParaRPr>
+          </a:p>
+          <a:p>
+            <a:pPr algn="l"/>
+            <a:r>
+              <a:rPr lang="zh-CN" altLang="en-US" sz="1200">
+                <a:solidFill>
+                  <a:schemeClr val="tx1"/>
+                </a:solidFill>
+              </a:rPr>
+              <a:t>        </a:t>
+            </a:r>
+            <a:r>
+              <a:rPr lang="zh-CN" altLang="en-US" sz="1200" b="1">
+                <a:solidFill>
+                  <a:srgbClr val="FF0000"/>
+                </a:solidFill>
+              </a:rPr>
+              <a:t>}</a:t>
+            </a:r>
+            <a:endParaRPr lang="zh-CN" altLang="en-US" sz="1200" b="1">
+              <a:solidFill>
+                <a:srgbClr val="FF0000"/>
+              </a:solidFill>
+            </a:endParaRPr>
+          </a:p>
+          <a:p>
+            <a:pPr algn="l"/>
+            <a:r>
+              <a:rPr lang="zh-CN" altLang="en-US" sz="1200">
+                <a:solidFill>
+                  <a:schemeClr val="tx1"/>
+                </a:solidFill>
+              </a:rPr>
+              <a:t>    }</a:t>
+            </a:r>
+            <a:endParaRPr lang="zh-CN" altLang="en-US" sz="1200">
+              <a:solidFill>
+                <a:schemeClr val="tx1"/>
+              </a:solidFill>
+            </a:endParaRPr>
+          </a:p>
+          <a:p>
+            <a:pPr algn="l"/>
+            <a:r>
+              <a:rPr lang="zh-CN" altLang="en-US" sz="1200">
+                <a:solidFill>
+                  <a:schemeClr val="tx1"/>
+                </a:solidFill>
+              </a:rPr>
+              <a:t>    </a:t>
+            </a:r>
+            <a:endParaRPr lang="zh-CN" altLang="en-US" sz="1200">
+              <a:solidFill>
+                <a:schemeClr val="tx1"/>
+              </a:solidFill>
+            </a:endParaRPr>
+          </a:p>
+        </p:txBody>
+      </p:sp>
+      <p:sp>
+        <p:nvSpPr>
+          <p:cNvPr id="5" name="矩形 4"/>
+          <p:cNvSpPr/>
+          <p:nvPr/>
+        </p:nvSpPr>
+        <p:spPr>
+          <a:xfrm>
+            <a:off x="2830830" y="5477510"/>
+            <a:ext cx="2895600" cy="456565"/>
+          </a:xfrm>
+          <a:prstGeom prst="rect">
+            <a:avLst/>
+          </a:prstGeom>
+          <a:solidFill>
+            <a:srgbClr val="F59909"/>
+          </a:solidFill>
+          <a:ln>
+            <a:solidFill>
+              <a:schemeClr val="bg1"/>
+            </a:solidFill>
+          </a:ln>
+        </p:spPr>
+        <p:style>
+          <a:lnRef idx="2">
+            <a:schemeClr val="accent1">
+              <a:shade val="50000"/>
+            </a:schemeClr>
+          </a:lnRef>
+          <a:fillRef idx="1">
+            <a:schemeClr val="accent1"/>
+          </a:fillRef>
+          <a:effectRef idx="0">
+            <a:schemeClr val="accent1"/>
+          </a:effectRef>
+          <a:fontRef idx="minor">
+            <a:schemeClr val="lt1"/>
+          </a:fontRef>
+        </p:style>
+        <p:txBody>
+          <a:bodyPr rtlCol="0" anchor="ctr"/>
+          <a:p>
+            <a:pPr algn="ctr"/>
+            <a:r>
+              <a:rPr lang="zh-CN" altLang="en-US"/>
+              <a:t>try catch </a:t>
+            </a:r>
+            <a:r>
+              <a:rPr lang="en-US" altLang="zh-CN"/>
+              <a:t>finally</a:t>
+            </a:r>
+            <a:r>
+              <a:rPr lang="zh-CN" altLang="en-US"/>
+              <a:t> 捕获异常</a:t>
+            </a:r>
+            <a:endParaRPr lang="zh-CN" altLang="en-US"/>
+          </a:p>
+        </p:txBody>
+      </p:sp>
+      <p:sp>
+        <p:nvSpPr>
+          <p:cNvPr id="6" name="矩形 5"/>
+          <p:cNvSpPr/>
+          <p:nvPr/>
+        </p:nvSpPr>
+        <p:spPr>
+          <a:xfrm>
+            <a:off x="6095365" y="781685"/>
+            <a:ext cx="5745480" cy="5294630"/>
+          </a:xfrm>
+          <a:prstGeom prst="rect">
+            <a:avLst/>
+          </a:prstGeom>
+          <a:solidFill>
+            <a:schemeClr val="bg1"/>
+          </a:solidFill>
+          <a:ln w="28575">
+            <a:solidFill>
+              <a:srgbClr val="F59909"/>
+            </a:solidFill>
+          </a:ln>
+        </p:spPr>
+        <p:style>
+          <a:lnRef idx="2">
+            <a:schemeClr val="accent1">
+              <a:shade val="50000"/>
+            </a:schemeClr>
+          </a:lnRef>
+          <a:fillRef idx="1">
+            <a:schemeClr val="accent1"/>
+          </a:fillRef>
+          <a:effectRef idx="0">
+            <a:schemeClr val="accent1"/>
+          </a:effectRef>
+          <a:fontRef idx="minor">
+            <a:schemeClr val="lt1"/>
+          </a:fontRef>
+        </p:style>
+        <p:txBody>
+          <a:bodyPr rtlCol="0" anchor="ctr"/>
+          <a:p>
+            <a:pPr algn="l"/>
+            <a:r>
+              <a:rPr lang="zh-CN" altLang="en-US" sz="1200">
+                <a:solidFill>
+                  <a:schemeClr val="tx1"/>
+                </a:solidFill>
+              </a:rPr>
+              <a:t>    /**</a:t>
+            </a:r>
+            <a:endParaRPr lang="zh-CN" altLang="en-US" sz="1200">
+              <a:solidFill>
+                <a:schemeClr val="tx1"/>
+              </a:solidFill>
+            </a:endParaRPr>
+          </a:p>
+          <a:p>
+            <a:pPr algn="l"/>
+            <a:r>
+              <a:rPr lang="zh-CN" altLang="en-US" sz="1200">
+                <a:solidFill>
+                  <a:schemeClr val="tx1"/>
+                </a:solidFill>
+              </a:rPr>
+              <a:t>     * try finally 使用场景</a:t>
+            </a:r>
+            <a:endParaRPr lang="zh-CN" altLang="en-US" sz="1200">
+              <a:solidFill>
+                <a:schemeClr val="tx1"/>
+              </a:solidFill>
+            </a:endParaRPr>
+          </a:p>
+          <a:p>
+            <a:pPr algn="l"/>
+            <a:r>
+              <a:rPr lang="zh-CN" altLang="en-US" sz="1200">
+                <a:solidFill>
+                  <a:schemeClr val="tx1"/>
+                </a:solidFill>
+              </a:rPr>
+              <a:t>     */</a:t>
+            </a:r>
+            <a:endParaRPr lang="zh-CN" altLang="en-US" sz="1200">
+              <a:solidFill>
+                <a:schemeClr val="tx1"/>
+              </a:solidFill>
+            </a:endParaRPr>
+          </a:p>
+          <a:p>
+            <a:pPr algn="l"/>
+            <a:r>
+              <a:rPr lang="zh-CN" altLang="en-US" sz="1200">
+                <a:solidFill>
+                  <a:schemeClr val="tx1"/>
+                </a:solidFill>
+              </a:rPr>
+              <a:t>    @Test</a:t>
+            </a:r>
+            <a:endParaRPr lang="zh-CN" altLang="en-US" sz="1200">
+              <a:solidFill>
+                <a:schemeClr val="tx1"/>
+              </a:solidFill>
+            </a:endParaRPr>
+          </a:p>
+          <a:p>
+            <a:pPr algn="l"/>
+            <a:r>
+              <a:rPr lang="zh-CN" altLang="en-US" sz="1200">
+                <a:solidFill>
+                  <a:schemeClr val="tx1"/>
+                </a:solidFill>
+              </a:rPr>
+              <a:t>    public void testTryFinally () {</a:t>
+            </a:r>
+            <a:endParaRPr lang="zh-CN" altLang="en-US" sz="1200">
+              <a:solidFill>
+                <a:schemeClr val="tx1"/>
+              </a:solidFill>
+            </a:endParaRPr>
+          </a:p>
+          <a:p>
+            <a:pPr algn="l"/>
+            <a:r>
+              <a:rPr lang="zh-CN" altLang="en-US" sz="1200">
+                <a:solidFill>
+                  <a:schemeClr val="tx1"/>
+                </a:solidFill>
+              </a:rPr>
+              <a:t>        ThreadLocal&lt;Integer&gt; threadLocal = new ThreadLocal&lt;&gt;();</a:t>
+            </a:r>
+            <a:endParaRPr lang="zh-CN" altLang="en-US" sz="1200">
+              <a:solidFill>
+                <a:schemeClr val="tx1"/>
+              </a:solidFill>
+            </a:endParaRPr>
+          </a:p>
+          <a:p>
+            <a:pPr algn="l"/>
+            <a:endParaRPr lang="zh-CN" altLang="en-US" sz="1200">
+              <a:solidFill>
+                <a:schemeClr val="tx1"/>
+              </a:solidFill>
+            </a:endParaRPr>
+          </a:p>
+          <a:p>
+            <a:pPr algn="l"/>
+            <a:r>
+              <a:rPr lang="zh-CN" altLang="en-US" sz="1200">
+                <a:solidFill>
+                  <a:schemeClr val="tx1"/>
+                </a:solidFill>
+              </a:rPr>
+              <a:t>        Thread thread = new Thread(new Runnable() {</a:t>
+            </a:r>
+            <a:endParaRPr lang="zh-CN" altLang="en-US" sz="1200">
+              <a:solidFill>
+                <a:schemeClr val="tx1"/>
+              </a:solidFill>
+            </a:endParaRPr>
+          </a:p>
+          <a:p>
+            <a:pPr algn="l"/>
+            <a:r>
+              <a:rPr lang="zh-CN" altLang="en-US" sz="1200">
+                <a:solidFill>
+                  <a:schemeClr val="tx1"/>
+                </a:solidFill>
+              </a:rPr>
+              <a:t>            @Override</a:t>
+            </a:r>
+            <a:endParaRPr lang="zh-CN" altLang="en-US" sz="1200">
+              <a:solidFill>
+                <a:schemeClr val="tx1"/>
+              </a:solidFill>
+            </a:endParaRPr>
+          </a:p>
+          <a:p>
+            <a:pPr algn="l"/>
+            <a:r>
+              <a:rPr lang="zh-CN" altLang="en-US" sz="1200">
+                <a:solidFill>
+                  <a:schemeClr val="tx1"/>
+                </a:solidFill>
+              </a:rPr>
+              <a:t>            public void run() {</a:t>
+            </a:r>
+            <a:endParaRPr lang="zh-CN" altLang="en-US" sz="1200">
+              <a:solidFill>
+                <a:schemeClr val="tx1"/>
+              </a:solidFill>
+            </a:endParaRPr>
+          </a:p>
+          <a:p>
+            <a:pPr algn="l"/>
+            <a:r>
+              <a:rPr lang="zh-CN" altLang="en-US" sz="1200">
+                <a:solidFill>
+                  <a:schemeClr val="tx1"/>
+                </a:solidFill>
+              </a:rPr>
+              <a:t>                </a:t>
+            </a:r>
+            <a:r>
+              <a:rPr lang="zh-CN" altLang="en-US" sz="1200" b="1">
+                <a:solidFill>
+                  <a:srgbClr val="FF0000"/>
+                </a:solidFill>
+              </a:rPr>
+              <a:t>try {</a:t>
+            </a:r>
+            <a:endParaRPr lang="zh-CN" altLang="en-US" sz="1200" b="1">
+              <a:solidFill>
+                <a:srgbClr val="FF0000"/>
+              </a:solidFill>
+            </a:endParaRPr>
+          </a:p>
+          <a:p>
+            <a:pPr algn="l"/>
+            <a:r>
+              <a:rPr lang="zh-CN" altLang="en-US" sz="1200">
+                <a:solidFill>
+                  <a:schemeClr val="tx1"/>
+                </a:solidFill>
+              </a:rPr>
+              <a:t>                    putData(threadLocal);</a:t>
+            </a:r>
+            <a:endParaRPr lang="zh-CN" altLang="en-US" sz="1200">
+              <a:solidFill>
+                <a:schemeClr val="tx1"/>
+              </a:solidFill>
+            </a:endParaRPr>
+          </a:p>
+          <a:p>
+            <a:pPr algn="l"/>
+            <a:r>
+              <a:rPr lang="zh-CN" altLang="en-US" sz="1200">
+                <a:solidFill>
+                  <a:schemeClr val="tx1"/>
+                </a:solidFill>
+              </a:rPr>
+              <a:t>          </a:t>
+            </a:r>
+            <a:r>
+              <a:rPr lang="zh-CN" altLang="en-US" sz="1200" b="1">
+                <a:solidFill>
+                  <a:srgbClr val="FF0000"/>
+                </a:solidFill>
+              </a:rPr>
+              <a:t>      } finally {</a:t>
+            </a:r>
+            <a:endParaRPr lang="zh-CN" altLang="en-US" sz="1200" b="1">
+              <a:solidFill>
+                <a:srgbClr val="FF0000"/>
+              </a:solidFill>
+            </a:endParaRPr>
+          </a:p>
+          <a:p>
+            <a:pPr algn="l"/>
+            <a:r>
+              <a:rPr lang="zh-CN" altLang="en-US" sz="1200">
+                <a:solidFill>
+                  <a:schemeClr val="tx1"/>
+                </a:solidFill>
+              </a:rPr>
+              <a:t>                    System.out.println("执行了 finally 语句, threadLocal 里面的线程变量值为：" + threadLocal.get());</a:t>
+            </a:r>
+            <a:endParaRPr lang="zh-CN" altLang="en-US" sz="1200">
+              <a:solidFill>
+                <a:schemeClr val="tx1"/>
+              </a:solidFill>
+            </a:endParaRPr>
+          </a:p>
+          <a:p>
+            <a:pPr algn="l"/>
+            <a:r>
+              <a:rPr lang="zh-CN" altLang="en-US" sz="1200">
+                <a:solidFill>
+                  <a:schemeClr val="tx1"/>
+                </a:solidFill>
+              </a:rPr>
+              <a:t>                    // 需要在 finally 里面主动释放线程变量，不释放可能会造成内存泄漏</a:t>
+            </a:r>
+            <a:endParaRPr lang="zh-CN" altLang="en-US" sz="1200">
+              <a:solidFill>
+                <a:schemeClr val="tx1"/>
+              </a:solidFill>
+            </a:endParaRPr>
+          </a:p>
+          <a:p>
+            <a:pPr algn="l"/>
+            <a:r>
+              <a:rPr lang="zh-CN" altLang="en-US" sz="1200">
+                <a:solidFill>
+                  <a:schemeClr val="tx1"/>
+                </a:solidFill>
+              </a:rPr>
+              <a:t>                   </a:t>
+            </a:r>
+            <a:r>
+              <a:rPr lang="zh-CN" altLang="en-US" sz="1200" b="1">
+                <a:solidFill>
+                  <a:srgbClr val="FF0000"/>
+                </a:solidFill>
+              </a:rPr>
+              <a:t> threadLocal.remove();</a:t>
+            </a:r>
+            <a:endParaRPr lang="zh-CN" altLang="en-US" sz="1200" b="1">
+              <a:solidFill>
+                <a:srgbClr val="FF0000"/>
+              </a:solidFill>
+            </a:endParaRPr>
+          </a:p>
+          <a:p>
+            <a:pPr algn="l"/>
+            <a:r>
+              <a:rPr lang="zh-CN" altLang="en-US" sz="1200">
+                <a:solidFill>
+                  <a:schemeClr val="tx1"/>
+                </a:solidFill>
+              </a:rPr>
+              <a:t>               </a:t>
+            </a:r>
+            <a:r>
+              <a:rPr lang="zh-CN" altLang="en-US" sz="1200" b="1">
+                <a:solidFill>
+                  <a:srgbClr val="FF0000"/>
+                </a:solidFill>
+              </a:rPr>
+              <a:t> }</a:t>
+            </a:r>
+            <a:endParaRPr lang="zh-CN" altLang="en-US" sz="1200" b="1">
+              <a:solidFill>
+                <a:srgbClr val="FF0000"/>
+              </a:solidFill>
+            </a:endParaRPr>
+          </a:p>
+          <a:p>
+            <a:pPr algn="l"/>
+            <a:r>
+              <a:rPr lang="zh-CN" altLang="en-US" sz="1200">
+                <a:solidFill>
+                  <a:schemeClr val="tx1"/>
+                </a:solidFill>
+              </a:rPr>
+              <a:t>            }</a:t>
+            </a:r>
+            <a:endParaRPr lang="zh-CN" altLang="en-US" sz="1200">
+              <a:solidFill>
+                <a:schemeClr val="tx1"/>
+              </a:solidFill>
+            </a:endParaRPr>
+          </a:p>
+          <a:p>
+            <a:pPr algn="l"/>
+            <a:r>
+              <a:rPr lang="zh-CN" altLang="en-US" sz="1200">
+                <a:solidFill>
+                  <a:schemeClr val="tx1"/>
+                </a:solidFill>
+              </a:rPr>
+              <a:t>        });</a:t>
+            </a:r>
+            <a:endParaRPr lang="zh-CN" altLang="en-US" sz="1200">
+              <a:solidFill>
+                <a:schemeClr val="tx1"/>
+              </a:solidFill>
+            </a:endParaRPr>
+          </a:p>
+          <a:p>
+            <a:pPr algn="l"/>
+            <a:r>
+              <a:rPr lang="zh-CN" altLang="en-US" sz="1200">
+                <a:solidFill>
+                  <a:schemeClr val="tx1"/>
+                </a:solidFill>
+              </a:rPr>
+              <a:t>        thread.start();</a:t>
+            </a:r>
+            <a:endParaRPr lang="zh-CN" altLang="en-US" sz="1200">
+              <a:solidFill>
+                <a:schemeClr val="tx1"/>
+              </a:solidFill>
+            </a:endParaRPr>
+          </a:p>
+          <a:p>
+            <a:pPr algn="l"/>
+            <a:r>
+              <a:rPr lang="zh-CN" altLang="en-US" sz="1200">
+                <a:solidFill>
+                  <a:schemeClr val="tx1"/>
+                </a:solidFill>
+              </a:rPr>
+              <a:t>    }</a:t>
+            </a:r>
+            <a:endParaRPr lang="zh-CN" altLang="en-US" sz="1200">
+              <a:solidFill>
+                <a:schemeClr val="tx1"/>
+              </a:solidFill>
+            </a:endParaRPr>
+          </a:p>
+          <a:p>
+            <a:pPr algn="l"/>
+            <a:endParaRPr lang="zh-CN" altLang="en-US" sz="1200">
+              <a:solidFill>
+                <a:schemeClr val="tx1"/>
+              </a:solidFill>
+            </a:endParaRPr>
+          </a:p>
+          <a:p>
+            <a:pPr algn="l"/>
+            <a:r>
+              <a:rPr lang="zh-CN" altLang="en-US" sz="1200">
+                <a:solidFill>
+                  <a:schemeClr val="tx1"/>
+                </a:solidFill>
+              </a:rPr>
+              <a:t>    public static void putData (ThreadLocal&lt;Integer&gt; threadLocal) {</a:t>
+            </a:r>
+            <a:endParaRPr lang="zh-CN" altLang="en-US" sz="1200">
+              <a:solidFill>
+                <a:schemeClr val="tx1"/>
+              </a:solidFill>
+            </a:endParaRPr>
+          </a:p>
+          <a:p>
+            <a:pPr algn="l"/>
+            <a:r>
+              <a:rPr lang="zh-CN" altLang="en-US" sz="1200">
+                <a:solidFill>
+                  <a:schemeClr val="tx1"/>
+                </a:solidFill>
+              </a:rPr>
+              <a:t>        threadLocal.set(10);</a:t>
+            </a:r>
+            <a:endParaRPr lang="zh-CN" altLang="en-US" sz="1200">
+              <a:solidFill>
+                <a:schemeClr val="tx1"/>
+              </a:solidFill>
+            </a:endParaRPr>
+          </a:p>
+          <a:p>
+            <a:pPr algn="l"/>
+            <a:r>
+              <a:rPr lang="zh-CN" altLang="en-US" sz="1200">
+                <a:solidFill>
+                  <a:schemeClr val="tx1"/>
+                </a:solidFill>
+              </a:rPr>
+              <a:t>        // 此处会抛出运行时异常</a:t>
+            </a:r>
+            <a:endParaRPr lang="zh-CN" altLang="en-US" sz="1200">
+              <a:solidFill>
+                <a:schemeClr val="tx1"/>
+              </a:solidFill>
+            </a:endParaRPr>
+          </a:p>
+          <a:p>
+            <a:pPr algn="l"/>
+            <a:r>
+              <a:rPr lang="zh-CN" altLang="en-US" sz="1200">
+                <a:solidFill>
+                  <a:schemeClr val="tx1"/>
+                </a:solidFill>
+              </a:rPr>
+              <a:t>        threadLocal.set(10 / 0);</a:t>
+            </a:r>
+            <a:endParaRPr lang="zh-CN" altLang="en-US" sz="1200">
+              <a:solidFill>
+                <a:schemeClr val="tx1"/>
+              </a:solidFill>
+            </a:endParaRPr>
+          </a:p>
+          <a:p>
+            <a:pPr algn="l"/>
+            <a:r>
+              <a:rPr lang="zh-CN" altLang="en-US" sz="1200">
+                <a:solidFill>
+                  <a:schemeClr val="tx1"/>
+                </a:solidFill>
+              </a:rPr>
+              <a:t>    }</a:t>
+            </a:r>
+            <a:endParaRPr lang="zh-CN" altLang="en-US" sz="1200">
+              <a:solidFill>
+                <a:schemeClr val="tx1"/>
+              </a:solidFill>
+            </a:endParaRPr>
+          </a:p>
+        </p:txBody>
+      </p:sp>
+      <p:sp>
+        <p:nvSpPr>
+          <p:cNvPr id="7" name="矩形 6"/>
+          <p:cNvSpPr/>
+          <p:nvPr/>
+        </p:nvSpPr>
+        <p:spPr>
+          <a:xfrm>
+            <a:off x="9170035" y="5878830"/>
+            <a:ext cx="2431415" cy="456565"/>
+          </a:xfrm>
+          <a:prstGeom prst="rect">
+            <a:avLst/>
+          </a:prstGeom>
+          <a:solidFill>
+            <a:srgbClr val="F59909"/>
+          </a:solidFill>
+          <a:ln>
+            <a:solidFill>
+              <a:schemeClr val="bg1"/>
+            </a:solidFill>
+          </a:ln>
+        </p:spPr>
+        <p:style>
+          <a:lnRef idx="2">
+            <a:schemeClr val="accent1">
+              <a:shade val="50000"/>
+            </a:schemeClr>
+          </a:lnRef>
+          <a:fillRef idx="1">
+            <a:schemeClr val="accent1"/>
+          </a:fillRef>
+          <a:effectRef idx="0">
+            <a:schemeClr val="accent1"/>
+          </a:effectRef>
+          <a:fontRef idx="minor">
+            <a:schemeClr val="lt1"/>
+          </a:fontRef>
+        </p:style>
+        <p:txBody>
+          <a:bodyPr rtlCol="0" anchor="ctr"/>
+          <a:p>
+            <a:pPr algn="ctr"/>
+            <a:r>
+              <a:rPr lang="zh-CN" altLang="en-US"/>
+              <a:t>try </a:t>
+            </a:r>
+            <a:r>
+              <a:rPr lang="en-US" altLang="zh-CN"/>
+              <a:t>finally </a:t>
+            </a:r>
+            <a:r>
+              <a:rPr lang="zh-CN" altLang="en-US"/>
+              <a:t>必定执行</a:t>
+            </a:r>
+            <a:r>
+              <a:rPr lang="en-US" altLang="zh-CN"/>
+              <a:t>  </a:t>
+            </a:r>
+            <a:endParaRPr lang="zh-CN" altLang="en-US"/>
+          </a:p>
+        </p:txBody>
+      </p:sp>
+    </p:spTree>
+    <p:custDataLst>
+      <p:tags r:id="rId2"/>
+    </p:custDataLst>
+  </p:cSld>
+  <p:clrMapOvr>
+    <a:masterClrMapping/>
+  </p:clrMapOvr>
+</p:sld>
+</file>
+
+<file path=ppt/slides/slide24.xml><?xml version="1.0" encoding="utf-8"?>
+<p:sld xmlns:a="http://schemas.openxmlformats.org/drawingml/2006/main" xmlns:r="http://schemas.openxmlformats.org/officeDocument/2006/relationships" xmlns:p="http://schemas.openxmlformats.org/presentationml/2006/main">
+  <p:cSld>
+    <p:bg>
+      <p:bgPr>
+        <a:blipFill rotWithShape="1">
+          <a:blip r:embed="rId1"/>
+          <a:stretch>
+            <a:fillRect/>
+          </a:stretch>
+        </a:blipFill>
+        <a:effectLst/>
+      </p:bgPr>
+    </p:bg>
+    <p:spTree>
+      <p:nvGrpSpPr>
+        <p:cNvPr id="1" name=""/>
+        <p:cNvGrpSpPr/>
+        <p:nvPr/>
+      </p:nvGrpSpPr>
+      <p:grpSpPr/>
+      <p:sp>
+        <p:nvSpPr>
+          <p:cNvPr id="4" name="矩形 3"/>
+          <p:cNvSpPr/>
+          <p:nvPr/>
+        </p:nvSpPr>
+        <p:spPr>
+          <a:xfrm>
+            <a:off x="6122670" y="844550"/>
+            <a:ext cx="5745480" cy="3174365"/>
+          </a:xfrm>
+          <a:prstGeom prst="rect">
+            <a:avLst/>
+          </a:prstGeom>
+          <a:solidFill>
+            <a:schemeClr val="bg1"/>
+          </a:solidFill>
+          <a:ln w="28575">
+            <a:solidFill>
+              <a:srgbClr val="F59909"/>
+            </a:solidFill>
+          </a:ln>
+        </p:spPr>
+        <p:style>
+          <a:lnRef idx="2">
+            <a:schemeClr val="accent1">
+              <a:shade val="50000"/>
+            </a:schemeClr>
+          </a:lnRef>
+          <a:fillRef idx="1">
+            <a:schemeClr val="accent1"/>
+          </a:fillRef>
+          <a:effectRef idx="0">
+            <a:schemeClr val="accent1"/>
+          </a:effectRef>
+          <a:fontRef idx="minor">
+            <a:schemeClr val="lt1"/>
+          </a:fontRef>
+        </p:style>
+        <p:txBody>
+          <a:bodyPr rtlCol="0" anchor="ctr"/>
+          <a:p>
+            <a:pPr algn="l"/>
+            <a:r>
+              <a:rPr lang="zh-CN" altLang="en-US" sz="1200">
+                <a:solidFill>
+                  <a:schemeClr val="tx1"/>
+                </a:solidFill>
+              </a:rPr>
+              <a:t>    /**</a:t>
+            </a:r>
+            <a:endParaRPr lang="zh-CN" altLang="en-US" sz="1200">
+              <a:solidFill>
+                <a:schemeClr val="tx1"/>
+              </a:solidFill>
+            </a:endParaRPr>
+          </a:p>
+          <a:p>
+            <a:pPr algn="l"/>
+            <a:r>
+              <a:rPr lang="zh-CN" altLang="en-US" sz="1200">
+                <a:solidFill>
+                  <a:schemeClr val="tx1"/>
+                </a:solidFill>
+              </a:rPr>
+              <a:t>     * 同时抛出多个异常</a:t>
+            </a:r>
+            <a:endParaRPr lang="zh-CN" altLang="en-US" sz="1200">
+              <a:solidFill>
+                <a:schemeClr val="tx1"/>
+              </a:solidFill>
+            </a:endParaRPr>
+          </a:p>
+          <a:p>
+            <a:pPr algn="l"/>
+            <a:r>
+              <a:rPr lang="zh-CN" altLang="en-US" sz="1200">
+                <a:solidFill>
+                  <a:schemeClr val="tx1"/>
+                </a:solidFill>
+              </a:rPr>
+              <a:t>     * @throws UnknownHostException</a:t>
+            </a:r>
+            <a:endParaRPr lang="zh-CN" altLang="en-US" sz="1200">
+              <a:solidFill>
+                <a:schemeClr val="tx1"/>
+              </a:solidFill>
+            </a:endParaRPr>
+          </a:p>
+          <a:p>
+            <a:pPr algn="l"/>
+            <a:r>
+              <a:rPr lang="zh-CN" altLang="en-US" sz="1200">
+                <a:solidFill>
+                  <a:schemeClr val="tx1"/>
+                </a:solidFill>
+              </a:rPr>
+              <a:t>     * @throws ParseException</a:t>
+            </a:r>
+            <a:endParaRPr lang="zh-CN" altLang="en-US" sz="1200">
+              <a:solidFill>
+                <a:schemeClr val="tx1"/>
+              </a:solidFill>
+            </a:endParaRPr>
+          </a:p>
+          <a:p>
+            <a:pPr algn="l"/>
+            <a:r>
+              <a:rPr lang="zh-CN" altLang="en-US" sz="1200">
+                <a:solidFill>
+                  <a:schemeClr val="tx1"/>
+                </a:solidFill>
+              </a:rPr>
+              <a:t>     */</a:t>
+            </a:r>
+            <a:endParaRPr lang="zh-CN" altLang="en-US" sz="1200">
+              <a:solidFill>
+                <a:schemeClr val="tx1"/>
+              </a:solidFill>
+            </a:endParaRPr>
+          </a:p>
+          <a:p>
+            <a:pPr algn="l"/>
+            <a:r>
+              <a:rPr lang="zh-CN" altLang="en-US" sz="1200">
+                <a:solidFill>
+                  <a:schemeClr val="tx1"/>
+                </a:solidFill>
+              </a:rPr>
+              <a:t>    @Test</a:t>
+            </a:r>
+            <a:endParaRPr lang="zh-CN" altLang="en-US" sz="1200">
+              <a:solidFill>
+                <a:schemeClr val="tx1"/>
+              </a:solidFill>
+            </a:endParaRPr>
+          </a:p>
+          <a:p>
+            <a:pPr algn="l"/>
+            <a:r>
+              <a:rPr lang="zh-CN" altLang="en-US" sz="1200">
+                <a:solidFill>
+                  <a:schemeClr val="tx1"/>
+                </a:solidFill>
+              </a:rPr>
+              <a:t>    public void testThrows () throws UnknownHostException, ParseException {</a:t>
+            </a:r>
+            <a:endParaRPr lang="zh-CN" altLang="en-US" sz="1200">
+              <a:solidFill>
+                <a:schemeClr val="tx1"/>
+              </a:solidFill>
+            </a:endParaRPr>
+          </a:p>
+          <a:p>
+            <a:pPr algn="l"/>
+            <a:r>
+              <a:rPr lang="zh-CN" altLang="en-US" sz="1200">
+                <a:solidFill>
+                  <a:schemeClr val="tx1"/>
+                </a:solidFill>
+              </a:rPr>
+              <a:t>        System.out.println(getLocalIp());</a:t>
+            </a:r>
+            <a:endParaRPr lang="zh-CN" altLang="en-US" sz="1200">
+              <a:solidFill>
+                <a:schemeClr val="tx1"/>
+              </a:solidFill>
+            </a:endParaRPr>
+          </a:p>
+          <a:p>
+            <a:pPr algn="l"/>
+            <a:r>
+              <a:rPr lang="zh-CN" altLang="en-US" sz="1200">
+                <a:solidFill>
+                  <a:schemeClr val="tx1"/>
+                </a:solidFill>
+              </a:rPr>
+              <a:t>        </a:t>
+            </a:r>
+            <a:endParaRPr lang="zh-CN" altLang="en-US" sz="1200">
+              <a:solidFill>
+                <a:schemeClr val="tx1"/>
+              </a:solidFill>
+            </a:endParaRPr>
+          </a:p>
+          <a:p>
+            <a:pPr algn="l"/>
+            <a:r>
+              <a:rPr lang="zh-CN" altLang="en-US" sz="1200">
+                <a:solidFill>
+                  <a:schemeClr val="tx1"/>
+                </a:solidFill>
+              </a:rPr>
+              <a:t>        Date date = new Date();</a:t>
+            </a:r>
+            <a:endParaRPr lang="zh-CN" altLang="en-US" sz="1200">
+              <a:solidFill>
+                <a:schemeClr val="tx1"/>
+              </a:solidFill>
+            </a:endParaRPr>
+          </a:p>
+          <a:p>
+            <a:pPr algn="l"/>
+            <a:r>
+              <a:rPr lang="zh-CN" altLang="en-US" sz="1200">
+                <a:solidFill>
+                  <a:schemeClr val="tx1"/>
+                </a:solidFill>
+              </a:rPr>
+              <a:t>        DateFormat dateFormat = new SimpleDateFormat("yyyy-MM-dd HH:mm:ss");</a:t>
+            </a:r>
+            <a:endParaRPr lang="zh-CN" altLang="en-US" sz="1200">
+              <a:solidFill>
+                <a:schemeClr val="tx1"/>
+              </a:solidFill>
+            </a:endParaRPr>
+          </a:p>
+          <a:p>
+            <a:pPr algn="l"/>
+            <a:r>
+              <a:rPr lang="zh-CN" altLang="en-US" sz="1200">
+                <a:solidFill>
+                  <a:schemeClr val="tx1"/>
+                </a:solidFill>
+              </a:rPr>
+              <a:t>        </a:t>
+            </a:r>
+            <a:endParaRPr lang="zh-CN" altLang="en-US" sz="1200">
+              <a:solidFill>
+                <a:schemeClr val="tx1"/>
+              </a:solidFill>
+            </a:endParaRPr>
+          </a:p>
+          <a:p>
+            <a:pPr algn="l"/>
+            <a:r>
+              <a:rPr lang="zh-CN" altLang="en-US" sz="1200">
+                <a:solidFill>
+                  <a:schemeClr val="tx1"/>
+                </a:solidFill>
+              </a:rPr>
+              <a:t>        System.out.println(dateFormat.format(date));</a:t>
+            </a:r>
+            <a:endParaRPr lang="zh-CN" altLang="en-US" sz="1200">
+              <a:solidFill>
+                <a:schemeClr val="tx1"/>
+              </a:solidFill>
+            </a:endParaRPr>
+          </a:p>
+          <a:p>
+            <a:pPr algn="l"/>
+            <a:r>
+              <a:rPr lang="zh-CN" altLang="en-US" sz="1200">
+                <a:solidFill>
+                  <a:schemeClr val="tx1"/>
+                </a:solidFill>
+              </a:rPr>
+              <a:t>        </a:t>
+            </a:r>
+            <a:endParaRPr lang="zh-CN" altLang="en-US" sz="1200">
+              <a:solidFill>
+                <a:schemeClr val="tx1"/>
+              </a:solidFill>
+            </a:endParaRPr>
+          </a:p>
+          <a:p>
+            <a:pPr algn="l"/>
+            <a:r>
+              <a:rPr lang="zh-CN" altLang="en-US" sz="1200">
+                <a:solidFill>
+                  <a:schemeClr val="tx1"/>
+                </a:solidFill>
+              </a:rPr>
+              <a:t>        System.out.println(dateFormat.parse("2020-09-10 15:25:57AAA"));</a:t>
+            </a:r>
+            <a:endParaRPr lang="zh-CN" altLang="en-US" sz="1200">
+              <a:solidFill>
+                <a:schemeClr val="tx1"/>
+              </a:solidFill>
+            </a:endParaRPr>
+          </a:p>
+          <a:p>
+            <a:pPr algn="l"/>
+            <a:r>
+              <a:rPr lang="zh-CN" altLang="en-US" sz="1200">
+                <a:solidFill>
+                  <a:schemeClr val="tx1"/>
+                </a:solidFill>
+              </a:rPr>
+              <a:t>    }</a:t>
+            </a:r>
+            <a:endParaRPr lang="zh-CN" altLang="en-US" sz="1200">
+              <a:solidFill>
+                <a:schemeClr val="tx1"/>
+              </a:solidFill>
+            </a:endParaRPr>
+          </a:p>
+        </p:txBody>
+      </p:sp>
+      <p:sp>
+        <p:nvSpPr>
           <p:cNvPr id="9" name="矩形 8"/>
           <p:cNvSpPr/>
           <p:nvPr/>
         </p:nvSpPr>
         <p:spPr>
           <a:xfrm>
-            <a:off x="9224645" y="3901440"/>
+            <a:off x="6122670" y="4156710"/>
+            <a:ext cx="2431415" cy="456565"/>
+          </a:xfrm>
+          <a:prstGeom prst="rect">
+            <a:avLst/>
+          </a:prstGeom>
+          <a:solidFill>
+            <a:srgbClr val="F59909"/>
+          </a:solidFill>
+          <a:ln>
+            <a:solidFill>
+              <a:schemeClr val="bg1"/>
+            </a:solidFill>
+          </a:ln>
+        </p:spPr>
+        <p:style>
+          <a:lnRef idx="2">
+            <a:schemeClr val="accent1">
+              <a:shade val="50000"/>
+            </a:schemeClr>
+          </a:lnRef>
+          <a:fillRef idx="1">
+            <a:schemeClr val="accent1"/>
+          </a:fillRef>
+          <a:effectRef idx="0">
+            <a:schemeClr val="accent1"/>
+          </a:effectRef>
+          <a:fontRef idx="minor">
+            <a:schemeClr val="lt1"/>
+          </a:fontRef>
+        </p:style>
+        <p:txBody>
+          <a:bodyPr rtlCol="0" anchor="ctr"/>
+          <a:p>
+            <a:pPr algn="ctr"/>
+            <a:r>
+              <a:rPr lang="zh-CN" altLang="en-US"/>
+              <a:t>抛出多个异常</a:t>
+            </a:r>
+            <a:endParaRPr lang="zh-CN" altLang="en-US"/>
+          </a:p>
+        </p:txBody>
+      </p:sp>
+      <p:sp>
+        <p:nvSpPr>
+          <p:cNvPr id="2" name="矩形 1"/>
+          <p:cNvSpPr/>
+          <p:nvPr/>
+        </p:nvSpPr>
+        <p:spPr>
+          <a:xfrm>
+            <a:off x="230505" y="844550"/>
+            <a:ext cx="5745480" cy="4021455"/>
+          </a:xfrm>
+          <a:prstGeom prst="rect">
+            <a:avLst/>
+          </a:prstGeom>
+          <a:solidFill>
+            <a:schemeClr val="bg1"/>
+          </a:solidFill>
+          <a:ln w="28575">
+            <a:solidFill>
+              <a:srgbClr val="F59909"/>
+            </a:solidFill>
+          </a:ln>
+        </p:spPr>
+        <p:style>
+          <a:lnRef idx="2">
+            <a:schemeClr val="accent1">
+              <a:shade val="50000"/>
+            </a:schemeClr>
+          </a:lnRef>
+          <a:fillRef idx="1">
+            <a:schemeClr val="accent1"/>
+          </a:fillRef>
+          <a:effectRef idx="0">
+            <a:schemeClr val="accent1"/>
+          </a:effectRef>
+          <a:fontRef idx="minor">
+            <a:schemeClr val="lt1"/>
+          </a:fontRef>
+        </p:style>
+        <p:txBody>
+          <a:bodyPr rtlCol="0" anchor="ctr"/>
+          <a:p>
+            <a:pPr algn="l"/>
+            <a:r>
+              <a:rPr lang="zh-CN" altLang="en-US" sz="1200">
+                <a:solidFill>
+                  <a:schemeClr val="tx1"/>
+                </a:solidFill>
+              </a:rPr>
+              <a:t>    /**</a:t>
+            </a:r>
+            <a:endParaRPr lang="zh-CN" altLang="en-US" sz="1200">
+              <a:solidFill>
+                <a:schemeClr val="tx1"/>
+              </a:solidFill>
+            </a:endParaRPr>
+          </a:p>
+          <a:p>
+            <a:pPr algn="l"/>
+            <a:r>
+              <a:rPr lang="zh-CN" altLang="en-US" sz="1200">
+                <a:solidFill>
+                  <a:schemeClr val="tx1"/>
+                </a:solidFill>
+              </a:rPr>
+              <a:t>     * throws 抛出异常</a:t>
+            </a:r>
+            <a:endParaRPr lang="zh-CN" altLang="en-US" sz="1200">
+              <a:solidFill>
+                <a:schemeClr val="tx1"/>
+              </a:solidFill>
+            </a:endParaRPr>
+          </a:p>
+          <a:p>
+            <a:pPr algn="l"/>
+            <a:r>
+              <a:rPr lang="zh-CN" altLang="en-US" sz="1200">
+                <a:solidFill>
+                  <a:schemeClr val="tx1"/>
+                </a:solidFill>
+              </a:rPr>
+              <a:t>     * @throws ParseException </a:t>
+            </a:r>
+            <a:endParaRPr lang="zh-CN" altLang="en-US" sz="1200">
+              <a:solidFill>
+                <a:schemeClr val="tx1"/>
+              </a:solidFill>
+            </a:endParaRPr>
+          </a:p>
+          <a:p>
+            <a:pPr algn="l"/>
+            <a:r>
+              <a:rPr lang="zh-CN" altLang="en-US" sz="1200">
+                <a:solidFill>
+                  <a:schemeClr val="tx1"/>
+                </a:solidFill>
+              </a:rPr>
+              <a:t>     */</a:t>
+            </a:r>
+            <a:endParaRPr lang="zh-CN" altLang="en-US" sz="1200">
+              <a:solidFill>
+                <a:schemeClr val="tx1"/>
+              </a:solidFill>
+            </a:endParaRPr>
+          </a:p>
+          <a:p>
+            <a:pPr algn="l"/>
+            <a:r>
+              <a:rPr lang="zh-CN" altLang="en-US" sz="1200">
+                <a:solidFill>
+                  <a:schemeClr val="tx1"/>
+                </a:solidFill>
+              </a:rPr>
+              <a:t>    @Test</a:t>
+            </a:r>
+            <a:endParaRPr lang="zh-CN" altLang="en-US" sz="1200">
+              <a:solidFill>
+                <a:schemeClr val="tx1"/>
+              </a:solidFill>
+            </a:endParaRPr>
+          </a:p>
+          <a:p>
+            <a:pPr algn="l"/>
+            <a:r>
+              <a:rPr lang="zh-CN" altLang="en-US" sz="1200">
+                <a:solidFill>
+                  <a:schemeClr val="tx1"/>
+                </a:solidFill>
+              </a:rPr>
+              <a:t>    public void testException2 () throws ParseException {</a:t>
+            </a:r>
+            <a:endParaRPr lang="zh-CN" altLang="en-US" sz="1200">
+              <a:solidFill>
+                <a:schemeClr val="tx1"/>
+              </a:solidFill>
+            </a:endParaRPr>
+          </a:p>
+          <a:p>
+            <a:pPr algn="l"/>
+            <a:r>
+              <a:rPr lang="zh-CN" altLang="en-US" sz="1200">
+                <a:solidFill>
+                  <a:schemeClr val="tx1"/>
+                </a:solidFill>
+              </a:rPr>
+              <a:t>        Date date = new Date();</a:t>
+            </a:r>
+            <a:endParaRPr lang="zh-CN" altLang="en-US" sz="1200">
+              <a:solidFill>
+                <a:schemeClr val="tx1"/>
+              </a:solidFill>
+            </a:endParaRPr>
+          </a:p>
+          <a:p>
+            <a:pPr algn="l"/>
+            <a:r>
+              <a:rPr lang="zh-CN" altLang="en-US" sz="1200">
+                <a:solidFill>
+                  <a:schemeClr val="tx1"/>
+                </a:solidFill>
+              </a:rPr>
+              <a:t>        DateFormat dateFormat = new SimpleDateFormat("yyyy-MM-dd HH:mm:ss");</a:t>
+            </a:r>
+            <a:endParaRPr lang="zh-CN" altLang="en-US" sz="1200">
+              <a:solidFill>
+                <a:schemeClr val="tx1"/>
+              </a:solidFill>
+            </a:endParaRPr>
+          </a:p>
+          <a:p>
+            <a:pPr algn="l"/>
+            <a:r>
+              <a:rPr lang="zh-CN" altLang="en-US" sz="1200">
+                <a:solidFill>
+                  <a:schemeClr val="tx1"/>
+                </a:solidFill>
+              </a:rPr>
+              <a:t>        </a:t>
+            </a:r>
+            <a:endParaRPr lang="zh-CN" altLang="en-US" sz="1200">
+              <a:solidFill>
+                <a:schemeClr val="tx1"/>
+              </a:solidFill>
+            </a:endParaRPr>
+          </a:p>
+          <a:p>
+            <a:pPr algn="l"/>
+            <a:r>
+              <a:rPr lang="zh-CN" altLang="en-US" sz="1200">
+                <a:solidFill>
+                  <a:schemeClr val="tx1"/>
+                </a:solidFill>
+              </a:rPr>
+              <a:t>        System.out.println(dateFormat.format(date));</a:t>
+            </a:r>
+            <a:endParaRPr lang="zh-CN" altLang="en-US" sz="1200">
+              <a:solidFill>
+                <a:schemeClr val="tx1"/>
+              </a:solidFill>
+            </a:endParaRPr>
+          </a:p>
+          <a:p>
+            <a:pPr algn="l"/>
+            <a:r>
+              <a:rPr lang="zh-CN" altLang="en-US" sz="1200">
+                <a:solidFill>
+                  <a:schemeClr val="tx1"/>
+                </a:solidFill>
+              </a:rPr>
+              <a:t>        </a:t>
+            </a:r>
+            <a:endParaRPr lang="zh-CN" altLang="en-US" sz="1200">
+              <a:solidFill>
+                <a:schemeClr val="tx1"/>
+              </a:solidFill>
+            </a:endParaRPr>
+          </a:p>
+          <a:p>
+            <a:pPr algn="l"/>
+            <a:r>
+              <a:rPr lang="zh-CN" altLang="en-US" sz="1200">
+                <a:solidFill>
+                  <a:schemeClr val="tx1"/>
+                </a:solidFill>
+              </a:rPr>
+              <a:t>        System.out.println(dateFormat.parse("2020-09-10 15:25:57AAA"));</a:t>
+            </a:r>
+            <a:endParaRPr lang="zh-CN" altLang="en-US" sz="1200">
+              <a:solidFill>
+                <a:schemeClr val="tx1"/>
+              </a:solidFill>
+            </a:endParaRPr>
+          </a:p>
+          <a:p>
+            <a:pPr algn="l"/>
+            <a:r>
+              <a:rPr lang="zh-CN" altLang="en-US" sz="1200">
+                <a:solidFill>
+                  <a:schemeClr val="tx1"/>
+                </a:solidFill>
+              </a:rPr>
+              <a:t>    }</a:t>
+            </a:r>
+            <a:endParaRPr lang="zh-CN" altLang="en-US" sz="1200">
+              <a:solidFill>
+                <a:schemeClr val="tx1"/>
+              </a:solidFill>
+            </a:endParaRPr>
+          </a:p>
+          <a:p>
+            <a:pPr algn="l"/>
+            <a:endParaRPr lang="zh-CN" altLang="en-US" sz="1200">
+              <a:solidFill>
+                <a:schemeClr val="tx1"/>
+              </a:solidFill>
+            </a:endParaRPr>
+          </a:p>
+          <a:p>
+            <a:pPr algn="l"/>
+            <a:r>
+              <a:rPr lang="zh-CN" altLang="en-US" sz="1200">
+                <a:solidFill>
+                  <a:schemeClr val="tx1"/>
+                </a:solidFill>
+                <a:sym typeface="+mn-ea"/>
+              </a:rPr>
+              <a:t>    /**</a:t>
+            </a:r>
+            <a:endParaRPr lang="zh-CN" altLang="en-US" sz="1200">
+              <a:solidFill>
+                <a:schemeClr val="tx1"/>
+              </a:solidFill>
+            </a:endParaRPr>
+          </a:p>
+          <a:p>
+            <a:pPr algn="l"/>
+            <a:r>
+              <a:rPr lang="zh-CN" altLang="en-US" sz="1200">
+                <a:solidFill>
+                  <a:schemeClr val="tx1"/>
+                </a:solidFill>
+                <a:sym typeface="+mn-ea"/>
+              </a:rPr>
+              <a:t>     * 抛出异常</a:t>
+            </a:r>
+            <a:endParaRPr lang="zh-CN" altLang="en-US" sz="1200">
+              <a:solidFill>
+                <a:schemeClr val="tx1"/>
+              </a:solidFill>
+            </a:endParaRPr>
+          </a:p>
+          <a:p>
+            <a:pPr algn="l"/>
+            <a:r>
+              <a:rPr lang="zh-CN" altLang="en-US" sz="1200">
+                <a:solidFill>
+                  <a:schemeClr val="tx1"/>
+                </a:solidFill>
+                <a:sym typeface="+mn-ea"/>
+              </a:rPr>
+              <a:t>     * @throws UnknownHostException </a:t>
+            </a:r>
+            <a:endParaRPr lang="zh-CN" altLang="en-US" sz="1200">
+              <a:solidFill>
+                <a:schemeClr val="tx1"/>
+              </a:solidFill>
+            </a:endParaRPr>
+          </a:p>
+          <a:p>
+            <a:pPr algn="l"/>
+            <a:r>
+              <a:rPr lang="zh-CN" altLang="en-US" sz="1200">
+                <a:solidFill>
+                  <a:schemeClr val="tx1"/>
+                </a:solidFill>
+                <a:sym typeface="+mn-ea"/>
+              </a:rPr>
+              <a:t>     */</a:t>
+            </a:r>
+            <a:endParaRPr lang="zh-CN" altLang="en-US" sz="1200">
+              <a:solidFill>
+                <a:schemeClr val="tx1"/>
+              </a:solidFill>
+            </a:endParaRPr>
+          </a:p>
+          <a:p>
+            <a:pPr algn="l"/>
+            <a:r>
+              <a:rPr lang="zh-CN" altLang="en-US" sz="1200">
+                <a:solidFill>
+                  <a:schemeClr val="tx1"/>
+                </a:solidFill>
+                <a:sym typeface="+mn-ea"/>
+              </a:rPr>
+              <a:t>    private static String getLocalIp () throws UnknownHostException {</a:t>
+            </a:r>
+            <a:endParaRPr lang="zh-CN" altLang="en-US" sz="1200">
+              <a:solidFill>
+                <a:schemeClr val="tx1"/>
+              </a:solidFill>
+            </a:endParaRPr>
+          </a:p>
+          <a:p>
+            <a:pPr algn="l"/>
+            <a:r>
+              <a:rPr lang="zh-CN" altLang="en-US" sz="1200">
+                <a:solidFill>
+                  <a:schemeClr val="tx1"/>
+                </a:solidFill>
+                <a:sym typeface="+mn-ea"/>
+              </a:rPr>
+              <a:t>        return InetAddress.getLocalHost().getHostAddress();</a:t>
+            </a:r>
+            <a:endParaRPr lang="zh-CN" altLang="en-US" sz="1200">
+              <a:solidFill>
+                <a:schemeClr val="tx1"/>
+              </a:solidFill>
+            </a:endParaRPr>
+          </a:p>
+          <a:p>
+            <a:pPr algn="l"/>
+            <a:r>
+              <a:rPr lang="zh-CN" altLang="en-US" sz="1200">
+                <a:solidFill>
+                  <a:schemeClr val="tx1"/>
+                </a:solidFill>
+                <a:sym typeface="+mn-ea"/>
+              </a:rPr>
+              <a:t>    }</a:t>
+            </a:r>
+            <a:endParaRPr lang="zh-CN" altLang="en-US" sz="1200">
+              <a:solidFill>
+                <a:schemeClr val="tx1"/>
+              </a:solidFill>
+            </a:endParaRPr>
+          </a:p>
+        </p:txBody>
+      </p:sp>
+      <p:sp>
+        <p:nvSpPr>
+          <p:cNvPr id="5" name="矩形 4"/>
+          <p:cNvSpPr/>
+          <p:nvPr/>
+        </p:nvSpPr>
+        <p:spPr>
+          <a:xfrm>
+            <a:off x="3544570" y="5019675"/>
             <a:ext cx="2431415" cy="456565"/>
           </a:xfrm>
           <a:prstGeom prst="rect">
@@ -13702,7 +16355,23 @@
                   <a:schemeClr val="tx1"/>
                 </a:solidFill>
               </a:rPr>
-              <a:t>     * try catch 捕获并处理异常</a:t>
+              <a:t>     * 捕获异常并重新抛出</a:t>
+            </a:r>
+            <a:endParaRPr lang="zh-CN" altLang="en-US" sz="1200">
+              <a:solidFill>
+                <a:schemeClr val="tx1"/>
+              </a:solidFill>
+            </a:endParaRPr>
+          </a:p>
+          <a:p>
+            <a:pPr algn="l"/>
+            <a:r>
+              <a:rPr lang="zh-CN" altLang="en-US" sz="1200">
+                <a:solidFill>
+                  <a:schemeClr val="tx1"/>
+                </a:solidFill>
+              </a:rPr>
+              <a:t>     * @throws UnknownHostException </a:t>
             </a:r>
             <a:endParaRPr lang="zh-CN" altLang="en-US" sz="1200">
               <a:solidFill>
@@ -13734,39 +16403,7 @@
                   <a:schemeClr val="tx1"/>
                 </a:solidFill>
               </a:rPr>
-              <a:t>    @Test</a:t>
-            </a:r>
-            <a:endParaRPr lang="zh-CN" altLang="en-US" sz="1200">
-              <a:solidFill>
-                <a:schemeClr val="tx1"/>
-              </a:solidFill>
-            </a:endParaRPr>
-          </a:p>
-          <a:p>
-            <a:pPr algn="l"/>
-            <a:r>
-              <a:rPr lang="zh-CN" altLang="en-US" sz="1200">
-                <a:solidFill>
-                  <a:schemeClr val="tx1"/>
-                </a:solidFill>
-              </a:rPr>
-              <a:t>    public void testIOException2() {</a:t>
-            </a:r>
-            <a:endParaRPr lang="zh-CN" altLang="en-US" sz="1200">
-              <a:solidFill>
-                <a:schemeClr val="tx1"/>
-              </a:solidFill>
-            </a:endParaRPr>
-          </a:p>
-          <a:p>
-            <a:pPr algn="l"/>
-            <a:r>
-              <a:rPr lang="zh-CN" altLang="en-US" sz="1200">
-                <a:solidFill>
-                  <a:schemeClr val="tx1"/>
-                </a:solidFill>
-              </a:rPr>
-              <a:t>        FileWriter fw = null;</a:t>
+              <a:t>    private static String getLocalIp2 () throws UnknownHostException {</a:t>
             </a:r>
             <a:endParaRPr lang="zh-CN" altLang="en-US" sz="1200">
               <a:solidFill>
@@ -13798,247 +16435,39 @@
                   <a:schemeClr val="tx1"/>
                 </a:solidFill>
               </a:rPr>
-              <a:t>            String ip = InetAddress.getLocalHost().getHostAddress();</a:t>
-            </a:r>
-            <a:endParaRPr lang="zh-CN" altLang="en-US" sz="1200">
-              <a:solidFill>
-                <a:schemeClr val="tx1"/>
-              </a:solidFill>
-            </a:endParaRPr>
-          </a:p>
-          <a:p>
-            <a:pPr algn="l"/>
-            <a:r>
-              <a:rPr lang="zh-CN" altLang="en-US" sz="1200">
-                <a:solidFill>
-                  <a:schemeClr val="tx1"/>
-                </a:solidFill>
-              </a:rPr>
-              <a:t>            fw = new FileWriter("D:/helloworld.txt");</a:t>
-            </a:r>
-            <a:endParaRPr lang="zh-CN" altLang="en-US" sz="1200">
-              <a:solidFill>
-                <a:schemeClr val="tx1"/>
-              </a:solidFill>
-            </a:endParaRPr>
-          </a:p>
-          <a:p>
-            <a:pPr algn="l"/>
-            <a:r>
-              <a:rPr lang="zh-CN" altLang="en-US" sz="1200">
-                <a:solidFill>
-                  <a:schemeClr val="tx1"/>
-                </a:solidFill>
-              </a:rPr>
-              <a:t>            fw.write(ip);</a:t>
-            </a:r>
-            <a:endParaRPr lang="zh-CN" altLang="en-US" sz="1200">
-              <a:solidFill>
-                <a:schemeClr val="tx1"/>
-              </a:solidFill>
-            </a:endParaRPr>
-          </a:p>
-          <a:p>
-            <a:pPr algn="l"/>
-            <a:r>
-              <a:rPr lang="zh-CN" altLang="en-US" sz="1200">
-                <a:solidFill>
-                  <a:schemeClr val="tx1"/>
-                </a:solidFill>
-              </a:rPr>
-              <a:t>        } catch (UnknownHostException e) {           </a:t>
-            </a:r>
-            <a:endParaRPr lang="zh-CN" altLang="en-US" sz="1200">
-              <a:solidFill>
-                <a:schemeClr val="tx1"/>
-              </a:solidFill>
-            </a:endParaRPr>
-          </a:p>
-          <a:p>
-            <a:pPr algn="l"/>
-            <a:r>
-              <a:rPr lang="zh-CN" altLang="en-US" sz="1200">
-                <a:solidFill>
-                  <a:schemeClr val="tx1"/>
-                </a:solidFill>
-              </a:rPr>
-              <a:t>            // UnknownHostException extends IOException</a:t>
-            </a:r>
-            <a:endParaRPr lang="zh-CN" altLang="en-US" sz="1200">
-              <a:solidFill>
-                <a:schemeClr val="tx1"/>
-              </a:solidFill>
-            </a:endParaRPr>
-          </a:p>
-          <a:p>
-            <a:pPr algn="l"/>
-            <a:r>
-              <a:rPr lang="zh-CN" altLang="en-US" sz="1200">
-                <a:solidFill>
-                  <a:schemeClr val="tx1"/>
-                </a:solidFill>
-              </a:rPr>
-              <a:t>            e.printStackTrace();</a:t>
-            </a:r>
-            <a:endParaRPr lang="zh-CN" altLang="en-US" sz="1200">
-              <a:solidFill>
-                <a:schemeClr val="tx1"/>
-              </a:solidFill>
-            </a:endParaRPr>
-          </a:p>
-          <a:p>
-            <a:pPr algn="l"/>
-            <a:r>
-              <a:rPr lang="zh-CN" altLang="en-US" sz="1200">
-                <a:solidFill>
-                  <a:schemeClr val="tx1"/>
-                </a:solidFill>
-              </a:rPr>
-              <a:t>        } catch (IOException e) {</a:t>
-            </a:r>
-            <a:endParaRPr lang="zh-CN" altLang="en-US" sz="1200">
-              <a:solidFill>
-                <a:schemeClr val="tx1"/>
-              </a:solidFill>
-            </a:endParaRPr>
-          </a:p>
-          <a:p>
-            <a:pPr algn="l"/>
-            <a:r>
-              <a:rPr lang="zh-CN" altLang="en-US" sz="1200">
-                <a:solidFill>
-                  <a:schemeClr val="tx1"/>
-                </a:solidFill>
-              </a:rPr>
-              <a:t>            e.printStackTrace();</a:t>
-            </a:r>
-            <a:endParaRPr lang="zh-CN" altLang="en-US" sz="1200">
-              <a:solidFill>
-                <a:schemeClr val="tx1"/>
-              </a:solidFill>
-            </a:endParaRPr>
-          </a:p>
-          <a:p>
-            <a:pPr algn="l"/>
-            <a:r>
-              <a:rPr lang="zh-CN" altLang="en-US" sz="1200">
-                <a:solidFill>
-                  <a:schemeClr val="tx1"/>
-                </a:solidFill>
-              </a:rPr>
-              <a:t>        } finally {</a:t>
-            </a:r>
-            <a:endParaRPr lang="zh-CN" altLang="en-US" sz="1200">
-              <a:solidFill>
-                <a:schemeClr val="tx1"/>
-              </a:solidFill>
-            </a:endParaRPr>
-          </a:p>
-          <a:p>
-            <a:pPr algn="l"/>
-            <a:r>
-              <a:rPr lang="zh-CN" altLang="en-US" sz="1200">
-                <a:solidFill>
-                  <a:schemeClr val="tx1"/>
-                </a:solidFill>
-              </a:rPr>
-              <a:t>            if (fw != null) {</a:t>
-            </a:r>
-            <a:endParaRPr lang="zh-CN" altLang="en-US" sz="1200">
-              <a:solidFill>
-                <a:schemeClr val="tx1"/>
-              </a:solidFill>
-            </a:endParaRPr>
-          </a:p>
-          <a:p>
-            <a:pPr algn="l"/>
-            <a:r>
-              <a:rPr lang="zh-CN" altLang="en-US" sz="1200">
-                <a:solidFill>
-                  <a:schemeClr val="tx1"/>
-                </a:solidFill>
-              </a:rPr>
-              <a:t>                try {</a:t>
-            </a:r>
-            <a:endParaRPr lang="zh-CN" altLang="en-US" sz="1200">
-              <a:solidFill>
-                <a:schemeClr val="tx1"/>
-              </a:solidFill>
-            </a:endParaRPr>
-          </a:p>
-          <a:p>
-            <a:pPr algn="l"/>
-            <a:r>
-              <a:rPr lang="zh-CN" altLang="en-US" sz="1200">
-                <a:solidFill>
-                  <a:schemeClr val="tx1"/>
-                </a:solidFill>
-              </a:rPr>
-              <a:t>                    fw.close();</a:t>
-            </a:r>
-            <a:endParaRPr lang="zh-CN" altLang="en-US" sz="1200">
-              <a:solidFill>
-                <a:schemeClr val="tx1"/>
-              </a:solidFill>
-            </a:endParaRPr>
-          </a:p>
-          <a:p>
-            <a:pPr algn="l"/>
-            <a:r>
-              <a:rPr lang="zh-CN" altLang="en-US" sz="1200">
-                <a:solidFill>
-                  <a:schemeClr val="tx1"/>
-                </a:solidFill>
-              </a:rPr>
-              <a:t>                } catch (IOException e) {</a:t>
-            </a:r>
-            <a:endParaRPr lang="zh-CN" altLang="en-US" sz="1200">
-              <a:solidFill>
-                <a:schemeClr val="tx1"/>
-              </a:solidFill>
-            </a:endParaRPr>
-          </a:p>
-          <a:p>
-            <a:pPr algn="l"/>
-            <a:r>
-              <a:rPr lang="zh-CN" altLang="en-US" sz="1200">
-                <a:solidFill>
-                  <a:schemeClr val="tx1"/>
-                </a:solidFill>
-              </a:rPr>
-              <a:t>                    e.printStackTrace();</a:t>
-            </a:r>
-            <a:endParaRPr lang="zh-CN" altLang="en-US" sz="1200">
-              <a:solidFill>
-                <a:schemeClr val="tx1"/>
-              </a:solidFill>
-            </a:endParaRPr>
-          </a:p>
-          <a:p>
-            <a:pPr algn="l"/>
-            <a:r>
-              <a:rPr lang="zh-CN" altLang="en-US" sz="1200">
-                <a:solidFill>
-                  <a:schemeClr val="tx1"/>
-                </a:solidFill>
-              </a:rPr>
-              <a:t>                }</a:t>
-            </a:r>
-            <a:endParaRPr lang="zh-CN" altLang="en-US" sz="1200">
-              <a:solidFill>
-                <a:schemeClr val="tx1"/>
-              </a:solidFill>
-            </a:endParaRPr>
-          </a:p>
-          <a:p>
-            <a:pPr algn="l"/>
-            <a:r>
-              <a:rPr lang="zh-CN" altLang="en-US" sz="1200">
-                <a:solidFill>
-                  <a:schemeClr val="tx1"/>
-                </a:solidFill>
-              </a:rPr>
-              <a:t>            }</a:t>
+              <a:t>            return InetAddress.getLocalHost().getHostAddress();</a:t>
+            </a:r>
+            <a:endParaRPr lang="zh-CN" altLang="en-US" sz="1200">
+              <a:solidFill>
+                <a:schemeClr val="tx1"/>
+              </a:solidFill>
+            </a:endParaRPr>
+          </a:p>
+          <a:p>
+            <a:pPr algn="l"/>
+            <a:r>
+              <a:rPr lang="zh-CN" altLang="en-US" sz="1200">
+                <a:solidFill>
+                  <a:schemeClr val="tx1"/>
+                </a:solidFill>
+              </a:rPr>
+              <a:t>        } catch (UnknownHostException e) {</a:t>
+            </a:r>
+            <a:endParaRPr lang="zh-CN" altLang="en-US" sz="1200">
+              <a:solidFill>
+                <a:schemeClr val="tx1"/>
+              </a:solidFill>
+            </a:endParaRPr>
+          </a:p>
+          <a:p>
+            <a:pPr algn="l"/>
+            <a:r>
+              <a:rPr lang="zh-CN" altLang="en-US" sz="1200">
+                <a:solidFill>
+                  <a:schemeClr val="tx1"/>
+                </a:solidFill>
+              </a:rPr>
+              <a:t>            throw e;</a:t>
             </a:r>
             <a:endParaRPr lang="zh-CN" altLang="en-US" sz="1200">
               <a:solidFill>
@@ -14087,6 +16516,182 @@
                 </a:solidFill>
               </a:rPr>
               <a:t>    </a:t>
+            </a:r>
+            <a:endParaRPr lang="zh-CN" altLang="en-US" sz="1200">
+              <a:solidFill>
+                <a:schemeClr val="tx1"/>
+              </a:solidFill>
+            </a:endParaRPr>
+          </a:p>
+          <a:p>
+            <a:pPr algn="l"/>
+            <a:r>
+              <a:rPr lang="zh-CN" altLang="en-US" sz="1200">
+                <a:solidFill>
+                  <a:schemeClr val="tx1"/>
+                </a:solidFill>
+              </a:rPr>
+              <a:t>    /**</a:t>
+            </a:r>
+            <a:endParaRPr lang="zh-CN" altLang="en-US" sz="1200">
+              <a:solidFill>
+                <a:schemeClr val="tx1"/>
+              </a:solidFill>
+            </a:endParaRPr>
+          </a:p>
+          <a:p>
+            <a:pPr algn="l"/>
+            <a:r>
+              <a:rPr lang="zh-CN" altLang="en-US" sz="1200">
+                <a:solidFill>
+                  <a:schemeClr val="tx1"/>
+                </a:solidFill>
+              </a:rPr>
+              <a:t>     * 捕获异常并重新抛出</a:t>
+            </a:r>
+            <a:endParaRPr lang="zh-CN" altLang="en-US" sz="1200">
+              <a:solidFill>
+                <a:schemeClr val="tx1"/>
+              </a:solidFill>
+            </a:endParaRPr>
+          </a:p>
+          <a:p>
+            <a:pPr algn="l"/>
+            <a:r>
+              <a:rPr lang="zh-CN" altLang="en-US" sz="1200">
+                <a:solidFill>
+                  <a:schemeClr val="tx1"/>
+                </a:solidFill>
+              </a:rPr>
+              <a:t>     * @throws Exception </a:t>
+            </a:r>
+            <a:endParaRPr lang="zh-CN" altLang="en-US" sz="1200">
+              <a:solidFill>
+                <a:schemeClr val="tx1"/>
+              </a:solidFill>
+            </a:endParaRPr>
+          </a:p>
+          <a:p>
+            <a:pPr algn="l"/>
+            <a:r>
+              <a:rPr lang="zh-CN" altLang="en-US" sz="1200">
+                <a:solidFill>
+                  <a:schemeClr val="tx1"/>
+                </a:solidFill>
+              </a:rPr>
+              <a:t>     */</a:t>
+            </a:r>
+            <a:endParaRPr lang="zh-CN" altLang="en-US" sz="1200">
+              <a:solidFill>
+                <a:schemeClr val="tx1"/>
+              </a:solidFill>
+            </a:endParaRPr>
+          </a:p>
+          <a:p>
+            <a:pPr algn="l"/>
+            <a:r>
+              <a:rPr lang="zh-CN" altLang="en-US" sz="1200">
+                <a:solidFill>
+                  <a:schemeClr val="tx1"/>
+                </a:solidFill>
+              </a:rPr>
+              <a:t>    private static String getLocalIp3 () throws Exception {</a:t>
+            </a:r>
+            <a:endParaRPr lang="zh-CN" altLang="en-US" sz="1200">
+              <a:solidFill>
+                <a:schemeClr val="tx1"/>
+              </a:solidFill>
+            </a:endParaRPr>
+          </a:p>
+          <a:p>
+            <a:pPr algn="l"/>
+            <a:r>
+              <a:rPr lang="zh-CN" altLang="en-US" sz="1200">
+                <a:solidFill>
+                  <a:schemeClr val="tx1"/>
+                </a:solidFill>
+              </a:rPr>
+              <a:t>        try {</a:t>
+            </a:r>
+            <a:endParaRPr lang="zh-CN" altLang="en-US" sz="1200">
+              <a:solidFill>
+                <a:schemeClr val="tx1"/>
+              </a:solidFill>
+            </a:endParaRPr>
+          </a:p>
+          <a:p>
+            <a:pPr algn="l"/>
+            <a:r>
+              <a:rPr lang="zh-CN" altLang="en-US" sz="1200">
+                <a:solidFill>
+                  <a:schemeClr val="tx1"/>
+                </a:solidFill>
+              </a:rPr>
+              <a:t>            return InetAddress.getLocalHost().getHostAddress();</a:t>
+            </a:r>
+            <a:endParaRPr lang="zh-CN" altLang="en-US" sz="1200">
+              <a:solidFill>
+                <a:schemeClr val="tx1"/>
+              </a:solidFill>
+            </a:endParaRPr>
+          </a:p>
+          <a:p>
+            <a:pPr algn="l"/>
+            <a:r>
+              <a:rPr lang="zh-CN" altLang="en-US" sz="1200">
+                <a:solidFill>
+                  <a:schemeClr val="tx1"/>
+                </a:solidFill>
+              </a:rPr>
+              <a:t>        } catch (UnknownHostException e) {</a:t>
+            </a:r>
+            <a:endParaRPr lang="zh-CN" altLang="en-US" sz="1200">
+              <a:solidFill>
+                <a:schemeClr val="tx1"/>
+              </a:solidFill>
+            </a:endParaRPr>
+          </a:p>
+          <a:p>
+            <a:pPr algn="l"/>
+            <a:r>
+              <a:rPr lang="zh-CN" altLang="en-US" sz="1200">
+                <a:solidFill>
+                  <a:schemeClr val="tx1"/>
+                </a:solidFill>
+              </a:rPr>
+              <a:t>            throw new Exception(e.getMessage());</a:t>
+            </a:r>
+            <a:endParaRPr lang="zh-CN" altLang="en-US" sz="1200">
+              <a:solidFill>
+                <a:schemeClr val="tx1"/>
+              </a:solidFill>
+            </a:endParaRPr>
+          </a:p>
+          <a:p>
+            <a:pPr algn="l"/>
+            <a:r>
+              <a:rPr lang="zh-CN" altLang="en-US" sz="1200">
+                <a:solidFill>
+                  <a:schemeClr val="tx1"/>
+                </a:solidFill>
+              </a:rPr>
+              <a:t>        }</a:t>
+            </a:r>
+            <a:endParaRPr lang="zh-CN" altLang="en-US" sz="1200">
+              <a:solidFill>
+                <a:schemeClr val="tx1"/>
+              </a:solidFill>
+            </a:endParaRPr>
+          </a:p>
+          <a:p>
+            <a:pPr algn="l"/>
+            <a:r>
+              <a:rPr lang="zh-CN" altLang="en-US" sz="1200">
+                <a:solidFill>
+                  <a:schemeClr val="tx1"/>
+                </a:solidFill>
+              </a:rPr>
+              <a:t>    }</a:t>
             </a:r>
             <a:endParaRPr lang="zh-CN" altLang="en-US" sz="1200">
               <a:solidFill>
@@ -14161,23 +16766,39 @@
                   <a:schemeClr val="tx1"/>
                 </a:solidFill>
               </a:rPr>
-              <a:t>     * 抛出异常</a:t>
-            </a:r>
-            <a:endParaRPr lang="zh-CN" altLang="en-US" sz="1200">
-              <a:solidFill>
-                <a:schemeClr val="tx1"/>
-              </a:solidFill>
-            </a:endParaRPr>
-          </a:p>
-          <a:p>
-            <a:pPr algn="l"/>
-            <a:r>
-              <a:rPr lang="zh-CN" altLang="en-US" sz="1200">
-                <a:solidFill>
-                  <a:schemeClr val="tx1"/>
-                </a:solidFill>
-              </a:rPr>
-              <a:t>     * @throws UnknownHostException </a:t>
+              <a:t>     * 抛出多个异常</a:t>
+            </a:r>
+            <a:endParaRPr lang="zh-CN" altLang="en-US" sz="1200">
+              <a:solidFill>
+                <a:schemeClr val="tx1"/>
+              </a:solidFill>
+            </a:endParaRPr>
+          </a:p>
+          <a:p>
+            <a:pPr algn="l"/>
+            <a:r>
+              <a:rPr lang="zh-CN" altLang="en-US" sz="1200">
+                <a:solidFill>
+                  <a:schemeClr val="tx1"/>
+                </a:solidFill>
+              </a:rPr>
+              <a:t>     * @throws UnknownHostException</a:t>
+            </a:r>
+            <a:endParaRPr lang="zh-CN" altLang="en-US" sz="1200">
+              <a:solidFill>
+                <a:schemeClr val="tx1"/>
+              </a:solidFill>
+            </a:endParaRPr>
+          </a:p>
+          <a:p>
+            <a:pPr algn="l"/>
+            <a:r>
+              <a:rPr lang="zh-CN" altLang="en-US" sz="1200">
+                <a:solidFill>
+                  <a:schemeClr val="tx1"/>
+                </a:solidFill>
+              </a:rPr>
+              <a:t>     * @throws Exception</a:t>
             </a:r>
             <a:endParaRPr lang="zh-CN" altLang="en-US" sz="1200">
               <a:solidFill>
@@ -14209,23 +16830,71 @@
                   <a:schemeClr val="tx1"/>
                 </a:solidFill>
               </a:rPr>
-              <a:t>    private static String getLocalIp () throws UnknownHostException {</a:t>
-            </a:r>
-            <a:endParaRPr lang="zh-CN" altLang="en-US" sz="1200">
-              <a:solidFill>
-                <a:schemeClr val="tx1"/>
-              </a:solidFill>
-            </a:endParaRPr>
-          </a:p>
-          <a:p>
-            <a:pPr algn="l"/>
-            <a:r>
-              <a:rPr lang="zh-CN" altLang="en-US" sz="1200">
-                <a:solidFill>
-                  <a:schemeClr val="tx1"/>
-                </a:solidFill>
-              </a:rPr>
-              <a:t>        return InetAddress.getLocalHost().getHostAddress();</a:t>
+              <a:t>    @Test</a:t>
+            </a:r>
+            <a:endParaRPr lang="zh-CN" altLang="en-US" sz="1200">
+              <a:solidFill>
+                <a:schemeClr val="tx1"/>
+              </a:solidFill>
+            </a:endParaRPr>
+          </a:p>
+          <a:p>
+            <a:pPr algn="l"/>
+            <a:r>
+              <a:rPr lang="zh-CN" altLang="en-US" sz="1200">
+                <a:solidFill>
+                  <a:schemeClr val="tx1"/>
+                </a:solidFill>
+              </a:rPr>
+              <a:t>    public void testGetLocalIp () throws UnknownHostException, Exception {</a:t>
+            </a:r>
+            <a:endParaRPr lang="zh-CN" altLang="en-US" sz="1200">
+              <a:solidFill>
+                <a:schemeClr val="tx1"/>
+              </a:solidFill>
+            </a:endParaRPr>
+          </a:p>
+          <a:p>
+            <a:pPr algn="l"/>
+            <a:r>
+              <a:rPr lang="zh-CN" altLang="en-US" sz="1200">
+                <a:solidFill>
+                  <a:schemeClr val="tx1"/>
+                </a:solidFill>
+              </a:rPr>
+              <a:t>        System.out.println(getLocalIp());</a:t>
+            </a:r>
+            <a:endParaRPr lang="zh-CN" altLang="en-US" sz="1200">
+              <a:solidFill>
+                <a:schemeClr val="tx1"/>
+              </a:solidFill>
+            </a:endParaRPr>
+          </a:p>
+          <a:p>
+            <a:pPr algn="l"/>
+            <a:r>
+              <a:rPr lang="zh-CN" altLang="en-US" sz="1200">
+                <a:solidFill>
+                  <a:schemeClr val="tx1"/>
+                </a:solidFill>
+              </a:rPr>
+              <a:t>        System.out.println(getLocalIp2());</a:t>
+            </a:r>
+            <a:endParaRPr lang="zh-CN" altLang="en-US" sz="1200">
+              <a:solidFill>
+                <a:schemeClr val="tx1"/>
+              </a:solidFill>
+            </a:endParaRPr>
+          </a:p>
+          <a:p>
+            <a:pPr algn="l"/>
+            <a:r>
+              <a:rPr lang="zh-CN" altLang="en-US" sz="1200">
+                <a:solidFill>
+                  <a:schemeClr val="tx1"/>
+                </a:solidFill>
+              </a:rPr>
+              <a:t>        System.out.println(getLocalIp3());</a:t>
             </a:r>
             <a:endParaRPr lang="zh-CN" altLang="en-US" sz="1200">
               <a:solidFill>
@@ -14289,39 +16958,23 @@
                   <a:schemeClr val="tx1"/>
                 </a:solidFill>
               </a:rPr>
-              <a:t>     * 同时抛出多个异常</a:t>
-            </a:r>
-            <a:endParaRPr lang="zh-CN" altLang="en-US" sz="1200">
-              <a:solidFill>
-                <a:schemeClr val="tx1"/>
-              </a:solidFill>
-            </a:endParaRPr>
-          </a:p>
-          <a:p>
-            <a:pPr algn="l"/>
-            <a:r>
-              <a:rPr lang="zh-CN" altLang="en-US" sz="1200">
-                <a:solidFill>
-                  <a:schemeClr val="tx1"/>
-                </a:solidFill>
-              </a:rPr>
-              <a:t>     * @throws UnknownHostException</a:t>
-            </a:r>
-            <a:endParaRPr lang="zh-CN" altLang="en-US" sz="1200">
-              <a:solidFill>
-                <a:schemeClr val="tx1"/>
-              </a:solidFill>
-            </a:endParaRPr>
-          </a:p>
-          <a:p>
-            <a:pPr algn="l"/>
-            <a:r>
-              <a:rPr lang="zh-CN" altLang="en-US" sz="1200">
-                <a:solidFill>
-                  <a:schemeClr val="tx1"/>
-                </a:solidFill>
-              </a:rPr>
-              <a:t>     * @throws ParseException</a:t>
+              <a:t>     * 抛出最大的异常</a:t>
+            </a:r>
+            <a:endParaRPr lang="zh-CN" altLang="en-US" sz="1200">
+              <a:solidFill>
+                <a:schemeClr val="tx1"/>
+              </a:solidFill>
+            </a:endParaRPr>
+          </a:p>
+          <a:p>
+            <a:pPr algn="l"/>
+            <a:r>
+              <a:rPr lang="zh-CN" altLang="en-US" sz="1200">
+                <a:solidFill>
+                  <a:schemeClr val="tx1"/>
+                </a:solidFill>
+              </a:rPr>
+              <a:t>     * @throws Exception</a:t>
             </a:r>
             <a:endParaRPr lang="zh-CN" altLang="en-US" sz="1200">
               <a:solidFill>
@@ -14369,7 +17022,7 @@
                   <a:schemeClr val="tx1"/>
                 </a:solidFill>
               </a:rPr>
-              <a:t>    public void testThrows () throws UnknownHostException, ParseException {</a:t>
+              <a:t>    public void testGetLocalIp2 () throws Exception {</a:t>
             </a:r>
             <a:endParaRPr lang="zh-CN" altLang="en-US" sz="1200">
               <a:solidFill>
@@ -14401,103 +17054,23 @@
                   <a:schemeClr val="tx1"/>
                 </a:solidFill>
               </a:rPr>
-              <a:t>        </a:t>
-            </a:r>
-            <a:endParaRPr lang="zh-CN" altLang="en-US" sz="1200">
-              <a:solidFill>
-                <a:schemeClr val="tx1"/>
-              </a:solidFill>
-            </a:endParaRPr>
-          </a:p>
-          <a:p>
-            <a:pPr algn="l"/>
-            <a:r>
-              <a:rPr lang="zh-CN" altLang="en-US" sz="1200">
-                <a:solidFill>
-                  <a:schemeClr val="tx1"/>
-                </a:solidFill>
-              </a:rPr>
-              <a:t>        Date date = new Date();</a:t>
-            </a:r>
-            <a:endParaRPr lang="zh-CN" altLang="en-US" sz="1200">
-              <a:solidFill>
-                <a:schemeClr val="tx1"/>
-              </a:solidFill>
-            </a:endParaRPr>
-          </a:p>
-          <a:p>
-            <a:pPr algn="l"/>
-            <a:r>
-              <a:rPr lang="zh-CN" altLang="en-US" sz="1200">
-                <a:solidFill>
-                  <a:schemeClr val="tx1"/>
-                </a:solidFill>
-              </a:rPr>
-              <a:t>        DateFormat dateFormat = new SimpleDateFormat("yyyy-MM-dd HH:mm:ss");</a:t>
-            </a:r>
-            <a:endParaRPr lang="zh-CN" altLang="en-US" sz="1200">
-              <a:solidFill>
-                <a:schemeClr val="tx1"/>
-              </a:solidFill>
-            </a:endParaRPr>
-          </a:p>
-          <a:p>
-            <a:pPr algn="l"/>
-            <a:r>
-              <a:rPr lang="zh-CN" altLang="en-US" sz="1200">
-                <a:solidFill>
-                  <a:schemeClr val="tx1"/>
-                </a:solidFill>
-              </a:rPr>
-              <a:t>        </a:t>
-            </a:r>
-            <a:endParaRPr lang="zh-CN" altLang="en-US" sz="1200">
-              <a:solidFill>
-                <a:schemeClr val="tx1"/>
-              </a:solidFill>
-            </a:endParaRPr>
-          </a:p>
-          <a:p>
-            <a:pPr algn="l"/>
-            <a:r>
-              <a:rPr lang="zh-CN" altLang="en-US" sz="1200">
-                <a:solidFill>
-                  <a:schemeClr val="tx1"/>
-                </a:solidFill>
-              </a:rPr>
-              <a:t>        System.out.println(dateFormat.format(date));</a:t>
-            </a:r>
-            <a:endParaRPr lang="zh-CN" altLang="en-US" sz="1200">
-              <a:solidFill>
-                <a:schemeClr val="tx1"/>
-              </a:solidFill>
-            </a:endParaRPr>
-          </a:p>
-          <a:p>
-            <a:pPr algn="l"/>
-            <a:r>
-              <a:rPr lang="zh-CN" altLang="en-US" sz="1200">
-                <a:solidFill>
-                  <a:schemeClr val="tx1"/>
-                </a:solidFill>
-              </a:rPr>
-              <a:t>        </a:t>
-            </a:r>
-            <a:endParaRPr lang="zh-CN" altLang="en-US" sz="1200">
-              <a:solidFill>
-                <a:schemeClr val="tx1"/>
-              </a:solidFill>
-            </a:endParaRPr>
-          </a:p>
-          <a:p>
-            <a:pPr algn="l"/>
-            <a:r>
-              <a:rPr lang="zh-CN" altLang="en-US" sz="1200">
-                <a:solidFill>
-                  <a:schemeClr val="tx1"/>
-                </a:solidFill>
-              </a:rPr>
-              <a:t>        System.out.println(dateFormat.parse("2020-09-10 15:25:57AAA"));</a:t>
+              <a:t>        System.out.println(getLocalIp2());</a:t>
+            </a:r>
+            <a:endParaRPr lang="zh-CN" altLang="en-US" sz="1200">
+              <a:solidFill>
+                <a:schemeClr val="tx1"/>
+              </a:solidFill>
+            </a:endParaRPr>
+          </a:p>
+          <a:p>
+            <a:pPr algn="l"/>
+            <a:r>
+              <a:rPr lang="zh-CN" altLang="en-US" sz="1200">
+                <a:solidFill>
+                  <a:schemeClr val="tx1"/>
+                </a:solidFill>
+              </a:rPr>
+              <a:t>        System.out.println(getLocalIp3());</a:t>
             </a:r>
             <a:endParaRPr lang="zh-CN" altLang="en-US" sz="1200">
               <a:solidFill>
@@ -14567,18 +17140,10 @@
           <a:p>
             <a:pPr algn="ctr"/>
             <a:r>
-              <a:rPr lang="zh-CN" altLang="en-US"/>
-              <a:t>try catch </a:t>
-            </a:r>
-            <a:r>
-              <a:rPr lang="en-US" altLang="zh-CN"/>
-              <a:t>finally</a:t>
-            </a:r>
-            <a:r>
-              <a:rPr lang="zh-CN" altLang="en-US"/>
-              <a:t> 捕获异常</a:t>
-            </a:r>
-            <a:endParaRPr lang="zh-CN" altLang="en-US"/>
+              <a:rPr lang="zh-CN"/>
+              <a:t>重新抛出异常</a:t>
+            </a:r>
+            <a:endParaRPr lang="zh-CN"/>
           </a:p>
         </p:txBody>
       </p:sp>
@@ -14627,7 +17192,7 @@
             <a:pPr algn="ctr"/>
             <a:r>
               <a:rPr lang="zh-CN" altLang="en-US"/>
-              <a:t>抛出多个异常</a:t>
+              <a:t>抛出最大异常</a:t>
             </a:r>
             <a:endParaRPr lang="zh-CN" altLang="en-US"/>
           </a:p>
@@ -14645,946 +17210,6 @@
 </file>
 
 <file path=ppt/slides/slide26.xml><?xml version="1.0" encoding="utf-8"?>
-<p:sld xmlns:a="http://schemas.openxmlformats.org/drawingml/2006/main" xmlns:r="http://schemas.openxmlformats.org/officeDocument/2006/relationships" xmlns:p="http://schemas.openxmlformats.org/presentationml/2006/main">
-  <p:cSld>
-    <p:bg>
-      <p:bgPr>
-        <a:blipFill rotWithShape="1">
-          <a:blip r:embed="rId1"/>
-          <a:stretch>
-            <a:fillRect/>
-          </a:stretch>
-        </a:blipFill>
-        <a:effectLst/>
-      </p:bgPr>
-    </p:bg>
-    <p:spTree>
-      <p:nvGrpSpPr>
-        <p:cNvPr id="1" name=""/>
-        <p:cNvGrpSpPr/>
-        <p:nvPr/>
-      </p:nvGrpSpPr>
-      <p:grpSpPr/>
-      <p:sp>
-        <p:nvSpPr>
-          <p:cNvPr id="3" name="矩形 2"/>
-          <p:cNvSpPr/>
-          <p:nvPr/>
-        </p:nvSpPr>
-        <p:spPr>
-          <a:xfrm>
-            <a:off x="175895" y="844550"/>
-            <a:ext cx="5745480" cy="4957445"/>
-          </a:xfrm>
-          <a:prstGeom prst="rect">
-            <a:avLst/>
-          </a:prstGeom>
-          <a:solidFill>
-            <a:schemeClr val="bg1"/>
-          </a:solidFill>
-          <a:ln w="28575">
-            <a:solidFill>
-              <a:srgbClr val="F59909"/>
-            </a:solidFill>
-          </a:ln>
-        </p:spPr>
-        <p:style>
-          <a:lnRef idx="2">
-            <a:schemeClr val="accent1">
-              <a:shade val="50000"/>
-            </a:schemeClr>
-          </a:lnRef>
-          <a:fillRef idx="1">
-            <a:schemeClr val="accent1"/>
-          </a:fillRef>
-          <a:effectRef idx="0">
-            <a:schemeClr val="accent1"/>
-          </a:effectRef>
-          <a:fontRef idx="minor">
-            <a:schemeClr val="lt1"/>
-          </a:fontRef>
-        </p:style>
-        <p:txBody>
-          <a:bodyPr rtlCol="0" anchor="ctr"/>
-          <a:p>
-            <a:pPr algn="l"/>
-            <a:r>
-              <a:rPr lang="zh-CN" altLang="en-US" sz="1200">
-                <a:solidFill>
-                  <a:schemeClr val="tx1"/>
-                </a:solidFill>
-              </a:rPr>
-              <a:t>    /**</a:t>
-            </a:r>
-            <a:endParaRPr lang="zh-CN" altLang="en-US" sz="1200">
-              <a:solidFill>
-                <a:schemeClr val="tx1"/>
-              </a:solidFill>
-            </a:endParaRPr>
-          </a:p>
-          <a:p>
-            <a:pPr algn="l"/>
-            <a:r>
-              <a:rPr lang="zh-CN" altLang="en-US" sz="1200">
-                <a:solidFill>
-                  <a:schemeClr val="tx1"/>
-                </a:solidFill>
-              </a:rPr>
-              <a:t>     * 捕获异常并重新抛出</a:t>
-            </a:r>
-            <a:endParaRPr lang="zh-CN" altLang="en-US" sz="1200">
-              <a:solidFill>
-                <a:schemeClr val="tx1"/>
-              </a:solidFill>
-            </a:endParaRPr>
-          </a:p>
-          <a:p>
-            <a:pPr algn="l"/>
-            <a:r>
-              <a:rPr lang="zh-CN" altLang="en-US" sz="1200">
-                <a:solidFill>
-                  <a:schemeClr val="tx1"/>
-                </a:solidFill>
-              </a:rPr>
-              <a:t>     * @throws UnknownHostException </a:t>
-            </a:r>
-            <a:endParaRPr lang="zh-CN" altLang="en-US" sz="1200">
-              <a:solidFill>
-                <a:schemeClr val="tx1"/>
-              </a:solidFill>
-            </a:endParaRPr>
-          </a:p>
-          <a:p>
-            <a:pPr algn="l"/>
-            <a:r>
-              <a:rPr lang="zh-CN" altLang="en-US" sz="1200">
-                <a:solidFill>
-                  <a:schemeClr val="tx1"/>
-                </a:solidFill>
-              </a:rPr>
-              <a:t>     */</a:t>
-            </a:r>
-            <a:endParaRPr lang="zh-CN" altLang="en-US" sz="1200">
-              <a:solidFill>
-                <a:schemeClr val="tx1"/>
-              </a:solidFill>
-            </a:endParaRPr>
-          </a:p>
-          <a:p>
-            <a:pPr algn="l"/>
-            <a:r>
-              <a:rPr lang="zh-CN" altLang="en-US" sz="1200">
-                <a:solidFill>
-                  <a:schemeClr val="tx1"/>
-                </a:solidFill>
-              </a:rPr>
-              <a:t>    private static String getLocalIp2 () throws UnknownHostException {</a:t>
-            </a:r>
-            <a:endParaRPr lang="zh-CN" altLang="en-US" sz="1200">
-              <a:solidFill>
-                <a:schemeClr val="tx1"/>
-              </a:solidFill>
-            </a:endParaRPr>
-          </a:p>
-          <a:p>
-            <a:pPr algn="l"/>
-            <a:r>
-              <a:rPr lang="zh-CN" altLang="en-US" sz="1200">
-                <a:solidFill>
-                  <a:schemeClr val="tx1"/>
-                </a:solidFill>
-              </a:rPr>
-              <a:t>        try {</a:t>
-            </a:r>
-            <a:endParaRPr lang="zh-CN" altLang="en-US" sz="1200">
-              <a:solidFill>
-                <a:schemeClr val="tx1"/>
-              </a:solidFill>
-            </a:endParaRPr>
-          </a:p>
-          <a:p>
-            <a:pPr algn="l"/>
-            <a:r>
-              <a:rPr lang="zh-CN" altLang="en-US" sz="1200">
-                <a:solidFill>
-                  <a:schemeClr val="tx1"/>
-                </a:solidFill>
-              </a:rPr>
-              <a:t>            return InetAddress.getLocalHost().getHostAddress();</a:t>
-            </a:r>
-            <a:endParaRPr lang="zh-CN" altLang="en-US" sz="1200">
-              <a:solidFill>
-                <a:schemeClr val="tx1"/>
-              </a:solidFill>
-            </a:endParaRPr>
-          </a:p>
-          <a:p>
-            <a:pPr algn="l"/>
-            <a:r>
-              <a:rPr lang="zh-CN" altLang="en-US" sz="1200">
-                <a:solidFill>
-                  <a:schemeClr val="tx1"/>
-                </a:solidFill>
-              </a:rPr>
-              <a:t>        } catch (UnknownHostException e) {</a:t>
-            </a:r>
-            <a:endParaRPr lang="zh-CN" altLang="en-US" sz="1200">
-              <a:solidFill>
-                <a:schemeClr val="tx1"/>
-              </a:solidFill>
-            </a:endParaRPr>
-          </a:p>
-          <a:p>
-            <a:pPr algn="l"/>
-            <a:r>
-              <a:rPr lang="zh-CN" altLang="en-US" sz="1200">
-                <a:solidFill>
-                  <a:schemeClr val="tx1"/>
-                </a:solidFill>
-              </a:rPr>
-              <a:t>            throw e;</a:t>
-            </a:r>
-            <a:endParaRPr lang="zh-CN" altLang="en-US" sz="1200">
-              <a:solidFill>
-                <a:schemeClr val="tx1"/>
-              </a:solidFill>
-            </a:endParaRPr>
-          </a:p>
-          <a:p>
-            <a:pPr algn="l"/>
-            <a:r>
-              <a:rPr lang="zh-CN" altLang="en-US" sz="1200">
-                <a:solidFill>
-                  <a:schemeClr val="tx1"/>
-                </a:solidFill>
-              </a:rPr>
-              <a:t>        }</a:t>
-            </a:r>
-            <a:endParaRPr lang="zh-CN" altLang="en-US" sz="1200">
-              <a:solidFill>
-                <a:schemeClr val="tx1"/>
-              </a:solidFill>
-            </a:endParaRPr>
-          </a:p>
-          <a:p>
-            <a:pPr algn="l"/>
-            <a:r>
-              <a:rPr lang="zh-CN" altLang="en-US" sz="1200">
-                <a:solidFill>
-                  <a:schemeClr val="tx1"/>
-                </a:solidFill>
-              </a:rPr>
-              <a:t>    }</a:t>
-            </a:r>
-            <a:endParaRPr lang="zh-CN" altLang="en-US" sz="1200">
-              <a:solidFill>
-                <a:schemeClr val="tx1"/>
-              </a:solidFill>
-            </a:endParaRPr>
-          </a:p>
-          <a:p>
-            <a:pPr algn="l"/>
-            <a:r>
-              <a:rPr lang="zh-CN" altLang="en-US" sz="1200">
-                <a:solidFill>
-                  <a:schemeClr val="tx1"/>
-                </a:solidFill>
-              </a:rPr>
-              <a:t>    </a:t>
-            </a:r>
-            <a:endParaRPr lang="zh-CN" altLang="en-US" sz="1200">
-              <a:solidFill>
-                <a:schemeClr val="tx1"/>
-              </a:solidFill>
-            </a:endParaRPr>
-          </a:p>
-          <a:p>
-            <a:pPr algn="l"/>
-            <a:r>
-              <a:rPr lang="zh-CN" altLang="en-US" sz="1200">
-                <a:solidFill>
-                  <a:schemeClr val="tx1"/>
-                </a:solidFill>
-              </a:rPr>
-              <a:t>    /**</a:t>
-            </a:r>
-            <a:endParaRPr lang="zh-CN" altLang="en-US" sz="1200">
-              <a:solidFill>
-                <a:schemeClr val="tx1"/>
-              </a:solidFill>
-            </a:endParaRPr>
-          </a:p>
-          <a:p>
-            <a:pPr algn="l"/>
-            <a:r>
-              <a:rPr lang="zh-CN" altLang="en-US" sz="1200">
-                <a:solidFill>
-                  <a:schemeClr val="tx1"/>
-                </a:solidFill>
-              </a:rPr>
-              <a:t>     * 捕获异常并重新抛出</a:t>
-            </a:r>
-            <a:endParaRPr lang="zh-CN" altLang="en-US" sz="1200">
-              <a:solidFill>
-                <a:schemeClr val="tx1"/>
-              </a:solidFill>
-            </a:endParaRPr>
-          </a:p>
-          <a:p>
-            <a:pPr algn="l"/>
-            <a:r>
-              <a:rPr lang="zh-CN" altLang="en-US" sz="1200">
-                <a:solidFill>
-                  <a:schemeClr val="tx1"/>
-                </a:solidFill>
-              </a:rPr>
-              <a:t>     * @throws Exception </a:t>
-            </a:r>
-            <a:endParaRPr lang="zh-CN" altLang="en-US" sz="1200">
-              <a:solidFill>
-                <a:schemeClr val="tx1"/>
-              </a:solidFill>
-            </a:endParaRPr>
-          </a:p>
-          <a:p>
-            <a:pPr algn="l"/>
-            <a:r>
-              <a:rPr lang="zh-CN" altLang="en-US" sz="1200">
-                <a:solidFill>
-                  <a:schemeClr val="tx1"/>
-                </a:solidFill>
-              </a:rPr>
-              <a:t>     */</a:t>
-            </a:r>
-            <a:endParaRPr lang="zh-CN" altLang="en-US" sz="1200">
-              <a:solidFill>
-                <a:schemeClr val="tx1"/>
-              </a:solidFill>
-            </a:endParaRPr>
-          </a:p>
-          <a:p>
-            <a:pPr algn="l"/>
-            <a:r>
-              <a:rPr lang="zh-CN" altLang="en-US" sz="1200">
-                <a:solidFill>
-                  <a:schemeClr val="tx1"/>
-                </a:solidFill>
-              </a:rPr>
-              <a:t>    private static String getLocalIp3 () throws Exception {</a:t>
-            </a:r>
-            <a:endParaRPr lang="zh-CN" altLang="en-US" sz="1200">
-              <a:solidFill>
-                <a:schemeClr val="tx1"/>
-              </a:solidFill>
-            </a:endParaRPr>
-          </a:p>
-          <a:p>
-            <a:pPr algn="l"/>
-            <a:r>
-              <a:rPr lang="zh-CN" altLang="en-US" sz="1200">
-                <a:solidFill>
-                  <a:schemeClr val="tx1"/>
-                </a:solidFill>
-              </a:rPr>
-              <a:t>        try {</a:t>
-            </a:r>
-            <a:endParaRPr lang="zh-CN" altLang="en-US" sz="1200">
-              <a:solidFill>
-                <a:schemeClr val="tx1"/>
-              </a:solidFill>
-            </a:endParaRPr>
-          </a:p>
-          <a:p>
-            <a:pPr algn="l"/>
-            <a:r>
-              <a:rPr lang="zh-CN" altLang="en-US" sz="1200">
-                <a:solidFill>
-                  <a:schemeClr val="tx1"/>
-                </a:solidFill>
-              </a:rPr>
-              <a:t>            return InetAddress.getLocalHost().getHostAddress();</a:t>
-            </a:r>
-            <a:endParaRPr lang="zh-CN" altLang="en-US" sz="1200">
-              <a:solidFill>
-                <a:schemeClr val="tx1"/>
-              </a:solidFill>
-            </a:endParaRPr>
-          </a:p>
-          <a:p>
-            <a:pPr algn="l"/>
-            <a:r>
-              <a:rPr lang="zh-CN" altLang="en-US" sz="1200">
-                <a:solidFill>
-                  <a:schemeClr val="tx1"/>
-                </a:solidFill>
-              </a:rPr>
-              <a:t>        } catch (UnknownHostException e) {</a:t>
-            </a:r>
-            <a:endParaRPr lang="zh-CN" altLang="en-US" sz="1200">
-              <a:solidFill>
-                <a:schemeClr val="tx1"/>
-              </a:solidFill>
-            </a:endParaRPr>
-          </a:p>
-          <a:p>
-            <a:pPr algn="l"/>
-            <a:r>
-              <a:rPr lang="zh-CN" altLang="en-US" sz="1200">
-                <a:solidFill>
-                  <a:schemeClr val="tx1"/>
-                </a:solidFill>
-              </a:rPr>
-              <a:t>            throw new Exception(e.getMessage());</a:t>
-            </a:r>
-            <a:endParaRPr lang="zh-CN" altLang="en-US" sz="1200">
-              <a:solidFill>
-                <a:schemeClr val="tx1"/>
-              </a:solidFill>
-            </a:endParaRPr>
-          </a:p>
-          <a:p>
-            <a:pPr algn="l"/>
-            <a:r>
-              <a:rPr lang="zh-CN" altLang="en-US" sz="1200">
-                <a:solidFill>
-                  <a:schemeClr val="tx1"/>
-                </a:solidFill>
-              </a:rPr>
-              <a:t>        }</a:t>
-            </a:r>
-            <a:endParaRPr lang="zh-CN" altLang="en-US" sz="1200">
-              <a:solidFill>
-                <a:schemeClr val="tx1"/>
-              </a:solidFill>
-            </a:endParaRPr>
-          </a:p>
-          <a:p>
-            <a:pPr algn="l"/>
-            <a:r>
-              <a:rPr lang="zh-CN" altLang="en-US" sz="1200">
-                <a:solidFill>
-                  <a:schemeClr val="tx1"/>
-                </a:solidFill>
-              </a:rPr>
-              <a:t>    }</a:t>
-            </a:r>
-            <a:endParaRPr lang="zh-CN" altLang="en-US" sz="1200">
-              <a:solidFill>
-                <a:schemeClr val="tx1"/>
-              </a:solidFill>
-            </a:endParaRPr>
-          </a:p>
-        </p:txBody>
-      </p:sp>
-      <p:sp>
-        <p:nvSpPr>
-          <p:cNvPr id="4" name="矩形 3"/>
-          <p:cNvSpPr/>
-          <p:nvPr/>
-        </p:nvSpPr>
-        <p:spPr>
-          <a:xfrm>
-            <a:off x="6122670" y="844550"/>
-            <a:ext cx="5745480" cy="4957445"/>
-          </a:xfrm>
-          <a:prstGeom prst="rect">
-            <a:avLst/>
-          </a:prstGeom>
-          <a:solidFill>
-            <a:schemeClr val="bg1"/>
-          </a:solidFill>
-          <a:ln w="28575">
-            <a:solidFill>
-              <a:srgbClr val="F59909"/>
-            </a:solidFill>
-          </a:ln>
-        </p:spPr>
-        <p:style>
-          <a:lnRef idx="2">
-            <a:schemeClr val="accent1">
-              <a:shade val="50000"/>
-            </a:schemeClr>
-          </a:lnRef>
-          <a:fillRef idx="1">
-            <a:schemeClr val="accent1"/>
-          </a:fillRef>
-          <a:effectRef idx="0">
-            <a:schemeClr val="accent1"/>
-          </a:effectRef>
-          <a:fontRef idx="minor">
-            <a:schemeClr val="lt1"/>
-          </a:fontRef>
-        </p:style>
-        <p:txBody>
-          <a:bodyPr rtlCol="0" anchor="ctr"/>
-          <a:p>
-            <a:pPr algn="l"/>
-            <a:r>
-              <a:rPr lang="zh-CN" altLang="en-US" sz="1200">
-                <a:solidFill>
-                  <a:schemeClr val="tx1"/>
-                </a:solidFill>
-              </a:rPr>
-              <a:t>    /**</a:t>
-            </a:r>
-            <a:endParaRPr lang="zh-CN" altLang="en-US" sz="1200">
-              <a:solidFill>
-                <a:schemeClr val="tx1"/>
-              </a:solidFill>
-            </a:endParaRPr>
-          </a:p>
-          <a:p>
-            <a:pPr algn="l"/>
-            <a:r>
-              <a:rPr lang="zh-CN" altLang="en-US" sz="1200">
-                <a:solidFill>
-                  <a:schemeClr val="tx1"/>
-                </a:solidFill>
-              </a:rPr>
-              <a:t>     * 抛出多个异常</a:t>
-            </a:r>
-            <a:endParaRPr lang="zh-CN" altLang="en-US" sz="1200">
-              <a:solidFill>
-                <a:schemeClr val="tx1"/>
-              </a:solidFill>
-            </a:endParaRPr>
-          </a:p>
-          <a:p>
-            <a:pPr algn="l"/>
-            <a:r>
-              <a:rPr lang="zh-CN" altLang="en-US" sz="1200">
-                <a:solidFill>
-                  <a:schemeClr val="tx1"/>
-                </a:solidFill>
-              </a:rPr>
-              <a:t>     * @throws UnknownHostException</a:t>
-            </a:r>
-            <a:endParaRPr lang="zh-CN" altLang="en-US" sz="1200">
-              <a:solidFill>
-                <a:schemeClr val="tx1"/>
-              </a:solidFill>
-            </a:endParaRPr>
-          </a:p>
-          <a:p>
-            <a:pPr algn="l"/>
-            <a:r>
-              <a:rPr lang="zh-CN" altLang="en-US" sz="1200">
-                <a:solidFill>
-                  <a:schemeClr val="tx1"/>
-                </a:solidFill>
-              </a:rPr>
-              <a:t>     * @throws Exception</a:t>
-            </a:r>
-            <a:endParaRPr lang="zh-CN" altLang="en-US" sz="1200">
-              <a:solidFill>
-                <a:schemeClr val="tx1"/>
-              </a:solidFill>
-            </a:endParaRPr>
-          </a:p>
-          <a:p>
-            <a:pPr algn="l"/>
-            <a:r>
-              <a:rPr lang="zh-CN" altLang="en-US" sz="1200">
-                <a:solidFill>
-                  <a:schemeClr val="tx1"/>
-                </a:solidFill>
-              </a:rPr>
-              <a:t>     */</a:t>
-            </a:r>
-            <a:endParaRPr lang="zh-CN" altLang="en-US" sz="1200">
-              <a:solidFill>
-                <a:schemeClr val="tx1"/>
-              </a:solidFill>
-            </a:endParaRPr>
-          </a:p>
-          <a:p>
-            <a:pPr algn="l"/>
-            <a:r>
-              <a:rPr lang="zh-CN" altLang="en-US" sz="1200">
-                <a:solidFill>
-                  <a:schemeClr val="tx1"/>
-                </a:solidFill>
-              </a:rPr>
-              <a:t>    @Test</a:t>
-            </a:r>
-            <a:endParaRPr lang="zh-CN" altLang="en-US" sz="1200">
-              <a:solidFill>
-                <a:schemeClr val="tx1"/>
-              </a:solidFill>
-            </a:endParaRPr>
-          </a:p>
-          <a:p>
-            <a:pPr algn="l"/>
-            <a:r>
-              <a:rPr lang="zh-CN" altLang="en-US" sz="1200">
-                <a:solidFill>
-                  <a:schemeClr val="tx1"/>
-                </a:solidFill>
-              </a:rPr>
-              <a:t>    public void testGetLocalIp () throws UnknownHostException, Exception {</a:t>
-            </a:r>
-            <a:endParaRPr lang="zh-CN" altLang="en-US" sz="1200">
-              <a:solidFill>
-                <a:schemeClr val="tx1"/>
-              </a:solidFill>
-            </a:endParaRPr>
-          </a:p>
-          <a:p>
-            <a:pPr algn="l"/>
-            <a:r>
-              <a:rPr lang="zh-CN" altLang="en-US" sz="1200">
-                <a:solidFill>
-                  <a:schemeClr val="tx1"/>
-                </a:solidFill>
-              </a:rPr>
-              <a:t>        System.out.println(getLocalIp());</a:t>
-            </a:r>
-            <a:endParaRPr lang="zh-CN" altLang="en-US" sz="1200">
-              <a:solidFill>
-                <a:schemeClr val="tx1"/>
-              </a:solidFill>
-            </a:endParaRPr>
-          </a:p>
-          <a:p>
-            <a:pPr algn="l"/>
-            <a:r>
-              <a:rPr lang="zh-CN" altLang="en-US" sz="1200">
-                <a:solidFill>
-                  <a:schemeClr val="tx1"/>
-                </a:solidFill>
-              </a:rPr>
-              <a:t>        System.out.println(getLocalIp2());</a:t>
-            </a:r>
-            <a:endParaRPr lang="zh-CN" altLang="en-US" sz="1200">
-              <a:solidFill>
-                <a:schemeClr val="tx1"/>
-              </a:solidFill>
-            </a:endParaRPr>
-          </a:p>
-          <a:p>
-            <a:pPr algn="l"/>
-            <a:r>
-              <a:rPr lang="zh-CN" altLang="en-US" sz="1200">
-                <a:solidFill>
-                  <a:schemeClr val="tx1"/>
-                </a:solidFill>
-              </a:rPr>
-              <a:t>        System.out.println(getLocalIp3());</a:t>
-            </a:r>
-            <a:endParaRPr lang="zh-CN" altLang="en-US" sz="1200">
-              <a:solidFill>
-                <a:schemeClr val="tx1"/>
-              </a:solidFill>
-            </a:endParaRPr>
-          </a:p>
-          <a:p>
-            <a:pPr algn="l"/>
-            <a:r>
-              <a:rPr lang="zh-CN" altLang="en-US" sz="1200">
-                <a:solidFill>
-                  <a:schemeClr val="tx1"/>
-                </a:solidFill>
-              </a:rPr>
-              <a:t>    }</a:t>
-            </a:r>
-            <a:endParaRPr lang="zh-CN" altLang="en-US" sz="1200">
-              <a:solidFill>
-                <a:schemeClr val="tx1"/>
-              </a:solidFill>
-            </a:endParaRPr>
-          </a:p>
-          <a:p>
-            <a:pPr algn="l"/>
-            <a:r>
-              <a:rPr lang="zh-CN" altLang="en-US" sz="1200">
-                <a:solidFill>
-                  <a:schemeClr val="tx1"/>
-                </a:solidFill>
-              </a:rPr>
-              <a:t>    </a:t>
-            </a:r>
-            <a:endParaRPr lang="zh-CN" altLang="en-US" sz="1200">
-              <a:solidFill>
-                <a:schemeClr val="tx1"/>
-              </a:solidFill>
-            </a:endParaRPr>
-          </a:p>
-          <a:p>
-            <a:pPr algn="l"/>
-            <a:r>
-              <a:rPr lang="zh-CN" altLang="en-US" sz="1200">
-                <a:solidFill>
-                  <a:schemeClr val="tx1"/>
-                </a:solidFill>
-              </a:rPr>
-              <a:t>    /**</a:t>
-            </a:r>
-            <a:endParaRPr lang="zh-CN" altLang="en-US" sz="1200">
-              <a:solidFill>
-                <a:schemeClr val="tx1"/>
-              </a:solidFill>
-            </a:endParaRPr>
-          </a:p>
-          <a:p>
-            <a:pPr algn="l"/>
-            <a:r>
-              <a:rPr lang="zh-CN" altLang="en-US" sz="1200">
-                <a:solidFill>
-                  <a:schemeClr val="tx1"/>
-                </a:solidFill>
-              </a:rPr>
-              <a:t>     * 抛出最大的异常</a:t>
-            </a:r>
-            <a:endParaRPr lang="zh-CN" altLang="en-US" sz="1200">
-              <a:solidFill>
-                <a:schemeClr val="tx1"/>
-              </a:solidFill>
-            </a:endParaRPr>
-          </a:p>
-          <a:p>
-            <a:pPr algn="l"/>
-            <a:r>
-              <a:rPr lang="zh-CN" altLang="en-US" sz="1200">
-                <a:solidFill>
-                  <a:schemeClr val="tx1"/>
-                </a:solidFill>
-              </a:rPr>
-              <a:t>     * @throws Exception</a:t>
-            </a:r>
-            <a:endParaRPr lang="zh-CN" altLang="en-US" sz="1200">
-              <a:solidFill>
-                <a:schemeClr val="tx1"/>
-              </a:solidFill>
-            </a:endParaRPr>
-          </a:p>
-          <a:p>
-            <a:pPr algn="l"/>
-            <a:r>
-              <a:rPr lang="zh-CN" altLang="en-US" sz="1200">
-                <a:solidFill>
-                  <a:schemeClr val="tx1"/>
-                </a:solidFill>
-              </a:rPr>
-              <a:t>     */</a:t>
-            </a:r>
-            <a:endParaRPr lang="zh-CN" altLang="en-US" sz="1200">
-              <a:solidFill>
-                <a:schemeClr val="tx1"/>
-              </a:solidFill>
-            </a:endParaRPr>
-          </a:p>
-          <a:p>
-            <a:pPr algn="l"/>
-            <a:r>
-              <a:rPr lang="zh-CN" altLang="en-US" sz="1200">
-                <a:solidFill>
-                  <a:schemeClr val="tx1"/>
-                </a:solidFill>
-              </a:rPr>
-              <a:t>    @Test</a:t>
-            </a:r>
-            <a:endParaRPr lang="zh-CN" altLang="en-US" sz="1200">
-              <a:solidFill>
-                <a:schemeClr val="tx1"/>
-              </a:solidFill>
-            </a:endParaRPr>
-          </a:p>
-          <a:p>
-            <a:pPr algn="l"/>
-            <a:r>
-              <a:rPr lang="zh-CN" altLang="en-US" sz="1200">
-                <a:solidFill>
-                  <a:schemeClr val="tx1"/>
-                </a:solidFill>
-              </a:rPr>
-              <a:t>    public void testGetLocalIp2 () throws Exception {</a:t>
-            </a:r>
-            <a:endParaRPr lang="zh-CN" altLang="en-US" sz="1200">
-              <a:solidFill>
-                <a:schemeClr val="tx1"/>
-              </a:solidFill>
-            </a:endParaRPr>
-          </a:p>
-          <a:p>
-            <a:pPr algn="l"/>
-            <a:r>
-              <a:rPr lang="zh-CN" altLang="en-US" sz="1200">
-                <a:solidFill>
-                  <a:schemeClr val="tx1"/>
-                </a:solidFill>
-              </a:rPr>
-              <a:t>        System.out.println(getLocalIp());</a:t>
-            </a:r>
-            <a:endParaRPr lang="zh-CN" altLang="en-US" sz="1200">
-              <a:solidFill>
-                <a:schemeClr val="tx1"/>
-              </a:solidFill>
-            </a:endParaRPr>
-          </a:p>
-          <a:p>
-            <a:pPr algn="l"/>
-            <a:r>
-              <a:rPr lang="zh-CN" altLang="en-US" sz="1200">
-                <a:solidFill>
-                  <a:schemeClr val="tx1"/>
-                </a:solidFill>
-              </a:rPr>
-              <a:t>        System.out.println(getLocalIp2());</a:t>
-            </a:r>
-            <a:endParaRPr lang="zh-CN" altLang="en-US" sz="1200">
-              <a:solidFill>
-                <a:schemeClr val="tx1"/>
-              </a:solidFill>
-            </a:endParaRPr>
-          </a:p>
-          <a:p>
-            <a:pPr algn="l"/>
-            <a:r>
-              <a:rPr lang="zh-CN" altLang="en-US" sz="1200">
-                <a:solidFill>
-                  <a:schemeClr val="tx1"/>
-                </a:solidFill>
-              </a:rPr>
-              <a:t>        System.out.println(getLocalIp3());</a:t>
-            </a:r>
-            <a:endParaRPr lang="zh-CN" altLang="en-US" sz="1200">
-              <a:solidFill>
-                <a:schemeClr val="tx1"/>
-              </a:solidFill>
-            </a:endParaRPr>
-          </a:p>
-          <a:p>
-            <a:pPr algn="l"/>
-            <a:r>
-              <a:rPr lang="zh-CN" altLang="en-US" sz="1200">
-                <a:solidFill>
-                  <a:schemeClr val="tx1"/>
-                </a:solidFill>
-              </a:rPr>
-              <a:t>    }</a:t>
-            </a:r>
-            <a:endParaRPr lang="zh-CN" altLang="en-US" sz="1200">
-              <a:solidFill>
-                <a:schemeClr val="tx1"/>
-              </a:solidFill>
-            </a:endParaRPr>
-          </a:p>
-        </p:txBody>
-      </p:sp>
-      <p:sp>
-        <p:nvSpPr>
-          <p:cNvPr id="8" name="矩形 7"/>
-          <p:cNvSpPr/>
-          <p:nvPr/>
-        </p:nvSpPr>
-        <p:spPr>
-          <a:xfrm>
-            <a:off x="2802890" y="5532120"/>
-            <a:ext cx="2895600" cy="456565"/>
-          </a:xfrm>
-          <a:prstGeom prst="rect">
-            <a:avLst/>
-          </a:prstGeom>
-          <a:solidFill>
-            <a:srgbClr val="F59909"/>
-          </a:solidFill>
-          <a:ln>
-            <a:solidFill>
-              <a:schemeClr val="bg1"/>
-            </a:solidFill>
-          </a:ln>
-        </p:spPr>
-        <p:style>
-          <a:lnRef idx="2">
-            <a:schemeClr val="accent1">
-              <a:shade val="50000"/>
-            </a:schemeClr>
-          </a:lnRef>
-          <a:fillRef idx="1">
-            <a:schemeClr val="accent1"/>
-          </a:fillRef>
-          <a:effectRef idx="0">
-            <a:schemeClr val="accent1"/>
-          </a:effectRef>
-          <a:fontRef idx="minor">
-            <a:schemeClr val="lt1"/>
-          </a:fontRef>
-        </p:style>
-        <p:txBody>
-          <a:bodyPr rtlCol="0" anchor="ctr"/>
-          <a:p>
-            <a:pPr algn="ctr"/>
-            <a:r>
-              <a:rPr lang="zh-CN"/>
-              <a:t>重新抛出异常</a:t>
-            </a:r>
-            <a:endParaRPr lang="zh-CN"/>
-          </a:p>
-        </p:txBody>
-      </p:sp>
-      <p:sp>
-        <p:nvSpPr>
-          <p:cNvPr id="9" name="矩形 8"/>
-          <p:cNvSpPr/>
-          <p:nvPr/>
-        </p:nvSpPr>
-        <p:spPr>
-          <a:xfrm>
-            <a:off x="9224645" y="5532120"/>
-            <a:ext cx="2431415" cy="456565"/>
-          </a:xfrm>
-          <a:prstGeom prst="rect">
-            <a:avLst/>
-          </a:prstGeom>
-          <a:solidFill>
-            <a:srgbClr val="F59909"/>
-          </a:solidFill>
-          <a:ln>
-            <a:solidFill>
-              <a:schemeClr val="bg1"/>
-            </a:solidFill>
-          </a:ln>
-        </p:spPr>
-        <p:style>
-          <a:lnRef idx="2">
-            <a:schemeClr val="accent1">
-              <a:shade val="50000"/>
-            </a:schemeClr>
-          </a:lnRef>
-          <a:fillRef idx="1">
-            <a:schemeClr val="accent1"/>
-          </a:fillRef>
-          <a:effectRef idx="0">
-            <a:schemeClr val="accent1"/>
-          </a:effectRef>
-          <a:fontRef idx="minor">
-            <a:schemeClr val="lt1"/>
-          </a:fontRef>
-        </p:style>
-        <p:txBody>
-          <a:bodyPr rtlCol="0" anchor="ctr"/>
-          <a:p>
-            <a:pPr algn="ctr"/>
-            <a:r>
-              <a:rPr lang="zh-CN" altLang="en-US"/>
-              <a:t>抛出最大异常</a:t>
-            </a:r>
-            <a:endParaRPr lang="zh-CN" altLang="en-US"/>
-          </a:p>
-        </p:txBody>
-      </p:sp>
-    </p:spTree>
-    <p:custDataLst>
-      <p:tags r:id="rId2"/>
-    </p:custDataLst>
-  </p:cSld>
-  <p:clrMapOvr>
-    <a:masterClrMapping/>
-  </p:clrMapOvr>
-</p:sld>
-</file>
-
-<file path=ppt/slides/slide27.xml><?xml version="1.0" encoding="utf-8"?>
 <p:sld xmlns:a="http://schemas.openxmlformats.org/drawingml/2006/main" xmlns:r="http://schemas.openxmlformats.org/officeDocument/2006/relationships" xmlns:p="http://schemas.openxmlformats.org/presentationml/2006/main">
   <p:cSld>
     <p:bg>
@@ -15667,7 +17292,7 @@
 </p:sld>
 </file>
 
-<file path=ppt/slides/slide28.xml><?xml version="1.0" encoding="utf-8"?>
+<file path=ppt/slides/slide27.xml><?xml version="1.0" encoding="utf-8"?>
 <p:sld xmlns:a="http://schemas.openxmlformats.org/drawingml/2006/main" xmlns:r="http://schemas.openxmlformats.org/officeDocument/2006/relationships" xmlns:p="http://schemas.openxmlformats.org/presentationml/2006/main">
   <p:cSld>
     <p:bg>
@@ -16778,6 +18403,84 @@
           </a:p>
         </p:txBody>
       </p:sp>
+      <p:sp>
+        <p:nvSpPr>
+          <p:cNvPr id="11" name="云形标注 10"/>
+          <p:cNvSpPr/>
+          <p:nvPr/>
+        </p:nvSpPr>
+        <p:spPr>
+          <a:xfrm>
+            <a:off x="9721215" y="473075"/>
+            <a:ext cx="2258695" cy="1302385"/>
+          </a:xfrm>
+          <a:prstGeom prst="cloudCallout">
+            <a:avLst>
+              <a:gd name="adj1" fmla="val -48256"/>
+              <a:gd name="adj2" fmla="val 91101"/>
+            </a:avLst>
+          </a:prstGeom>
+          <a:solidFill>
+            <a:srgbClr val="DBEEDF"/>
+          </a:solidFill>
+          <a:ln>
+            <a:solidFill>
+              <a:srgbClr val="DBEEDF"/>
+            </a:solidFill>
+          </a:ln>
+        </p:spPr>
+        <p:style>
+          <a:lnRef idx="2">
+            <a:schemeClr val="accent1">
+              <a:shade val="50000"/>
+            </a:schemeClr>
+          </a:lnRef>
+          <a:fillRef idx="1">
+            <a:schemeClr val="accent1"/>
+          </a:fillRef>
+          <a:effectRef idx="0">
+            <a:schemeClr val="accent1"/>
+          </a:effectRef>
+          <a:fontRef idx="minor">
+            <a:schemeClr val="lt1"/>
+          </a:fontRef>
+        </p:style>
+        <p:txBody>
+          <a:bodyPr rtlCol="0" anchor="ctr"/>
+          <a:p>
+            <a:pPr algn="ctr"/>
+            <a:r>
+              <a:rPr lang="zh-CN" altLang="en-US">
+                <a:solidFill>
+                  <a:srgbClr val="F7AF3F"/>
+                </a:solidFill>
+              </a:rPr>
+              <a:t>能力拓展</a:t>
+            </a:r>
+            <a:endParaRPr lang="zh-CN" altLang="en-US">
+              <a:solidFill>
+                <a:srgbClr val="F7AF3F"/>
+              </a:solidFill>
+            </a:endParaRPr>
+          </a:p>
+          <a:p>
+            <a:pPr algn="ctr"/>
+            <a:r>
+              <a:rPr lang="zh-CN" altLang="en-US">
+                <a:solidFill>
+                  <a:srgbClr val="F7AF3F"/>
+                </a:solidFill>
+              </a:rPr>
+              <a:t>（课后自学）</a:t>
+            </a:r>
+            <a:endParaRPr lang="zh-CN" altLang="en-US">
+              <a:solidFill>
+                <a:srgbClr val="F7AF3F"/>
+              </a:solidFill>
+            </a:endParaRPr>
+          </a:p>
+        </p:txBody>
+      </p:sp>
     </p:spTree>
     <p:custDataLst>
       <p:tags r:id="rId2"/>
@@ -16789,7 +18492,7 @@
 </p:sld>
 </file>
 
-<file path=ppt/slides/slide29.xml><?xml version="1.0" encoding="utf-8"?>
+<file path=ppt/slides/slide28.xml><?xml version="1.0" encoding="utf-8"?>
 <p:sld xmlns:a="http://schemas.openxmlformats.org/drawingml/2006/main" xmlns:r="http://schemas.openxmlformats.org/officeDocument/2006/relationships" xmlns:p="http://schemas.openxmlformats.org/presentationml/2006/main">
   <p:cSld>
     <p:bg>
@@ -16933,8 +18636,8 @@
         </p:nvSpPr>
         <p:spPr>
           <a:xfrm>
-            <a:off x="341630" y="1975485"/>
-            <a:ext cx="4991735" cy="368300"/>
+            <a:off x="2652395" y="1725295"/>
+            <a:ext cx="2606040" cy="368300"/>
           </a:xfrm>
           <a:prstGeom prst="rect">
             <a:avLst/>
@@ -16953,7 +18656,7 @@
                 <a:cs typeface="宋体" panose="02010600030101010101" pitchFamily="2" charset="-122"/>
                 <a:sym typeface="+mn-ea"/>
               </a:rPr>
-              <a:t>异常发生的原因有很多，通常包含以下几大类：</a:t>
+              <a:t>异常发生的原因有很多：</a:t>
             </a:r>
             <a:endParaRPr lang="en-US" altLang="zh-CN" b="1">
               <a:latin typeface="宋体" panose="02010600030101010101" pitchFamily="2" charset="-122"/>
@@ -16971,7 +18674,321 @@
         </p:nvSpPr>
         <p:spPr>
           <a:xfrm>
-            <a:off x="5890260" y="737235"/>
+            <a:off x="5762625" y="609600"/>
+            <a:ext cx="4961890" cy="2599055"/>
+          </a:xfrm>
+          <a:prstGeom prst="rect">
+            <a:avLst/>
+          </a:prstGeom>
+          <a:solidFill>
+            <a:schemeClr val="tx2"/>
+          </a:solidFill>
+        </p:spPr>
+        <p:style>
+          <a:lnRef idx="2">
+            <a:schemeClr val="accent1">
+              <a:shade val="50000"/>
+            </a:schemeClr>
+          </a:lnRef>
+          <a:fillRef idx="1">
+            <a:schemeClr val="accent1"/>
+          </a:fillRef>
+          <a:effectRef idx="0">
+            <a:schemeClr val="accent1"/>
+          </a:effectRef>
+          <a:fontRef idx="minor">
+            <a:schemeClr val="lt1"/>
+          </a:fontRef>
+        </p:style>
+        <p:txBody>
+          <a:bodyPr rtlCol="0" anchor="ctr"/>
+          <a:p>
+            <a:pPr algn="l"/>
+            <a:r>
+              <a:rPr lang="zh-CN" altLang="en-US" sz="1600">
+                <a:solidFill>
+                  <a:schemeClr val="tx1"/>
+                </a:solidFill>
+                <a:latin typeface="宋体" panose="02010600030101010101" pitchFamily="2" charset="-122"/>
+                <a:ea typeface="宋体" panose="02010600030101010101" pitchFamily="2" charset="-122"/>
+                <a:cs typeface="宋体" panose="02010600030101010101" pitchFamily="2" charset="-122"/>
+                <a:sym typeface="+mn-ea"/>
+              </a:rPr>
+              <a:t>内存不够用，导致虚拟机异常</a:t>
+            </a:r>
+            <a:endParaRPr lang="zh-CN" altLang="en-US" sz="1600">
+              <a:solidFill>
+                <a:schemeClr val="tx1"/>
+              </a:solidFill>
+              <a:latin typeface="宋体" panose="02010600030101010101" pitchFamily="2" charset="-122"/>
+              <a:ea typeface="宋体" panose="02010600030101010101" pitchFamily="2" charset="-122"/>
+              <a:cs typeface="宋体" panose="02010600030101010101" pitchFamily="2" charset="-122"/>
+              <a:sym typeface="+mn-ea"/>
+            </a:endParaRPr>
+          </a:p>
+          <a:p>
+            <a:pPr algn="l"/>
+            <a:r>
+              <a:rPr lang="zh-CN" altLang="en-US" sz="1600">
+                <a:solidFill>
+                  <a:schemeClr val="tx1"/>
+                </a:solidFill>
+                <a:latin typeface="宋体" panose="02010600030101010101" pitchFamily="2" charset="-122"/>
+                <a:ea typeface="宋体" panose="02010600030101010101" pitchFamily="2" charset="-122"/>
+                <a:cs typeface="宋体" panose="02010600030101010101" pitchFamily="2" charset="-122"/>
+                <a:sym typeface="+mn-ea"/>
+              </a:rPr>
+              <a:t>文件不存在，导致文件找不到异常</a:t>
+            </a:r>
+            <a:endParaRPr lang="zh-CN" altLang="en-US" sz="1600">
+              <a:solidFill>
+                <a:schemeClr val="tx1"/>
+              </a:solidFill>
+              <a:latin typeface="宋体" panose="02010600030101010101" pitchFamily="2" charset="-122"/>
+              <a:ea typeface="宋体" panose="02010600030101010101" pitchFamily="2" charset="-122"/>
+              <a:cs typeface="宋体" panose="02010600030101010101" pitchFamily="2" charset="-122"/>
+              <a:sym typeface="+mn-ea"/>
+            </a:endParaRPr>
+          </a:p>
+          <a:p>
+            <a:pPr algn="l"/>
+            <a:r>
+              <a:rPr lang="zh-CN" altLang="en-US" sz="1600">
+                <a:solidFill>
+                  <a:schemeClr val="tx1"/>
+                </a:solidFill>
+                <a:latin typeface="宋体" panose="02010600030101010101" pitchFamily="2" charset="-122"/>
+                <a:ea typeface="宋体" panose="02010600030101010101" pitchFamily="2" charset="-122"/>
+                <a:cs typeface="宋体" panose="02010600030101010101" pitchFamily="2" charset="-122"/>
+                <a:sym typeface="+mn-ea"/>
+              </a:rPr>
+              <a:t>除以 </a:t>
+            </a:r>
+            <a:r>
+              <a:rPr lang="en-US" altLang="zh-CN" sz="1600">
+                <a:solidFill>
+                  <a:schemeClr val="tx1"/>
+                </a:solidFill>
+                <a:latin typeface="宋体" panose="02010600030101010101" pitchFamily="2" charset="-122"/>
+                <a:ea typeface="宋体" panose="02010600030101010101" pitchFamily="2" charset="-122"/>
+                <a:cs typeface="宋体" panose="02010600030101010101" pitchFamily="2" charset="-122"/>
+                <a:sym typeface="+mn-ea"/>
+              </a:rPr>
+              <a:t>0</a:t>
+            </a:r>
+            <a:r>
+              <a:rPr lang="zh-CN" altLang="en-US" sz="1600">
+                <a:solidFill>
+                  <a:schemeClr val="tx1"/>
+                </a:solidFill>
+                <a:latin typeface="宋体" panose="02010600030101010101" pitchFamily="2" charset="-122"/>
+                <a:ea typeface="宋体" panose="02010600030101010101" pitchFamily="2" charset="-122"/>
+                <a:cs typeface="宋体" panose="02010600030101010101" pitchFamily="2" charset="-122"/>
+                <a:sym typeface="+mn-ea"/>
+              </a:rPr>
+              <a:t>，导致算术异常</a:t>
+            </a:r>
+            <a:endParaRPr lang="zh-CN" altLang="en-US" sz="1600">
+              <a:solidFill>
+                <a:schemeClr val="tx1"/>
+              </a:solidFill>
+              <a:latin typeface="宋体" panose="02010600030101010101" pitchFamily="2" charset="-122"/>
+              <a:ea typeface="宋体" panose="02010600030101010101" pitchFamily="2" charset="-122"/>
+              <a:cs typeface="宋体" panose="02010600030101010101" pitchFamily="2" charset="-122"/>
+              <a:sym typeface="+mn-ea"/>
+            </a:endParaRPr>
+          </a:p>
+          <a:p>
+            <a:pPr algn="l"/>
+            <a:r>
+              <a:rPr lang="zh-CN" altLang="en-US" sz="1600">
+                <a:solidFill>
+                  <a:schemeClr val="tx1"/>
+                </a:solidFill>
+                <a:latin typeface="宋体" panose="02010600030101010101" pitchFamily="2" charset="-122"/>
+                <a:ea typeface="宋体" panose="02010600030101010101" pitchFamily="2" charset="-122"/>
+                <a:cs typeface="宋体" panose="02010600030101010101" pitchFamily="2" charset="-122"/>
+                <a:sym typeface="+mn-ea"/>
+              </a:rPr>
+              <a:t>参数未做校验，导致空指针异常</a:t>
+            </a:r>
+            <a:endParaRPr lang="zh-CN" altLang="en-US" sz="1600">
+              <a:solidFill>
+                <a:schemeClr val="tx1"/>
+              </a:solidFill>
+              <a:latin typeface="宋体" panose="02010600030101010101" pitchFamily="2" charset="-122"/>
+              <a:ea typeface="宋体" panose="02010600030101010101" pitchFamily="2" charset="-122"/>
+              <a:cs typeface="宋体" panose="02010600030101010101" pitchFamily="2" charset="-122"/>
+              <a:sym typeface="+mn-ea"/>
+            </a:endParaRPr>
+          </a:p>
+          <a:p>
+            <a:pPr algn="l"/>
+            <a:r>
+              <a:rPr lang="zh-CN" altLang="en-US" sz="1600">
+                <a:solidFill>
+                  <a:schemeClr val="tx1"/>
+                </a:solidFill>
+                <a:latin typeface="宋体" panose="02010600030101010101" pitchFamily="2" charset="-122"/>
+                <a:ea typeface="宋体" panose="02010600030101010101" pitchFamily="2" charset="-122"/>
+                <a:cs typeface="宋体" panose="02010600030101010101" pitchFamily="2" charset="-122"/>
+                <a:sym typeface="+mn-ea"/>
+              </a:rPr>
+              <a:t>数组索引使用错误，导致数组下标越界异常</a:t>
+            </a:r>
+            <a:endParaRPr lang="zh-CN" altLang="en-US" sz="1600">
+              <a:solidFill>
+                <a:schemeClr val="tx1"/>
+              </a:solidFill>
+              <a:latin typeface="宋体" panose="02010600030101010101" pitchFamily="2" charset="-122"/>
+              <a:ea typeface="宋体" panose="02010600030101010101" pitchFamily="2" charset="-122"/>
+              <a:cs typeface="宋体" panose="02010600030101010101" pitchFamily="2" charset="-122"/>
+              <a:sym typeface="+mn-ea"/>
+            </a:endParaRPr>
+          </a:p>
+          <a:p>
+            <a:pPr algn="l"/>
+            <a:r>
+              <a:rPr lang="en-US" altLang="zh-CN" sz="1600">
+                <a:solidFill>
+                  <a:schemeClr val="tx1"/>
+                </a:solidFill>
+                <a:latin typeface="宋体" panose="02010600030101010101" pitchFamily="2" charset="-122"/>
+                <a:ea typeface="宋体" panose="02010600030101010101" pitchFamily="2" charset="-122"/>
+                <a:cs typeface="宋体" panose="02010600030101010101" pitchFamily="2" charset="-122"/>
+                <a:sym typeface="+mn-ea"/>
+              </a:rPr>
+              <a:t>sql</a:t>
+            </a:r>
+            <a:r>
+              <a:rPr lang="zh-CN" altLang="en-US" sz="1600">
+                <a:solidFill>
+                  <a:schemeClr val="tx1"/>
+                </a:solidFill>
+                <a:latin typeface="宋体" panose="02010600030101010101" pitchFamily="2" charset="-122"/>
+                <a:ea typeface="宋体" panose="02010600030101010101" pitchFamily="2" charset="-122"/>
+                <a:cs typeface="宋体" panose="02010600030101010101" pitchFamily="2" charset="-122"/>
+                <a:sym typeface="+mn-ea"/>
+              </a:rPr>
+              <a:t>语句错误，导致</a:t>
+            </a:r>
+            <a:r>
+              <a:rPr lang="en-US" altLang="zh-CN" sz="1600">
+                <a:solidFill>
+                  <a:schemeClr val="tx1"/>
+                </a:solidFill>
+                <a:latin typeface="宋体" panose="02010600030101010101" pitchFamily="2" charset="-122"/>
+                <a:ea typeface="宋体" panose="02010600030101010101" pitchFamily="2" charset="-122"/>
+                <a:cs typeface="宋体" panose="02010600030101010101" pitchFamily="2" charset="-122"/>
+                <a:sym typeface="+mn-ea"/>
+              </a:rPr>
+              <a:t>sql</a:t>
+            </a:r>
+            <a:r>
+              <a:rPr lang="zh-CN" altLang="en-US" sz="1600">
+                <a:solidFill>
+                  <a:schemeClr val="tx1"/>
+                </a:solidFill>
+                <a:latin typeface="宋体" panose="02010600030101010101" pitchFamily="2" charset="-122"/>
+                <a:ea typeface="宋体" panose="02010600030101010101" pitchFamily="2" charset="-122"/>
+                <a:cs typeface="宋体" panose="02010600030101010101" pitchFamily="2" charset="-122"/>
+                <a:sym typeface="+mn-ea"/>
+              </a:rPr>
+              <a:t>异常</a:t>
+            </a:r>
+            <a:endParaRPr lang="zh-CN" altLang="en-US" sz="1600">
+              <a:solidFill>
+                <a:schemeClr val="tx1"/>
+              </a:solidFill>
+              <a:latin typeface="宋体" panose="02010600030101010101" pitchFamily="2" charset="-122"/>
+              <a:ea typeface="宋体" panose="02010600030101010101" pitchFamily="2" charset="-122"/>
+              <a:cs typeface="宋体" panose="02010600030101010101" pitchFamily="2" charset="-122"/>
+              <a:sym typeface="+mn-ea"/>
+            </a:endParaRPr>
+          </a:p>
+          <a:p>
+            <a:pPr algn="l"/>
+            <a:r>
+              <a:rPr lang="zh-CN" altLang="en-US" sz="1600">
+                <a:solidFill>
+                  <a:schemeClr val="tx1"/>
+                </a:solidFill>
+                <a:latin typeface="宋体" panose="02010600030101010101" pitchFamily="2" charset="-122"/>
+                <a:ea typeface="宋体" panose="02010600030101010101" pitchFamily="2" charset="-122"/>
+                <a:cs typeface="宋体" panose="02010600030101010101" pitchFamily="2" charset="-122"/>
+                <a:sym typeface="+mn-ea"/>
+              </a:rPr>
+              <a:t>断网了，导致网络连接异常</a:t>
+            </a:r>
+            <a:endParaRPr lang="zh-CN" altLang="en-US" sz="1600">
+              <a:solidFill>
+                <a:schemeClr val="tx1"/>
+              </a:solidFill>
+              <a:latin typeface="宋体" panose="02010600030101010101" pitchFamily="2" charset="-122"/>
+              <a:ea typeface="宋体" panose="02010600030101010101" pitchFamily="2" charset="-122"/>
+              <a:cs typeface="宋体" panose="02010600030101010101" pitchFamily="2" charset="-122"/>
+              <a:sym typeface="+mn-ea"/>
+            </a:endParaRPr>
+          </a:p>
+          <a:p>
+            <a:pPr algn="l"/>
+            <a:r>
+              <a:rPr lang="zh-CN" altLang="en-US" sz="1600">
+                <a:solidFill>
+                  <a:schemeClr val="tx1"/>
+                </a:solidFill>
+                <a:latin typeface="宋体" panose="02010600030101010101" pitchFamily="2" charset="-122"/>
+                <a:ea typeface="宋体" panose="02010600030101010101" pitchFamily="2" charset="-122"/>
+                <a:cs typeface="宋体" panose="02010600030101010101" pitchFamily="2" charset="-122"/>
+                <a:sym typeface="+mn-ea"/>
+              </a:rPr>
+              <a:t>日期字符串格式不正确，导致日期解析异常</a:t>
+            </a:r>
+            <a:endParaRPr lang="zh-CN" altLang="en-US" sz="1600">
+              <a:solidFill>
+                <a:schemeClr val="tx1"/>
+              </a:solidFill>
+              <a:latin typeface="宋体" panose="02010600030101010101" pitchFamily="2" charset="-122"/>
+              <a:ea typeface="宋体" panose="02010600030101010101" pitchFamily="2" charset="-122"/>
+              <a:cs typeface="宋体" panose="02010600030101010101" pitchFamily="2" charset="-122"/>
+              <a:sym typeface="+mn-ea"/>
+            </a:endParaRPr>
+          </a:p>
+          <a:p>
+            <a:pPr algn="l"/>
+            <a:r>
+              <a:rPr lang="en-US" altLang="zh-CN" sz="1600">
+                <a:solidFill>
+                  <a:schemeClr val="tx1"/>
+                </a:solidFill>
+                <a:latin typeface="宋体" panose="02010600030101010101" pitchFamily="2" charset="-122"/>
+                <a:ea typeface="宋体" panose="02010600030101010101" pitchFamily="2" charset="-122"/>
+                <a:cs typeface="宋体" panose="02010600030101010101" pitchFamily="2" charset="-122"/>
+                <a:sym typeface="+mn-ea"/>
+              </a:rPr>
+              <a:t>......</a:t>
+            </a:r>
+            <a:endParaRPr lang="en-US" altLang="zh-CN" sz="1600">
+              <a:solidFill>
+                <a:schemeClr val="tx1"/>
+              </a:solidFill>
+              <a:latin typeface="宋体" panose="02010600030101010101" pitchFamily="2" charset="-122"/>
+              <a:ea typeface="宋体" panose="02010600030101010101" pitchFamily="2" charset="-122"/>
+              <a:cs typeface="宋体" panose="02010600030101010101" pitchFamily="2" charset="-122"/>
+              <a:sym typeface="+mn-ea"/>
+            </a:endParaRPr>
+          </a:p>
+        </p:txBody>
+      </p:sp>
+      <p:sp>
+        <p:nvSpPr>
+          <p:cNvPr id="7" name="矩形 6"/>
+          <p:cNvSpPr/>
+          <p:nvPr/>
+        </p:nvSpPr>
+        <p:spPr>
+          <a:xfrm>
+            <a:off x="296545" y="1093470"/>
             <a:ext cx="4961890" cy="586740"/>
           </a:xfrm>
           <a:prstGeom prst="rect">
@@ -17002,67 +19019,17 @@
           <a:p>
             <a:pPr algn="l"/>
             <a:r>
-              <a:rPr lang="en-US" altLang="zh-CN" sz="1600">
-                <a:solidFill>
-                  <a:schemeClr val="tx1"/>
+              <a:rPr lang="en-US" altLang="zh-CN" sz="1600" b="1">
+                <a:solidFill>
+                  <a:srgbClr val="FF0000"/>
                 </a:solidFill>
                 <a:latin typeface="宋体" panose="02010600030101010101" pitchFamily="2" charset="-122"/>
                 <a:ea typeface="宋体" panose="02010600030101010101" pitchFamily="2" charset="-122"/>
                 <a:cs typeface="宋体" panose="02010600030101010101" pitchFamily="2" charset="-122"/>
                 <a:sym typeface="+mn-ea"/>
               </a:rPr>
-              <a:t>Java 内部错误发生异常，Java 虚拟机产生的异常。</a:t>
-            </a:r>
-            <a:endParaRPr lang="en-US" altLang="zh-CN" sz="1600">
-              <a:solidFill>
-                <a:schemeClr val="tx1"/>
-              </a:solidFill>
-              <a:latin typeface="宋体" panose="02010600030101010101" pitchFamily="2" charset="-122"/>
-              <a:ea typeface="宋体" panose="02010600030101010101" pitchFamily="2" charset="-122"/>
-              <a:cs typeface="宋体" panose="02010600030101010101" pitchFamily="2" charset="-122"/>
-              <a:sym typeface="+mn-ea"/>
-            </a:endParaRPr>
-          </a:p>
-        </p:txBody>
-      </p:sp>
-      <p:sp>
-        <p:nvSpPr>
-          <p:cNvPr id="2" name="矩形 1"/>
-          <p:cNvSpPr/>
-          <p:nvPr/>
-        </p:nvSpPr>
-        <p:spPr>
-          <a:xfrm>
-            <a:off x="5890260" y="1557020"/>
-            <a:ext cx="4961890" cy="786765"/>
-          </a:xfrm>
-          <a:prstGeom prst="rect">
-            <a:avLst/>
-          </a:prstGeom>
-          <a:solidFill>
-            <a:schemeClr val="tx2"/>
-          </a:solidFill>
-        </p:spPr>
-        <p:style>
-          <a:lnRef idx="2">
-            <a:schemeClr val="accent1">
-              <a:shade val="50000"/>
-            </a:schemeClr>
-          </a:lnRef>
-          <a:fillRef idx="1">
-            <a:schemeClr val="accent1"/>
-          </a:fillRef>
-          <a:effectRef idx="0">
-            <a:schemeClr val="accent1"/>
-          </a:effectRef>
-          <a:fontRef idx="minor">
-            <a:schemeClr val="lt1"/>
-          </a:fontRef>
-        </p:style>
-        <p:txBody>
-          <a:bodyPr rtlCol="0" anchor="ctr"/>
-          <a:p>
-            <a:pPr algn="l"/>
+              <a:t>结构不佳的代码不能运行</a:t>
+            </a:r>
             <a:r>
               <a:rPr lang="en-US" altLang="zh-CN" sz="1600">
                 <a:solidFill>
@@ -17073,131 +19040,7 @@
                 <a:cs typeface="宋体" panose="02010600030101010101" pitchFamily="2" charset="-122"/>
                 <a:sym typeface="+mn-ea"/>
               </a:rPr>
-              <a:t>编写的程序代码中的错误所产生的异常，例如空指针异常、数组越界异常等。这种异常称为未检査的异常，一般需要在某些类中集中处理这些异常。</a:t>
-            </a:r>
-            <a:endParaRPr lang="en-US" altLang="zh-CN" sz="1600">
-              <a:solidFill>
-                <a:schemeClr val="tx1"/>
-              </a:solidFill>
-              <a:latin typeface="宋体" panose="02010600030101010101" pitchFamily="2" charset="-122"/>
-              <a:ea typeface="宋体" panose="02010600030101010101" pitchFamily="2" charset="-122"/>
-              <a:cs typeface="宋体" panose="02010600030101010101" pitchFamily="2" charset="-122"/>
-              <a:sym typeface="+mn-ea"/>
-            </a:endParaRPr>
-          </a:p>
-        </p:txBody>
-      </p:sp>
-      <p:sp>
-        <p:nvSpPr>
-          <p:cNvPr id="5" name="矩形 4"/>
-          <p:cNvSpPr/>
-          <p:nvPr/>
-        </p:nvSpPr>
-        <p:spPr>
-          <a:xfrm>
-            <a:off x="5890260" y="2577465"/>
-            <a:ext cx="4961890" cy="895350"/>
-          </a:xfrm>
-          <a:prstGeom prst="rect">
-            <a:avLst/>
-          </a:prstGeom>
-          <a:solidFill>
-            <a:schemeClr val="tx2"/>
-          </a:solidFill>
-        </p:spPr>
-        <p:style>
-          <a:lnRef idx="2">
-            <a:schemeClr val="accent1">
-              <a:shade val="50000"/>
-            </a:schemeClr>
-          </a:lnRef>
-          <a:fillRef idx="1">
-            <a:schemeClr val="accent1"/>
-          </a:fillRef>
-          <a:effectRef idx="0">
-            <a:schemeClr val="accent1"/>
-          </a:effectRef>
-          <a:fontRef idx="minor">
-            <a:schemeClr val="lt1"/>
-          </a:fontRef>
-        </p:style>
-        <p:txBody>
-          <a:bodyPr rtlCol="0" anchor="ctr"/>
-          <a:p>
-            <a:pPr algn="l"/>
-            <a:r>
-              <a:rPr lang="en-US" altLang="zh-CN" sz="1600">
-                <a:solidFill>
-                  <a:schemeClr val="tx1"/>
-                </a:solidFill>
-                <a:latin typeface="宋体" panose="02010600030101010101" pitchFamily="2" charset="-122"/>
-                <a:ea typeface="宋体" panose="02010600030101010101" pitchFamily="2" charset="-122"/>
-                <a:cs typeface="宋体" panose="02010600030101010101" pitchFamily="2" charset="-122"/>
-                <a:sym typeface="+mn-ea"/>
-              </a:rPr>
-              <a:t>通过 throw 语句手动生成的异常，这种异常称为检査的异常，一般用来告知该方法的调用者一些必要的信息。</a:t>
-            </a:r>
-            <a:endParaRPr lang="en-US" altLang="zh-CN" sz="1600">
-              <a:solidFill>
-                <a:schemeClr val="tx1"/>
-              </a:solidFill>
-              <a:latin typeface="宋体" panose="02010600030101010101" pitchFamily="2" charset="-122"/>
-              <a:ea typeface="宋体" panose="02010600030101010101" pitchFamily="2" charset="-122"/>
-              <a:cs typeface="宋体" panose="02010600030101010101" pitchFamily="2" charset="-122"/>
-              <a:sym typeface="+mn-ea"/>
-            </a:endParaRPr>
-          </a:p>
-        </p:txBody>
-      </p:sp>
-      <p:sp>
-        <p:nvSpPr>
-          <p:cNvPr id="7" name="矩形 6"/>
-          <p:cNvSpPr/>
-          <p:nvPr/>
-        </p:nvSpPr>
-        <p:spPr>
-          <a:xfrm>
-            <a:off x="341630" y="2432050"/>
-            <a:ext cx="4961890" cy="586740"/>
-          </a:xfrm>
-          <a:prstGeom prst="rect">
-            <a:avLst/>
-          </a:prstGeom>
-          <a:solidFill>
-            <a:schemeClr val="tx2"/>
-          </a:solidFill>
-        </p:spPr>
-        <p:style>
-          <a:lnRef idx="2">
-            <a:schemeClr val="accent1">
-              <a:shade val="50000"/>
-            </a:schemeClr>
-          </a:lnRef>
-          <a:fillRef idx="1">
-            <a:schemeClr val="accent1"/>
-          </a:fillRef>
-          <a:effectRef idx="0">
-            <a:schemeClr val="accent1"/>
-          </a:effectRef>
-          <a:fontRef idx="minor">
-            <a:schemeClr val="lt1"/>
-          </a:fontRef>
-        </p:style>
-        <p:txBody>
-          <a:bodyPr rtlCol="0" anchor="ctr"/>
-          <a:p>
-            <a:pPr algn="l"/>
-            <a:r>
-              <a:rPr lang="en-US" altLang="zh-CN" sz="1600">
-                <a:solidFill>
-                  <a:schemeClr val="tx1"/>
-                </a:solidFill>
-                <a:latin typeface="宋体" panose="02010600030101010101" pitchFamily="2" charset="-122"/>
-                <a:ea typeface="宋体" panose="02010600030101010101" pitchFamily="2" charset="-122"/>
-                <a:cs typeface="宋体" panose="02010600030101010101" pitchFamily="2" charset="-122"/>
-                <a:sym typeface="+mn-ea"/>
-              </a:rPr>
-              <a:t>结构不佳的代码不能运行，这是Java的基本理念。</a:t>
+              <a:t>，这是Java的基本理念。</a:t>
             </a:r>
             <a:endParaRPr lang="en-US" altLang="zh-CN" sz="1600">
               <a:solidFill>
@@ -17219,7 +19062,7 @@
         </p:nvSpPr>
         <p:spPr>
           <a:xfrm>
-            <a:off x="341630" y="3179445"/>
+            <a:off x="296545" y="2093595"/>
             <a:ext cx="4961890" cy="915035"/>
           </a:xfrm>
           <a:prstGeom prst="rect">
@@ -17261,7 +19104,7 @@
               </a:rPr>
               <a:t>发现错误的理想时机是在编译期。然而，编译器并不能发现所有的错误，余下的问题就需要在程序运行时解决。</a:t>
             </a:r>
-            <a:endParaRPr lang="en-US" altLang="zh-CN" sz="1600">
+            <a:endParaRPr lang="zh-CN" altLang="en-US" sz="1600">
               <a:solidFill>
                 <a:schemeClr val="tx1"/>
               </a:solidFill>
@@ -17281,8 +19124,8 @@
         </p:nvSpPr>
         <p:spPr>
           <a:xfrm>
-            <a:off x="5422900" y="737235"/>
-            <a:ext cx="218440" cy="2735580"/>
+            <a:off x="5422900" y="609600"/>
+            <a:ext cx="218440" cy="2599690"/>
           </a:xfrm>
           <a:prstGeom prst="leftBrace">
             <a:avLst/>
@@ -17331,7 +19174,7 @@
         </p:blipFill>
         <p:spPr>
           <a:xfrm>
-            <a:off x="4403725" y="4227830"/>
+            <a:off x="4404360" y="3416300"/>
             <a:ext cx="4195445" cy="1904365"/>
           </a:xfrm>
           <a:prstGeom prst="rect">
@@ -17347,7 +19190,7 @@
         </p:nvSpPr>
         <p:spPr>
           <a:xfrm>
-            <a:off x="295910" y="4544060"/>
+            <a:off x="296545" y="3732530"/>
             <a:ext cx="3333115" cy="456565"/>
           </a:xfrm>
           <a:prstGeom prst="rect">
@@ -17410,7 +19253,7 @@
         </p:nvSpPr>
         <p:spPr>
           <a:xfrm>
-            <a:off x="296545" y="5117465"/>
+            <a:off x="297180" y="4305935"/>
             <a:ext cx="3333115" cy="456565"/>
           </a:xfrm>
           <a:prstGeom prst="rect">
@@ -17473,7 +19316,7 @@
         </p:nvSpPr>
         <p:spPr>
           <a:xfrm>
-            <a:off x="295910" y="5700395"/>
+            <a:off x="296545" y="4888865"/>
             <a:ext cx="3333115" cy="456565"/>
           </a:xfrm>
           <a:prstGeom prst="rect">
@@ -17536,7 +19379,7 @@
         </p:nvSpPr>
         <p:spPr>
           <a:xfrm flipH="1">
-            <a:off x="3866515" y="4602480"/>
+            <a:off x="3867150" y="3790950"/>
             <a:ext cx="408940" cy="1485265"/>
           </a:xfrm>
           <a:prstGeom prst="leftBrace">
@@ -17578,7 +19421,7 @@
         </p:nvSpPr>
         <p:spPr>
           <a:xfrm>
-            <a:off x="9384665" y="5099685"/>
+            <a:off x="9385300" y="4288155"/>
             <a:ext cx="2067560" cy="456565"/>
           </a:xfrm>
           <a:prstGeom prst="rect">
@@ -17629,7 +19472,7 @@
         </p:nvSpPr>
         <p:spPr>
           <a:xfrm flipH="1">
-            <a:off x="8766810" y="4603115"/>
+            <a:off x="8767445" y="3791585"/>
             <a:ext cx="408940" cy="1485265"/>
           </a:xfrm>
           <a:prstGeom prst="leftBrace">
@@ -17671,7 +19514,7 @@
         </p:nvSpPr>
         <p:spPr>
           <a:xfrm>
-            <a:off x="9384665" y="4526915"/>
+            <a:off x="9385300" y="3715385"/>
             <a:ext cx="2067560" cy="456565"/>
           </a:xfrm>
           <a:prstGeom prst="rect">
@@ -17730,7 +19573,7 @@
         </p:nvSpPr>
         <p:spPr>
           <a:xfrm>
-            <a:off x="9384665" y="5683250"/>
+            <a:off x="9385300" y="4871720"/>
             <a:ext cx="2067560" cy="456565"/>
           </a:xfrm>
           <a:prstGeom prst="rect">
@@ -17781,7 +19624,7 @@
         </p:nvSpPr>
         <p:spPr>
           <a:xfrm>
-            <a:off x="6223635" y="6292850"/>
+            <a:off x="5219700" y="5374640"/>
             <a:ext cx="1139190" cy="456565"/>
           </a:xfrm>
           <a:prstGeom prst="rect">
@@ -17832,7 +19675,7 @@
         </p:nvSpPr>
         <p:spPr>
           <a:xfrm>
-            <a:off x="7536180" y="6292850"/>
+            <a:off x="6415405" y="5374640"/>
             <a:ext cx="1019810" cy="456565"/>
           </a:xfrm>
           <a:prstGeom prst="rect">
@@ -17883,7 +19726,7 @@
         </p:nvSpPr>
         <p:spPr>
           <a:xfrm>
-            <a:off x="4688840" y="6292850"/>
+            <a:off x="3813175" y="5374640"/>
             <a:ext cx="1356360" cy="456565"/>
           </a:xfrm>
           <a:prstGeom prst="rect">
@@ -17921,6 +19764,135 @@
             <a:r>
               <a:rPr lang="zh-CN"/>
               <a:t>程序不稳定</a:t>
+            </a:r>
+            <a:endParaRPr lang="zh-CN"/>
+          </a:p>
+        </p:txBody>
+      </p:sp>
+      <p:sp>
+        <p:nvSpPr>
+          <p:cNvPr id="9" name="矩形 8"/>
+          <p:cNvSpPr/>
+          <p:nvPr/>
+        </p:nvSpPr>
+        <p:spPr>
+          <a:xfrm>
+            <a:off x="9385300" y="5696585"/>
+            <a:ext cx="2357120" cy="366395"/>
+          </a:xfrm>
+          <a:prstGeom prst="rect">
+            <a:avLst/>
+          </a:prstGeom>
+          <a:solidFill>
+            <a:schemeClr val="bg1">
+              <a:lumMod val="50000"/>
+            </a:schemeClr>
+          </a:solidFill>
+          <a:ln>
+            <a:solidFill>
+              <a:schemeClr val="bg1"/>
+            </a:solidFill>
+          </a:ln>
+        </p:spPr>
+        <p:style>
+          <a:lnRef idx="2">
+            <a:schemeClr val="accent1">
+              <a:shade val="50000"/>
+            </a:schemeClr>
+          </a:lnRef>
+          <a:fillRef idx="1">
+            <a:schemeClr val="accent1"/>
+          </a:fillRef>
+          <a:effectRef idx="0">
+            <a:schemeClr val="accent1"/>
+          </a:effectRef>
+          <a:fontRef idx="minor">
+            <a:schemeClr val="lt1"/>
+          </a:fontRef>
+        </p:style>
+        <p:txBody>
+          <a:bodyPr rtlCol="0" anchor="ctr"/>
+          <a:p>
+            <a:pPr algn="ctr"/>
+            <a:r>
+              <a:rPr lang="zh-CN" altLang="en-US" sz="1200">
+                <a:solidFill>
+                  <a:schemeClr val="bg1"/>
+                </a:solidFill>
+                <a:latin typeface="+mn-ea"/>
+                <a:cs typeface="+mn-ea"/>
+                <a:sym typeface="+mn-ea"/>
+              </a:rPr>
+              <a:t>最高追求把异常扼杀在摇篮中</a:t>
+            </a:r>
+            <a:r>
+              <a:rPr lang="en-US" altLang="zh-CN" sz="1200">
+                <a:solidFill>
+                  <a:schemeClr val="bg1"/>
+                </a:solidFill>
+                <a:latin typeface="+mn-ea"/>
+                <a:cs typeface="+mn-ea"/>
+                <a:sym typeface="+mn-ea"/>
+              </a:rPr>
+              <a:t>...</a:t>
+            </a:r>
+            <a:endParaRPr lang="en-US" altLang="zh-CN" sz="1200">
+              <a:solidFill>
+                <a:schemeClr val="bg1"/>
+              </a:solidFill>
+              <a:latin typeface="+mn-ea"/>
+              <a:cs typeface="+mn-ea"/>
+              <a:sym typeface="+mn-ea"/>
+            </a:endParaRPr>
+          </a:p>
+        </p:txBody>
+      </p:sp>
+      <p:sp>
+        <p:nvSpPr>
+          <p:cNvPr id="23" name="矩形 22"/>
+          <p:cNvSpPr/>
+          <p:nvPr/>
+        </p:nvSpPr>
+        <p:spPr>
+          <a:xfrm>
+            <a:off x="7499350" y="5374640"/>
+            <a:ext cx="1559560" cy="456565"/>
+          </a:xfrm>
+          <a:prstGeom prst="rect">
+            <a:avLst/>
+          </a:prstGeom>
+          <a:solidFill>
+            <a:srgbClr val="F59909"/>
+          </a:solidFill>
+          <a:ln>
+            <a:solidFill>
+              <a:schemeClr val="bg1"/>
+            </a:solidFill>
+          </a:ln>
+        </p:spPr>
+        <p:style>
+          <a:lnRef idx="2">
+            <a:schemeClr val="accent1">
+              <a:shade val="50000"/>
+            </a:schemeClr>
+          </a:lnRef>
+          <a:fillRef idx="1">
+            <a:schemeClr val="accent1"/>
+          </a:fillRef>
+          <a:effectRef idx="0">
+            <a:schemeClr val="accent1"/>
+          </a:effectRef>
+          <a:fontRef idx="minor">
+            <a:schemeClr val="lt1"/>
+          </a:fontRef>
+        </p:style>
+        <p:txBody>
+          <a:bodyPr rtlCol="0" anchor="ctr"/>
+          <a:p>
+            <a:pPr algn="ctr"/>
+            <a:r>
+              <a:rPr lang="zh-CN"/>
+              <a:t>影响职业发展</a:t>
             </a:r>
             <a:endParaRPr lang="zh-CN"/>
           </a:p>
@@ -19482,248 +21454,6 @@
               <a:cs typeface="宋体" panose="02010600030101010101" pitchFamily="2" charset="-122"/>
               <a:sym typeface="+mn-ea"/>
             </a:endParaRPr>
-          </a:p>
-        </p:txBody>
-      </p:sp>
-      <p:sp>
-        <p:nvSpPr>
-          <p:cNvPr id="22" name="矩形 21"/>
-          <p:cNvSpPr/>
-          <p:nvPr/>
-        </p:nvSpPr>
-        <p:spPr>
-          <a:xfrm>
-            <a:off x="530860" y="4286250"/>
-            <a:ext cx="2949575" cy="456565"/>
-          </a:xfrm>
-          <a:prstGeom prst="rect">
-            <a:avLst/>
-          </a:prstGeom>
-          <a:solidFill>
-            <a:srgbClr val="F59909"/>
-          </a:solidFill>
-          <a:ln>
-            <a:solidFill>
-              <a:schemeClr val="bg1"/>
-            </a:solidFill>
-          </a:ln>
-        </p:spPr>
-        <p:style>
-          <a:lnRef idx="2">
-            <a:schemeClr val="accent1">
-              <a:shade val="50000"/>
-            </a:schemeClr>
-          </a:lnRef>
-          <a:fillRef idx="1">
-            <a:schemeClr val="accent1"/>
-          </a:fillRef>
-          <a:effectRef idx="0">
-            <a:schemeClr val="accent1"/>
-          </a:effectRef>
-          <a:fontRef idx="minor">
-            <a:schemeClr val="lt1"/>
-          </a:fontRef>
-        </p:style>
-        <p:txBody>
-          <a:bodyPr rtlCol="0" anchor="ctr"/>
-          <a:p>
-            <a:pPr algn="ctr"/>
-            <a:r>
-              <a:rPr lang="en-US" altLang="zh-CN" b="1">
-                <a:solidFill>
-                  <a:schemeClr val="bg1"/>
-                </a:solidFill>
-                <a:latin typeface="宋体" panose="02010600030101010101" pitchFamily="2" charset="-122"/>
-                <a:ea typeface="宋体" panose="02010600030101010101" pitchFamily="2" charset="-122"/>
-                <a:cs typeface="宋体" panose="02010600030101010101" pitchFamily="2" charset="-122"/>
-                <a:sym typeface="+mn-ea"/>
-              </a:rPr>
-              <a:t>异常能被程序本身可以处理</a:t>
-            </a:r>
-            <a:endParaRPr lang="en-US" altLang="zh-CN" b="1">
-              <a:solidFill>
-                <a:schemeClr val="bg1"/>
-              </a:solidFill>
-              <a:latin typeface="宋体" panose="02010600030101010101" pitchFamily="2" charset="-122"/>
-              <a:ea typeface="宋体" panose="02010600030101010101" pitchFamily="2" charset="-122"/>
-              <a:cs typeface="宋体" panose="02010600030101010101" pitchFamily="2" charset="-122"/>
-              <a:sym typeface="+mn-ea"/>
-            </a:endParaRPr>
-          </a:p>
-        </p:txBody>
-      </p:sp>
-      <p:sp>
-        <p:nvSpPr>
-          <p:cNvPr id="2" name="矩形 1"/>
-          <p:cNvSpPr/>
-          <p:nvPr/>
-        </p:nvSpPr>
-        <p:spPr>
-          <a:xfrm>
-            <a:off x="530860" y="5087620"/>
-            <a:ext cx="2949575" cy="456565"/>
-          </a:xfrm>
-          <a:prstGeom prst="rect">
-            <a:avLst/>
-          </a:prstGeom>
-          <a:solidFill>
-            <a:srgbClr val="F59909"/>
-          </a:solidFill>
-          <a:ln>
-            <a:solidFill>
-              <a:schemeClr val="bg1"/>
-            </a:solidFill>
-          </a:ln>
-        </p:spPr>
-        <p:style>
-          <a:lnRef idx="2">
-            <a:schemeClr val="accent1">
-              <a:shade val="50000"/>
-            </a:schemeClr>
-          </a:lnRef>
-          <a:fillRef idx="1">
-            <a:schemeClr val="accent1"/>
-          </a:fillRef>
-          <a:effectRef idx="0">
-            <a:schemeClr val="accent1"/>
-          </a:effectRef>
-          <a:fontRef idx="minor">
-            <a:schemeClr val="lt1"/>
-          </a:fontRef>
-        </p:style>
-        <p:txBody>
-          <a:bodyPr rtlCol="0" anchor="ctr"/>
-          <a:p>
-            <a:pPr algn="ctr"/>
-            <a:r>
-              <a:rPr lang="en-US" altLang="zh-CN" b="1">
-                <a:solidFill>
-                  <a:schemeClr val="bg1"/>
-                </a:solidFill>
-                <a:latin typeface="宋体" panose="02010600030101010101" pitchFamily="2" charset="-122"/>
-                <a:ea typeface="宋体" panose="02010600030101010101" pitchFamily="2" charset="-122"/>
-                <a:cs typeface="宋体" panose="02010600030101010101" pitchFamily="2" charset="-122"/>
-                <a:sym typeface="+mn-ea"/>
-              </a:rPr>
-              <a:t>错误是无法处理</a:t>
-            </a:r>
-            <a:endParaRPr lang="en-US" altLang="zh-CN" b="1">
-              <a:solidFill>
-                <a:schemeClr val="bg1"/>
-              </a:solidFill>
-              <a:latin typeface="宋体" panose="02010600030101010101" pitchFamily="2" charset="-122"/>
-              <a:ea typeface="宋体" panose="02010600030101010101" pitchFamily="2" charset="-122"/>
-              <a:cs typeface="宋体" panose="02010600030101010101" pitchFamily="2" charset="-122"/>
-              <a:sym typeface="+mn-ea"/>
-            </a:endParaRPr>
-          </a:p>
-        </p:txBody>
-      </p:sp>
-      <p:sp>
-        <p:nvSpPr>
-          <p:cNvPr id="6" name="矩形 5"/>
-          <p:cNvSpPr/>
-          <p:nvPr/>
-        </p:nvSpPr>
-        <p:spPr>
-          <a:xfrm>
-            <a:off x="276225" y="3780155"/>
-            <a:ext cx="3459480" cy="1958340"/>
-          </a:xfrm>
-          <a:prstGeom prst="rect">
-            <a:avLst/>
-          </a:prstGeom>
-          <a:noFill/>
-          <a:ln w="28575"/>
-          <a:extLst>
-            <a:ext uri="{909E8E84-426E-40DD-AFC4-6F175D3DCCD1}">
-              <a14:hiddenFill xmlns:a14="http://schemas.microsoft.com/office/drawing/2010/main">
-                <a:solidFill>
-                  <a:schemeClr val="tx2">
-                    <a:lumMod val="40000"/>
-                    <a:lumOff val="60000"/>
-                  </a:schemeClr>
-                </a:solidFill>
-              </a14:hiddenFill>
-            </a:ext>
-          </a:extLst>
-        </p:spPr>
-        <p:style>
-          <a:lnRef idx="2">
-            <a:schemeClr val="accent1">
-              <a:shade val="50000"/>
-            </a:schemeClr>
-          </a:lnRef>
-          <a:fillRef idx="1">
-            <a:schemeClr val="accent1"/>
-          </a:fillRef>
-          <a:effectRef idx="0">
-            <a:schemeClr val="accent1"/>
-          </a:effectRef>
-          <a:fontRef idx="minor">
-            <a:schemeClr val="lt1"/>
-          </a:fontRef>
-        </p:style>
-        <p:txBody>
-          <a:bodyPr rtlCol="0" anchor="ctr"/>
-          <a:p>
-            <a:pPr algn="l"/>
-            <a:endParaRPr lang="zh-CN" altLang="en-US" sz="1200">
-              <a:solidFill>
-                <a:schemeClr val="tx1"/>
-              </a:solidFill>
-              <a:latin typeface="+mn-ea"/>
-              <a:cs typeface="+mn-ea"/>
-              <a:sym typeface="+mn-ea"/>
-            </a:endParaRPr>
-          </a:p>
-        </p:txBody>
-      </p:sp>
-      <p:sp>
-        <p:nvSpPr>
-          <p:cNvPr id="7" name="流程图: 文档 6"/>
-          <p:cNvSpPr/>
-          <p:nvPr/>
-        </p:nvSpPr>
-        <p:spPr>
-          <a:xfrm>
-            <a:off x="194310" y="3606165"/>
-            <a:ext cx="2567940" cy="445135"/>
-          </a:xfrm>
-          <a:prstGeom prst="flowChartDocument">
-            <a:avLst/>
-          </a:prstGeom>
-        </p:spPr>
-        <p:style>
-          <a:lnRef idx="2">
-            <a:schemeClr val="accent1">
-              <a:shade val="50000"/>
-            </a:schemeClr>
-          </a:lnRef>
-          <a:fillRef idx="1">
-            <a:schemeClr val="accent1"/>
-          </a:fillRef>
-          <a:effectRef idx="0">
-            <a:schemeClr val="accent1"/>
-          </a:effectRef>
-          <a:fontRef idx="minor">
-            <a:schemeClr val="lt1"/>
-          </a:fontRef>
-        </p:style>
-        <p:txBody>
-          <a:bodyPr rtlCol="0" anchor="ctr"/>
-          <a:p>
-            <a:pPr algn="ctr"/>
-            <a:r>
-              <a:rPr lang="en-US" altLang="zh-CN" b="1">
-                <a:latin typeface="宋体" panose="02010600030101010101" pitchFamily="2" charset="-122"/>
-                <a:ea typeface="宋体" panose="02010600030101010101" pitchFamily="2" charset="-122"/>
-                <a:cs typeface="宋体" panose="02010600030101010101" pitchFamily="2" charset="-122"/>
-                <a:sym typeface="+mn-ea"/>
-              </a:rPr>
-              <a:t>异常和错误的区别</a:t>
-            </a:r>
-            <a:endParaRPr lang="zh-CN" altLang="en-US"/>
           </a:p>
         </p:txBody>
       </p:sp>
@@ -21021,10 +22751,7 @@
 
 <file path=ppt/tags/tag99.xml><?xml version="1.0" encoding="utf-8"?>
 <p:tagLst xmlns:p="http://schemas.openxmlformats.org/presentationml/2006/main">
-  <p:tag name="KSO_WM_BEAUTIFY_FLAG" val="#wm#"/>
-  <p:tag name="KSO_WM_TEMPLATE_CATEGORY" val="custom"/>
-  <p:tag name="KSO_WM_TEMPLATE_INDEX" val="20203858"/>
-  <p:tag name="KSO_WM_SPECIAL_SOURCE" val="bdnull"/>
+  <p:tag name="KSO_WM_UNIT_TABLE_BEAUTIFY" val="smartTable{73f1f036-7b7c-4526-9576-48843ad4f81c}"/>
 </p:tagLst>
 </file>
 
